--- a/Seminário 1 - CMSE/Seminário - Comitê de Monitoramento do Sistema Elétrico.pptx
+++ b/Seminário 1 - CMSE/Seminário - Comitê de Monitoramento do Sistema Elétrico.pptx
@@ -4,6 +4,9 @@
   <p:sldMasterIdLst>
     <p:sldMasterId id="2147483711" r:id="rId1"/>
   </p:sldMasterIdLst>
+  <p:notesMasterIdLst>
+    <p:notesMasterId r:id="rId19"/>
+  </p:notesMasterIdLst>
   <p:sldIdLst>
     <p:sldId id="266" r:id="rId2"/>
     <p:sldId id="268" r:id="rId3"/>
@@ -11,9 +14,17 @@
     <p:sldId id="265" r:id="rId5"/>
     <p:sldId id="270" r:id="rId6"/>
     <p:sldId id="271" r:id="rId7"/>
-    <p:sldId id="272" r:id="rId8"/>
-    <p:sldId id="273" r:id="rId9"/>
-    <p:sldId id="263" r:id="rId10"/>
+    <p:sldId id="274" r:id="rId8"/>
+    <p:sldId id="275" r:id="rId9"/>
+    <p:sldId id="276" r:id="rId10"/>
+    <p:sldId id="277" r:id="rId11"/>
+    <p:sldId id="278" r:id="rId12"/>
+    <p:sldId id="280" r:id="rId13"/>
+    <p:sldId id="279" r:id="rId14"/>
+    <p:sldId id="281" r:id="rId15"/>
+    <p:sldId id="272" r:id="rId16"/>
+    <p:sldId id="273" r:id="rId17"/>
+    <p:sldId id="263" r:id="rId18"/>
   </p:sldIdLst>
   <p:sldSz cx="12192000" cy="6858000"/>
   <p:notesSz cx="6858000" cy="9144000"/>
@@ -123,6 +134,7 @@
 <file path=ppt/revisionInfo.xml><?xml version="1.0" encoding="utf-8"?>
 <p1510:revInfo xmlns:a="http://schemas.openxmlformats.org/drawingml/2006/main" xmlns:r="http://schemas.openxmlformats.org/officeDocument/2006/relationships" xmlns:p1510="http://schemas.microsoft.com/office/powerpoint/2015/10/main">
   <p1510:revLst>
+    <p1510:client id="{35B9C774-3FF1-47EF-AF69-8BF05FBA44EA}" v="29" dt="2023-04-10T13:34:24.698"/>
     <p1510:client id="{9585BDE4-5219-4D9B-8990-0C094C2AA3B4}" v="19" dt="2023-04-10T00:31:58.610"/>
   </p1510:revLst>
 </p1510:revInfo>
@@ -3211,6 +3223,493 @@
             <pc:docMk/>
             <pc:sldMk cId="56838272" sldId="265"/>
             <ac:cxnSpMk id="31" creationId="{2AFD8CBA-54A3-4363-991B-B9C631BBFA74}"/>
+          </ac:cxnSpMkLst>
+        </pc:cxnChg>
+      </pc:sldChg>
+    </pc:docChg>
+  </pc:docChgLst>
+  <pc:docChgLst>
+    <pc:chgData name="Lauro Junior" userId="06eb512eaad66502" providerId="LiveId" clId="{35B9C774-3FF1-47EF-AF69-8BF05FBA44EA}"/>
+    <pc:docChg chg="undo redo custSel addSld modSld">
+      <pc:chgData name="Lauro Junior" userId="06eb512eaad66502" providerId="LiveId" clId="{35B9C774-3FF1-47EF-AF69-8BF05FBA44EA}" dt="2023-04-10T13:45:12.337" v="1739" actId="20577"/>
+      <pc:docMkLst>
+        <pc:docMk/>
+      </pc:docMkLst>
+      <pc:sldChg chg="modSp mod">
+        <pc:chgData name="Lauro Junior" userId="06eb512eaad66502" providerId="LiveId" clId="{35B9C774-3FF1-47EF-AF69-8BF05FBA44EA}" dt="2023-04-10T12:22:23.656" v="187" actId="1076"/>
+        <pc:sldMkLst>
+          <pc:docMk/>
+          <pc:sldMk cId="2874628143" sldId="268"/>
+        </pc:sldMkLst>
+        <pc:spChg chg="mod">
+          <ac:chgData name="Lauro Junior" userId="06eb512eaad66502" providerId="LiveId" clId="{35B9C774-3FF1-47EF-AF69-8BF05FBA44EA}" dt="2023-04-10T12:22:23.656" v="187" actId="1076"/>
+          <ac:spMkLst>
+            <pc:docMk/>
+            <pc:sldMk cId="2874628143" sldId="268"/>
+            <ac:spMk id="2" creationId="{347A1876-CC88-40B9-9005-E603609A61BB}"/>
+          </ac:spMkLst>
+        </pc:spChg>
+        <pc:cxnChg chg="mod">
+          <ac:chgData name="Lauro Junior" userId="06eb512eaad66502" providerId="LiveId" clId="{35B9C774-3FF1-47EF-AF69-8BF05FBA44EA}" dt="2023-04-10T12:22:22.978" v="186" actId="1076"/>
+          <ac:cxnSpMkLst>
+            <pc:docMk/>
+            <pc:sldMk cId="2874628143" sldId="268"/>
+            <ac:cxnSpMk id="5" creationId="{43000A6A-F3EF-4021-955E-983CA9437BE7}"/>
+          </ac:cxnSpMkLst>
+        </pc:cxnChg>
+      </pc:sldChg>
+      <pc:sldChg chg="modSp mod">
+        <pc:chgData name="Lauro Junior" userId="06eb512eaad66502" providerId="LiveId" clId="{35B9C774-3FF1-47EF-AF69-8BF05FBA44EA}" dt="2023-04-10T12:17:04.548" v="72" actId="20577"/>
+        <pc:sldMkLst>
+          <pc:docMk/>
+          <pc:sldMk cId="3671318079" sldId="271"/>
+        </pc:sldMkLst>
+        <pc:spChg chg="mod">
+          <ac:chgData name="Lauro Junior" userId="06eb512eaad66502" providerId="LiveId" clId="{35B9C774-3FF1-47EF-AF69-8BF05FBA44EA}" dt="2023-04-10T12:17:04.548" v="72" actId="20577"/>
+          <ac:spMkLst>
+            <pc:docMk/>
+            <pc:sldMk cId="3671318079" sldId="271"/>
+            <ac:spMk id="6" creationId="{DA48E4AD-1194-4DE2-0574-6E1DBEB56531}"/>
+          </ac:spMkLst>
+        </pc:spChg>
+      </pc:sldChg>
+      <pc:sldChg chg="addSp delSp modSp add mod">
+        <pc:chgData name="Lauro Junior" userId="06eb512eaad66502" providerId="LiveId" clId="{35B9C774-3FF1-47EF-AF69-8BF05FBA44EA}" dt="2023-04-10T12:47:47.370" v="638" actId="1076"/>
+        <pc:sldMkLst>
+          <pc:docMk/>
+          <pc:sldMk cId="2975478764" sldId="274"/>
+        </pc:sldMkLst>
+        <pc:spChg chg="del mod">
+          <ac:chgData name="Lauro Junior" userId="06eb512eaad66502" providerId="LiveId" clId="{35B9C774-3FF1-47EF-AF69-8BF05FBA44EA}" dt="2023-04-10T12:16:26.545" v="4" actId="478"/>
+          <ac:spMkLst>
+            <pc:docMk/>
+            <pc:sldMk cId="2975478764" sldId="274"/>
+            <ac:spMk id="4" creationId="{63B3A9AC-DB0B-A753-7D08-07DB929E6E17}"/>
+          </ac:spMkLst>
+        </pc:spChg>
+        <pc:spChg chg="del mod">
+          <ac:chgData name="Lauro Junior" userId="06eb512eaad66502" providerId="LiveId" clId="{35B9C774-3FF1-47EF-AF69-8BF05FBA44EA}" dt="2023-04-10T12:23:04.722" v="194" actId="478"/>
+          <ac:spMkLst>
+            <pc:docMk/>
+            <pc:sldMk cId="2975478764" sldId="274"/>
+            <ac:spMk id="6" creationId="{DA48E4AD-1194-4DE2-0574-6E1DBEB56531}"/>
+          </ac:spMkLst>
+        </pc:spChg>
+        <pc:spChg chg="del">
+          <ac:chgData name="Lauro Junior" userId="06eb512eaad66502" providerId="LiveId" clId="{35B9C774-3FF1-47EF-AF69-8BF05FBA44EA}" dt="2023-04-10T12:16:30.697" v="7" actId="478"/>
+          <ac:spMkLst>
+            <pc:docMk/>
+            <pc:sldMk cId="2975478764" sldId="274"/>
+            <ac:spMk id="7" creationId="{50F78629-C2E6-AEAD-FDF2-05033BB9FA75}"/>
+          </ac:spMkLst>
+        </pc:spChg>
+        <pc:spChg chg="add mod">
+          <ac:chgData name="Lauro Junior" userId="06eb512eaad66502" providerId="LiveId" clId="{35B9C774-3FF1-47EF-AF69-8BF05FBA44EA}" dt="2023-04-10T12:23:55.604" v="286" actId="14100"/>
+          <ac:spMkLst>
+            <pc:docMk/>
+            <pc:sldMk cId="2975478764" sldId="274"/>
+            <ac:spMk id="10" creationId="{EA819FEF-09DD-D777-4188-3EEC39FBBD41}"/>
+          </ac:spMkLst>
+        </pc:spChg>
+        <pc:spChg chg="add del mod">
+          <ac:chgData name="Lauro Junior" userId="06eb512eaad66502" providerId="LiveId" clId="{35B9C774-3FF1-47EF-AF69-8BF05FBA44EA}" dt="2023-04-10T12:23:30.799" v="236"/>
+          <ac:spMkLst>
+            <pc:docMk/>
+            <pc:sldMk cId="2975478764" sldId="274"/>
+            <ac:spMk id="11" creationId="{DB7B2ECC-3813-C9F7-2D88-D3D69ECEE416}"/>
+          </ac:spMkLst>
+        </pc:spChg>
+        <pc:spChg chg="add mod">
+          <ac:chgData name="Lauro Junior" userId="06eb512eaad66502" providerId="LiveId" clId="{35B9C774-3FF1-47EF-AF69-8BF05FBA44EA}" dt="2023-04-10T12:41:18.387" v="545" actId="1076"/>
+          <ac:spMkLst>
+            <pc:docMk/>
+            <pc:sldMk cId="2975478764" sldId="274"/>
+            <ac:spMk id="13" creationId="{907E97C3-E584-B69F-B362-6DE3267C5DCF}"/>
+          </ac:spMkLst>
+        </pc:spChg>
+        <pc:spChg chg="mod">
+          <ac:chgData name="Lauro Junior" userId="06eb512eaad66502" providerId="LiveId" clId="{35B9C774-3FF1-47EF-AF69-8BF05FBA44EA}" dt="2023-04-10T12:22:39.319" v="189" actId="1076"/>
+          <ac:spMkLst>
+            <pc:docMk/>
+            <pc:sldMk cId="2975478764" sldId="274"/>
+            <ac:spMk id="29" creationId="{C8E5C476-3119-43EB-AE93-F6D97BED116F}"/>
+          </ac:spMkLst>
+        </pc:spChg>
+        <pc:picChg chg="del">
+          <ac:chgData name="Lauro Junior" userId="06eb512eaad66502" providerId="LiveId" clId="{35B9C774-3FF1-47EF-AF69-8BF05FBA44EA}" dt="2023-04-10T12:16:18.644" v="1" actId="478"/>
+          <ac:picMkLst>
+            <pc:docMk/>
+            <pc:sldMk cId="2975478764" sldId="274"/>
+            <ac:picMk id="2" creationId="{4426CBEC-93F7-0522-9B8E-3D4C1D29DA70}"/>
+          </ac:picMkLst>
+        </pc:picChg>
+        <pc:picChg chg="add del mod">
+          <ac:chgData name="Lauro Junior" userId="06eb512eaad66502" providerId="LiveId" clId="{35B9C774-3FF1-47EF-AF69-8BF05FBA44EA}" dt="2023-04-10T12:47:20.729" v="635" actId="478"/>
+          <ac:picMkLst>
+            <pc:docMk/>
+            <pc:sldMk cId="2975478764" sldId="274"/>
+            <ac:picMk id="9" creationId="{7A78563C-14E9-9B00-731A-26DE3D072A0B}"/>
+          </ac:picMkLst>
+        </pc:picChg>
+        <pc:picChg chg="add mod">
+          <ac:chgData name="Lauro Junior" userId="06eb512eaad66502" providerId="LiveId" clId="{35B9C774-3FF1-47EF-AF69-8BF05FBA44EA}" dt="2023-04-10T12:47:47.370" v="638" actId="1076"/>
+          <ac:picMkLst>
+            <pc:docMk/>
+            <pc:sldMk cId="2975478764" sldId="274"/>
+            <ac:picMk id="15" creationId="{1695467B-2534-2C15-5001-CFB67388D00F}"/>
+          </ac:picMkLst>
+        </pc:picChg>
+        <pc:cxnChg chg="del">
+          <ac:chgData name="Lauro Junior" userId="06eb512eaad66502" providerId="LiveId" clId="{35B9C774-3FF1-47EF-AF69-8BF05FBA44EA}" dt="2023-04-10T12:16:27.954" v="5" actId="478"/>
+          <ac:cxnSpMkLst>
+            <pc:docMk/>
+            <pc:sldMk cId="2975478764" sldId="274"/>
+            <ac:cxnSpMk id="3" creationId="{F876FB56-2A11-6939-DDF8-6E9F12159DFA}"/>
+          </ac:cxnSpMkLst>
+        </pc:cxnChg>
+        <pc:cxnChg chg="del">
+          <ac:chgData name="Lauro Junior" userId="06eb512eaad66502" providerId="LiveId" clId="{35B9C774-3FF1-47EF-AF69-8BF05FBA44EA}" dt="2023-04-10T12:16:29.071" v="6" actId="478"/>
+          <ac:cxnSpMkLst>
+            <pc:docMk/>
+            <pc:sldMk cId="2975478764" sldId="274"/>
+            <ac:cxnSpMk id="5" creationId="{9FFC9978-2F92-3FFE-B820-A434020759AA}"/>
+          </ac:cxnSpMkLst>
+        </pc:cxnChg>
+        <pc:cxnChg chg="mod">
+          <ac:chgData name="Lauro Junior" userId="06eb512eaad66502" providerId="LiveId" clId="{35B9C774-3FF1-47EF-AF69-8BF05FBA44EA}" dt="2023-04-10T12:22:44.335" v="190" actId="1076"/>
+          <ac:cxnSpMkLst>
+            <pc:docMk/>
+            <pc:sldMk cId="2975478764" sldId="274"/>
+            <ac:cxnSpMk id="16" creationId="{427709C3-2DD2-4889-9D04-807999382D92}"/>
+          </ac:cxnSpMkLst>
+        </pc:cxnChg>
+      </pc:sldChg>
+      <pc:sldChg chg="addSp delSp modSp add mod">
+        <pc:chgData name="Lauro Junior" userId="06eb512eaad66502" providerId="LiveId" clId="{35B9C774-3FF1-47EF-AF69-8BF05FBA44EA}" dt="2023-04-10T12:44:28.173" v="634" actId="1076"/>
+        <pc:sldMkLst>
+          <pc:docMk/>
+          <pc:sldMk cId="3742048905" sldId="275"/>
+        </pc:sldMkLst>
+        <pc:spChg chg="add mod">
+          <ac:chgData name="Lauro Junior" userId="06eb512eaad66502" providerId="LiveId" clId="{35B9C774-3FF1-47EF-AF69-8BF05FBA44EA}" dt="2023-04-10T12:42:36.039" v="586" actId="1076"/>
+          <ac:spMkLst>
+            <pc:docMk/>
+            <pc:sldMk cId="3742048905" sldId="275"/>
+            <ac:spMk id="4" creationId="{FACB8B72-0EF6-B218-1CBF-69610AB21C44}"/>
+          </ac:spMkLst>
+        </pc:spChg>
+        <pc:spChg chg="mod">
+          <ac:chgData name="Lauro Junior" userId="06eb512eaad66502" providerId="LiveId" clId="{35B9C774-3FF1-47EF-AF69-8BF05FBA44EA}" dt="2023-04-10T12:25:36.386" v="372" actId="20577"/>
+          <ac:spMkLst>
+            <pc:docMk/>
+            <pc:sldMk cId="3742048905" sldId="275"/>
+            <ac:spMk id="10" creationId="{EA819FEF-09DD-D777-4188-3EEC39FBBD41}"/>
+          </ac:spMkLst>
+        </pc:spChg>
+        <pc:picChg chg="add mod modCrop">
+          <ac:chgData name="Lauro Junior" userId="06eb512eaad66502" providerId="LiveId" clId="{35B9C774-3FF1-47EF-AF69-8BF05FBA44EA}" dt="2023-04-10T12:44:28.173" v="634" actId="1076"/>
+          <ac:picMkLst>
+            <pc:docMk/>
+            <pc:sldMk cId="3742048905" sldId="275"/>
+            <ac:picMk id="3" creationId="{F6528CB0-80CA-2EA2-779D-0CAA0CA5DD7A}"/>
+          </ac:picMkLst>
+        </pc:picChg>
+        <pc:picChg chg="del">
+          <ac:chgData name="Lauro Junior" userId="06eb512eaad66502" providerId="LiveId" clId="{35B9C774-3FF1-47EF-AF69-8BF05FBA44EA}" dt="2023-04-10T12:25:15.809" v="292" actId="478"/>
+          <ac:picMkLst>
+            <pc:docMk/>
+            <pc:sldMk cId="3742048905" sldId="275"/>
+            <ac:picMk id="9" creationId="{7A78563C-14E9-9B00-731A-26DE3D072A0B}"/>
+          </ac:picMkLst>
+        </pc:picChg>
+      </pc:sldChg>
+      <pc:sldChg chg="addSp delSp modSp add mod">
+        <pc:chgData name="Lauro Junior" userId="06eb512eaad66502" providerId="LiveId" clId="{35B9C774-3FF1-47EF-AF69-8BF05FBA44EA}" dt="2023-04-10T12:44:20.066" v="633" actId="1076"/>
+        <pc:sldMkLst>
+          <pc:docMk/>
+          <pc:sldMk cId="2691419721" sldId="276"/>
+        </pc:sldMkLst>
+        <pc:spChg chg="add mod">
+          <ac:chgData name="Lauro Junior" userId="06eb512eaad66502" providerId="LiveId" clId="{35B9C774-3FF1-47EF-AF69-8BF05FBA44EA}" dt="2023-04-10T12:44:09.354" v="631" actId="1076"/>
+          <ac:spMkLst>
+            <pc:docMk/>
+            <pc:sldMk cId="2691419721" sldId="276"/>
+            <ac:spMk id="4" creationId="{AA0A45C2-D98F-41F8-5562-FE3865B74F8C}"/>
+          </ac:spMkLst>
+        </pc:spChg>
+        <pc:picChg chg="add mod modCrop">
+          <ac:chgData name="Lauro Junior" userId="06eb512eaad66502" providerId="LiveId" clId="{35B9C774-3FF1-47EF-AF69-8BF05FBA44EA}" dt="2023-04-10T12:44:20.066" v="633" actId="1076"/>
+          <ac:picMkLst>
+            <pc:docMk/>
+            <pc:sldMk cId="2691419721" sldId="276"/>
+            <ac:picMk id="2" creationId="{BA57D771-B994-0FEB-FBD4-9F3BC9F30264}"/>
+          </ac:picMkLst>
+        </pc:picChg>
+        <pc:picChg chg="del">
+          <ac:chgData name="Lauro Junior" userId="06eb512eaad66502" providerId="LiveId" clId="{35B9C774-3FF1-47EF-AF69-8BF05FBA44EA}" dt="2023-04-10T12:31:32.672" v="395" actId="478"/>
+          <ac:picMkLst>
+            <pc:docMk/>
+            <pc:sldMk cId="2691419721" sldId="276"/>
+            <ac:picMk id="3" creationId="{F6528CB0-80CA-2EA2-779D-0CAA0CA5DD7A}"/>
+          </ac:picMkLst>
+        </pc:picChg>
+      </pc:sldChg>
+      <pc:sldChg chg="addSp delSp modSp add mod">
+        <pc:chgData name="Lauro Junior" userId="06eb512eaad66502" providerId="LiveId" clId="{35B9C774-3FF1-47EF-AF69-8BF05FBA44EA}" dt="2023-04-10T12:37:57.116" v="432" actId="22"/>
+        <pc:sldMkLst>
+          <pc:docMk/>
+          <pc:sldMk cId="1986328138" sldId="277"/>
+        </pc:sldMkLst>
+        <pc:spChg chg="add mod">
+          <ac:chgData name="Lauro Junior" userId="06eb512eaad66502" providerId="LiveId" clId="{35B9C774-3FF1-47EF-AF69-8BF05FBA44EA}" dt="2023-04-10T12:35:49.481" v="430" actId="123"/>
+          <ac:spMkLst>
+            <pc:docMk/>
+            <pc:sldMk cId="1986328138" sldId="277"/>
+            <ac:spMk id="4" creationId="{AC4A805E-89A4-0153-DE80-FD59AE6E77E7}"/>
+          </ac:spMkLst>
+        </pc:spChg>
+        <pc:spChg chg="add del">
+          <ac:chgData name="Lauro Junior" userId="06eb512eaad66502" providerId="LiveId" clId="{35B9C774-3FF1-47EF-AF69-8BF05FBA44EA}" dt="2023-04-10T12:37:57.116" v="432" actId="22"/>
+          <ac:spMkLst>
+            <pc:docMk/>
+            <pc:sldMk cId="1986328138" sldId="277"/>
+            <ac:spMk id="6" creationId="{771FE342-46A3-AA9B-3898-3EC9B54268EC}"/>
+          </ac:spMkLst>
+        </pc:spChg>
+        <pc:spChg chg="mod">
+          <ac:chgData name="Lauro Junior" userId="06eb512eaad66502" providerId="LiveId" clId="{35B9C774-3FF1-47EF-AF69-8BF05FBA44EA}" dt="2023-04-10T12:34:50.563" v="424" actId="20577"/>
+          <ac:spMkLst>
+            <pc:docMk/>
+            <pc:sldMk cId="1986328138" sldId="277"/>
+            <ac:spMk id="10" creationId="{EA819FEF-09DD-D777-4188-3EEC39FBBD41}"/>
+          </ac:spMkLst>
+        </pc:spChg>
+        <pc:picChg chg="del">
+          <ac:chgData name="Lauro Junior" userId="06eb512eaad66502" providerId="LiveId" clId="{35B9C774-3FF1-47EF-AF69-8BF05FBA44EA}" dt="2023-04-10T12:34:19.604" v="398" actId="478"/>
+          <ac:picMkLst>
+            <pc:docMk/>
+            <pc:sldMk cId="1986328138" sldId="277"/>
+            <ac:picMk id="2" creationId="{BA57D771-B994-0FEB-FBD4-9F3BC9F30264}"/>
+          </ac:picMkLst>
+        </pc:picChg>
+      </pc:sldChg>
+      <pc:sldChg chg="addSp delSp modSp add mod">
+        <pc:chgData name="Lauro Junior" userId="06eb512eaad66502" providerId="LiveId" clId="{35B9C774-3FF1-47EF-AF69-8BF05FBA44EA}" dt="2023-04-10T12:42:56.136" v="629" actId="20577"/>
+        <pc:sldMkLst>
+          <pc:docMk/>
+          <pc:sldMk cId="3528258654" sldId="278"/>
+        </pc:sldMkLst>
+        <pc:spChg chg="add mod">
+          <ac:chgData name="Lauro Junior" userId="06eb512eaad66502" providerId="LiveId" clId="{35B9C774-3FF1-47EF-AF69-8BF05FBA44EA}" dt="2023-04-10T12:42:56.136" v="629" actId="20577"/>
+          <ac:spMkLst>
+            <pc:docMk/>
+            <pc:sldMk cId="3528258654" sldId="278"/>
+            <ac:spMk id="3" creationId="{AC9F4EAA-C751-5D35-A9B9-56A9E89CC297}"/>
+          </ac:spMkLst>
+        </pc:spChg>
+        <pc:spChg chg="del">
+          <ac:chgData name="Lauro Junior" userId="06eb512eaad66502" providerId="LiveId" clId="{35B9C774-3FF1-47EF-AF69-8BF05FBA44EA}" dt="2023-04-10T12:38:06.519" v="434" actId="478"/>
+          <ac:spMkLst>
+            <pc:docMk/>
+            <pc:sldMk cId="3528258654" sldId="278"/>
+            <ac:spMk id="4" creationId="{AC4A805E-89A4-0153-DE80-FD59AE6E77E7}"/>
+          </ac:spMkLst>
+        </pc:spChg>
+        <pc:spChg chg="mod">
+          <ac:chgData name="Lauro Junior" userId="06eb512eaad66502" providerId="LiveId" clId="{35B9C774-3FF1-47EF-AF69-8BF05FBA44EA}" dt="2023-04-10T12:38:21.472" v="460" actId="20577"/>
+          <ac:spMkLst>
+            <pc:docMk/>
+            <pc:sldMk cId="3528258654" sldId="278"/>
+            <ac:spMk id="10" creationId="{EA819FEF-09DD-D777-4188-3EEC39FBBD41}"/>
+          </ac:spMkLst>
+        </pc:spChg>
+        <pc:picChg chg="add mod">
+          <ac:chgData name="Lauro Junior" userId="06eb512eaad66502" providerId="LiveId" clId="{35B9C774-3FF1-47EF-AF69-8BF05FBA44EA}" dt="2023-04-10T12:38:43.659" v="464" actId="1076"/>
+          <ac:picMkLst>
+            <pc:docMk/>
+            <pc:sldMk cId="3528258654" sldId="278"/>
+            <ac:picMk id="2" creationId="{C9278F32-8548-FB2C-02E9-CE2312D46658}"/>
+          </ac:picMkLst>
+        </pc:picChg>
+      </pc:sldChg>
+      <pc:sldChg chg="addSp delSp modSp add mod">
+        <pc:chgData name="Lauro Junior" userId="06eb512eaad66502" providerId="LiveId" clId="{35B9C774-3FF1-47EF-AF69-8BF05FBA44EA}" dt="2023-04-10T13:06:38.613" v="770" actId="1076"/>
+        <pc:sldMkLst>
+          <pc:docMk/>
+          <pc:sldMk cId="827191483" sldId="279"/>
+        </pc:sldMkLst>
+        <pc:spChg chg="mod">
+          <ac:chgData name="Lauro Junior" userId="06eb512eaad66502" providerId="LiveId" clId="{35B9C774-3FF1-47EF-AF69-8BF05FBA44EA}" dt="2023-04-10T13:06:38.613" v="770" actId="1076"/>
+          <ac:spMkLst>
+            <pc:docMk/>
+            <pc:sldMk cId="827191483" sldId="279"/>
+            <ac:spMk id="3" creationId="{AC9F4EAA-C751-5D35-A9B9-56A9E89CC297}"/>
+          </ac:spMkLst>
+        </pc:spChg>
+        <pc:spChg chg="mod">
+          <ac:chgData name="Lauro Junior" userId="06eb512eaad66502" providerId="LiveId" clId="{35B9C774-3FF1-47EF-AF69-8BF05FBA44EA}" dt="2023-04-10T12:55:50.960" v="688" actId="20577"/>
+          <ac:spMkLst>
+            <pc:docMk/>
+            <pc:sldMk cId="827191483" sldId="279"/>
+            <ac:spMk id="10" creationId="{EA819FEF-09DD-D777-4188-3EEC39FBBD41}"/>
+          </ac:spMkLst>
+        </pc:spChg>
+        <pc:picChg chg="del">
+          <ac:chgData name="Lauro Junior" userId="06eb512eaad66502" providerId="LiveId" clId="{35B9C774-3FF1-47EF-AF69-8BF05FBA44EA}" dt="2023-04-10T12:55:53.696" v="689" actId="478"/>
+          <ac:picMkLst>
+            <pc:docMk/>
+            <pc:sldMk cId="827191483" sldId="279"/>
+            <ac:picMk id="2" creationId="{C9278F32-8548-FB2C-02E9-CE2312D46658}"/>
+          </ac:picMkLst>
+        </pc:picChg>
+        <pc:picChg chg="add del mod">
+          <ac:chgData name="Lauro Junior" userId="06eb512eaad66502" providerId="LiveId" clId="{35B9C774-3FF1-47EF-AF69-8BF05FBA44EA}" dt="2023-04-10T12:57:17.851" v="692" actId="478"/>
+          <ac:picMkLst>
+            <pc:docMk/>
+            <pc:sldMk cId="827191483" sldId="279"/>
+            <ac:picMk id="5" creationId="{3E4DCD16-30C1-B3C2-B66E-AF6DB60F16D5}"/>
+          </ac:picMkLst>
+        </pc:picChg>
+        <pc:picChg chg="add del mod">
+          <ac:chgData name="Lauro Junior" userId="06eb512eaad66502" providerId="LiveId" clId="{35B9C774-3FF1-47EF-AF69-8BF05FBA44EA}" dt="2023-04-10T12:58:17.380" v="694" actId="478"/>
+          <ac:picMkLst>
+            <pc:docMk/>
+            <pc:sldMk cId="827191483" sldId="279"/>
+            <ac:picMk id="7" creationId="{14D3F041-B7F8-C19E-9C1B-A8BC9955609F}"/>
+          </ac:picMkLst>
+        </pc:picChg>
+        <pc:picChg chg="add del mod">
+          <ac:chgData name="Lauro Junior" userId="06eb512eaad66502" providerId="LiveId" clId="{35B9C774-3FF1-47EF-AF69-8BF05FBA44EA}" dt="2023-04-10T12:59:11.689" v="699" actId="478"/>
+          <ac:picMkLst>
+            <pc:docMk/>
+            <pc:sldMk cId="827191483" sldId="279"/>
+            <ac:picMk id="9" creationId="{138D1561-ED56-8E32-320E-67259BB99AFA}"/>
+          </ac:picMkLst>
+        </pc:picChg>
+        <pc:picChg chg="add mod">
+          <ac:chgData name="Lauro Junior" userId="06eb512eaad66502" providerId="LiveId" clId="{35B9C774-3FF1-47EF-AF69-8BF05FBA44EA}" dt="2023-04-10T12:59:17.591" v="701" actId="1076"/>
+          <ac:picMkLst>
+            <pc:docMk/>
+            <pc:sldMk cId="827191483" sldId="279"/>
+            <ac:picMk id="12" creationId="{D7F3AC0F-7D6C-D044-2D88-C071EB558B9D}"/>
+          </ac:picMkLst>
+        </pc:picChg>
+      </pc:sldChg>
+      <pc:sldChg chg="addSp delSp modSp add mod">
+        <pc:chgData name="Lauro Junior" userId="06eb512eaad66502" providerId="LiveId" clId="{35B9C774-3FF1-47EF-AF69-8BF05FBA44EA}" dt="2023-04-10T13:07:53.438" v="792" actId="1076"/>
+        <pc:sldMkLst>
+          <pc:docMk/>
+          <pc:sldMk cId="201673231" sldId="280"/>
+        </pc:sldMkLst>
+        <pc:spChg chg="mod">
+          <ac:chgData name="Lauro Junior" userId="06eb512eaad66502" providerId="LiveId" clId="{35B9C774-3FF1-47EF-AF69-8BF05FBA44EA}" dt="2023-04-10T13:07:28.434" v="786" actId="20577"/>
+          <ac:spMkLst>
+            <pc:docMk/>
+            <pc:sldMk cId="201673231" sldId="280"/>
+            <ac:spMk id="3" creationId="{AC9F4EAA-C751-5D35-A9B9-56A9E89CC297}"/>
+          </ac:spMkLst>
+        </pc:spChg>
+        <pc:picChg chg="add mod modCrop">
+          <ac:chgData name="Lauro Junior" userId="06eb512eaad66502" providerId="LiveId" clId="{35B9C774-3FF1-47EF-AF69-8BF05FBA44EA}" dt="2023-04-10T13:07:53.438" v="792" actId="1076"/>
+          <ac:picMkLst>
+            <pc:docMk/>
+            <pc:sldMk cId="201673231" sldId="280"/>
+            <ac:picMk id="2" creationId="{1BD9CF3F-C8D9-8C82-3201-391750ACF1A7}"/>
+          </ac:picMkLst>
+        </pc:picChg>
+        <pc:picChg chg="del">
+          <ac:chgData name="Lauro Junior" userId="06eb512eaad66502" providerId="LiveId" clId="{35B9C774-3FF1-47EF-AF69-8BF05FBA44EA}" dt="2023-04-10T13:07:13.014" v="772" actId="478"/>
+          <ac:picMkLst>
+            <pc:docMk/>
+            <pc:sldMk cId="201673231" sldId="280"/>
+            <ac:picMk id="12" creationId="{D7F3AC0F-7D6C-D044-2D88-C071EB558B9D}"/>
+          </ac:picMkLst>
+        </pc:picChg>
+      </pc:sldChg>
+      <pc:sldChg chg="addSp delSp modSp add mod">
+        <pc:chgData name="Lauro Junior" userId="06eb512eaad66502" providerId="LiveId" clId="{35B9C774-3FF1-47EF-AF69-8BF05FBA44EA}" dt="2023-04-10T13:45:12.337" v="1739" actId="20577"/>
+        <pc:sldMkLst>
+          <pc:docMk/>
+          <pc:sldMk cId="2490551623" sldId="281"/>
+        </pc:sldMkLst>
+        <pc:spChg chg="mod">
+          <ac:chgData name="Lauro Junior" userId="06eb512eaad66502" providerId="LiveId" clId="{35B9C774-3FF1-47EF-AF69-8BF05FBA44EA}" dt="2023-04-10T13:38:55.141" v="1719" actId="1076"/>
+          <ac:spMkLst>
+            <pc:docMk/>
+            <pc:sldMk cId="2490551623" sldId="281"/>
+            <ac:spMk id="3" creationId="{AC9F4EAA-C751-5D35-A9B9-56A9E89CC297}"/>
+          </ac:spMkLst>
+        </pc:spChg>
+        <pc:spChg chg="mod">
+          <ac:chgData name="Lauro Junior" userId="06eb512eaad66502" providerId="LiveId" clId="{35B9C774-3FF1-47EF-AF69-8BF05FBA44EA}" dt="2023-04-10T13:45:12.337" v="1739" actId="20577"/>
+          <ac:spMkLst>
+            <pc:docMk/>
+            <pc:sldMk cId="2490551623" sldId="281"/>
+            <ac:spMk id="10" creationId="{EA819FEF-09DD-D777-4188-3EEC39FBBD41}"/>
+          </ac:spMkLst>
+        </pc:spChg>
+        <pc:spChg chg="add mod">
+          <ac:chgData name="Lauro Junior" userId="06eb512eaad66502" providerId="LiveId" clId="{35B9C774-3FF1-47EF-AF69-8BF05FBA44EA}" dt="2023-04-10T13:33:48.795" v="1473" actId="1035"/>
+          <ac:spMkLst>
+            <pc:docMk/>
+            <pc:sldMk cId="2490551623" sldId="281"/>
+            <ac:spMk id="21" creationId="{CF8D6AA2-A5CC-AEF3-AE4D-BE6883240D3D}"/>
+          </ac:spMkLst>
+        </pc:spChg>
+        <pc:spChg chg="add mod">
+          <ac:chgData name="Lauro Junior" userId="06eb512eaad66502" providerId="LiveId" clId="{35B9C774-3FF1-47EF-AF69-8BF05FBA44EA}" dt="2023-04-10T13:35:40.532" v="1562" actId="255"/>
+          <ac:spMkLst>
+            <pc:docMk/>
+            <pc:sldMk cId="2490551623" sldId="281"/>
+            <ac:spMk id="22" creationId="{89FAD8C6-4E51-E0FA-FE56-775EC664FF00}"/>
+          </ac:spMkLst>
+        </pc:spChg>
+        <pc:spChg chg="add mod">
+          <ac:chgData name="Lauro Junior" userId="06eb512eaad66502" providerId="LiveId" clId="{35B9C774-3FF1-47EF-AF69-8BF05FBA44EA}" dt="2023-04-10T13:35:20.314" v="1560" actId="255"/>
+          <ac:spMkLst>
+            <pc:docMk/>
+            <pc:sldMk cId="2490551623" sldId="281"/>
+            <ac:spMk id="23" creationId="{34DD57EC-E8DC-9049-E6FD-9EA9E2FC5343}"/>
+          </ac:spMkLst>
+        </pc:spChg>
+        <pc:picChg chg="add mod">
+          <ac:chgData name="Lauro Junior" userId="06eb512eaad66502" providerId="LiveId" clId="{35B9C774-3FF1-47EF-AF69-8BF05FBA44EA}" dt="2023-04-10T13:24:38.727" v="1207" actId="1038"/>
+          <ac:picMkLst>
+            <pc:docMk/>
+            <pc:sldMk cId="2490551623" sldId="281"/>
+            <ac:picMk id="4" creationId="{2D91D191-7A66-4C7A-D379-6E091E02889F}"/>
+          </ac:picMkLst>
+        </pc:picChg>
+        <pc:picChg chg="add mod">
+          <ac:chgData name="Lauro Junior" userId="06eb512eaad66502" providerId="LiveId" clId="{35B9C774-3FF1-47EF-AF69-8BF05FBA44EA}" dt="2023-04-10T13:33:12.705" v="1457" actId="1037"/>
+          <ac:picMkLst>
+            <pc:docMk/>
+            <pc:sldMk cId="2490551623" sldId="281"/>
+            <ac:picMk id="6" creationId="{596235FE-C9BE-225D-E47C-FCAB68FA068E}"/>
+          </ac:picMkLst>
+        </pc:picChg>
+        <pc:picChg chg="del">
+          <ac:chgData name="Lauro Junior" userId="06eb512eaad66502" providerId="LiveId" clId="{35B9C774-3FF1-47EF-AF69-8BF05FBA44EA}" dt="2023-04-10T13:19:50.571" v="794" actId="478"/>
+          <ac:picMkLst>
+            <pc:docMk/>
+            <pc:sldMk cId="2490551623" sldId="281"/>
+            <ac:picMk id="12" creationId="{D7F3AC0F-7D6C-D044-2D88-C071EB558B9D}"/>
+          </ac:picMkLst>
+        </pc:picChg>
+        <pc:cxnChg chg="add mod">
+          <ac:chgData name="Lauro Junior" userId="06eb512eaad66502" providerId="LiveId" clId="{35B9C774-3FF1-47EF-AF69-8BF05FBA44EA}" dt="2023-04-10T13:28:11.621" v="1222" actId="14100"/>
+          <ac:cxnSpMkLst>
+            <pc:docMk/>
+            <pc:sldMk cId="2490551623" sldId="281"/>
+            <ac:cxnSpMk id="8" creationId="{FFC15A04-9ABB-8E93-AEDC-EC70E9552439}"/>
+          </ac:cxnSpMkLst>
+        </pc:cxnChg>
+        <pc:cxnChg chg="add mod">
+          <ac:chgData name="Lauro Junior" userId="06eb512eaad66502" providerId="LiveId" clId="{35B9C774-3FF1-47EF-AF69-8BF05FBA44EA}" dt="2023-04-10T13:33:22.265" v="1464" actId="1035"/>
+          <ac:cxnSpMkLst>
+            <pc:docMk/>
+            <pc:sldMk cId="2490551623" sldId="281"/>
+            <ac:cxnSpMk id="15" creationId="{5B53E5CD-5870-4D82-25C3-247A7EAD3A4F}"/>
           </ac:cxnSpMkLst>
         </pc:cxnChg>
       </pc:sldChg>
@@ -3475,6 +3974,439 @@
     </pc:docChg>
   </pc:docChgLst>
 </pc:chgInfo>
+</file>
+
+<file path=ppt/notesMasters/notesMaster1.xml><?xml version="1.0" encoding="utf-8"?>
+<p:notesMaster xmlns:a="http://schemas.openxmlformats.org/drawingml/2006/main" xmlns:r="http://schemas.openxmlformats.org/officeDocument/2006/relationships" xmlns:p="http://schemas.openxmlformats.org/presentationml/2006/main">
+  <p:cSld>
+    <p:bg>
+      <p:bgRef idx="1001">
+        <a:schemeClr val="bg1"/>
+      </p:bgRef>
+    </p:bg>
+    <p:spTree>
+      <p:nvGrpSpPr>
+        <p:cNvPr id="1" name=""/>
+        <p:cNvGrpSpPr/>
+        <p:nvPr/>
+      </p:nvGrpSpPr>
+      <p:grpSpPr>
+        <a:xfrm>
+          <a:off x="0" y="0"/>
+          <a:ext cx="0" cy="0"/>
+          <a:chOff x="0" y="0"/>
+          <a:chExt cx="0" cy="0"/>
+        </a:xfrm>
+      </p:grpSpPr>
+      <p:sp>
+        <p:nvSpPr>
+          <p:cNvPr id="2" name="Espaço Reservado para Cabeçalho 1"/>
+          <p:cNvSpPr>
+            <a:spLocks noGrp="1"/>
+          </p:cNvSpPr>
+          <p:nvPr>
+            <p:ph type="hdr" sz="quarter"/>
+          </p:nvPr>
+        </p:nvSpPr>
+        <p:spPr>
+          <a:xfrm>
+            <a:off x="0" y="0"/>
+            <a:ext cx="2971800" cy="458788"/>
+          </a:xfrm>
+          <a:prstGeom prst="rect">
+            <a:avLst/>
+          </a:prstGeom>
+        </p:spPr>
+        <p:txBody>
+          <a:bodyPr vert="horz" lIns="91440" tIns="45720" rIns="91440" bIns="45720" rtlCol="0"/>
+          <a:lstStyle>
+            <a:lvl1pPr algn="l">
+              <a:defRPr sz="1200"/>
+            </a:lvl1pPr>
+          </a:lstStyle>
+          <a:p>
+            <a:endParaRPr lang="pt-BR"/>
+          </a:p>
+        </p:txBody>
+      </p:sp>
+      <p:sp>
+        <p:nvSpPr>
+          <p:cNvPr id="3" name="Espaço Reservado para Data 2"/>
+          <p:cNvSpPr>
+            <a:spLocks noGrp="1"/>
+          </p:cNvSpPr>
+          <p:nvPr>
+            <p:ph type="dt" idx="1"/>
+          </p:nvPr>
+        </p:nvSpPr>
+        <p:spPr>
+          <a:xfrm>
+            <a:off x="3884613" y="0"/>
+            <a:ext cx="2971800" cy="458788"/>
+          </a:xfrm>
+          <a:prstGeom prst="rect">
+            <a:avLst/>
+          </a:prstGeom>
+        </p:spPr>
+        <p:txBody>
+          <a:bodyPr vert="horz" lIns="91440" tIns="45720" rIns="91440" bIns="45720" rtlCol="0"/>
+          <a:lstStyle>
+            <a:lvl1pPr algn="r">
+              <a:defRPr sz="1200"/>
+            </a:lvl1pPr>
+          </a:lstStyle>
+          <a:p>
+            <a:fld id="{C0AB85AB-7CB9-4731-A423-CB4C3687ABD9}" type="datetimeFigureOut">
+              <a:rPr lang="pt-BR" smtClean="0"/>
+              <a:t>10/04/2023</a:t>
+            </a:fld>
+            <a:endParaRPr lang="pt-BR"/>
+          </a:p>
+        </p:txBody>
+      </p:sp>
+      <p:sp>
+        <p:nvSpPr>
+          <p:cNvPr id="4" name="Espaço Reservado para Imagem de Slide 3"/>
+          <p:cNvSpPr>
+            <a:spLocks noGrp="1" noRot="1" noChangeAspect="1"/>
+          </p:cNvSpPr>
+          <p:nvPr>
+            <p:ph type="sldImg" idx="2"/>
+          </p:nvPr>
+        </p:nvSpPr>
+        <p:spPr>
+          <a:xfrm>
+            <a:off x="685800" y="1143000"/>
+            <a:ext cx="5486400" cy="3086100"/>
+          </a:xfrm>
+          <a:prstGeom prst="rect">
+            <a:avLst/>
+          </a:prstGeom>
+          <a:noFill/>
+          <a:ln w="12700">
+            <a:solidFill>
+              <a:prstClr val="black"/>
+            </a:solidFill>
+          </a:ln>
+        </p:spPr>
+        <p:txBody>
+          <a:bodyPr vert="horz" lIns="91440" tIns="45720" rIns="91440" bIns="45720" rtlCol="0" anchor="ctr"/>
+          <a:lstStyle/>
+          <a:p>
+            <a:endParaRPr lang="pt-BR"/>
+          </a:p>
+        </p:txBody>
+      </p:sp>
+      <p:sp>
+        <p:nvSpPr>
+          <p:cNvPr id="5" name="Espaço Reservado para Anotações 4"/>
+          <p:cNvSpPr>
+            <a:spLocks noGrp="1"/>
+          </p:cNvSpPr>
+          <p:nvPr>
+            <p:ph type="body" sz="quarter" idx="3"/>
+          </p:nvPr>
+        </p:nvSpPr>
+        <p:spPr>
+          <a:xfrm>
+            <a:off x="685800" y="4400550"/>
+            <a:ext cx="5486400" cy="3600450"/>
+          </a:xfrm>
+          <a:prstGeom prst="rect">
+            <a:avLst/>
+          </a:prstGeom>
+        </p:spPr>
+        <p:txBody>
+          <a:bodyPr vert="horz" lIns="91440" tIns="45720" rIns="91440" bIns="45720" rtlCol="0"/>
+          <a:lstStyle/>
+          <a:p>
+            <a:pPr lvl="0"/>
+            <a:r>
+              <a:rPr lang="pt-BR"/>
+              <a:t>Clique para editar os estilos de texto Mestres</a:t>
+            </a:r>
+          </a:p>
+          <a:p>
+            <a:pPr lvl="1"/>
+            <a:r>
+              <a:rPr lang="pt-BR"/>
+              <a:t>Segundo nível</a:t>
+            </a:r>
+          </a:p>
+          <a:p>
+            <a:pPr lvl="2"/>
+            <a:r>
+              <a:rPr lang="pt-BR"/>
+              <a:t>Terceiro nível</a:t>
+            </a:r>
+          </a:p>
+          <a:p>
+            <a:pPr lvl="3"/>
+            <a:r>
+              <a:rPr lang="pt-BR"/>
+              <a:t>Quarto nível</a:t>
+            </a:r>
+          </a:p>
+          <a:p>
+            <a:pPr lvl="4"/>
+            <a:r>
+              <a:rPr lang="pt-BR"/>
+              <a:t>Quinto nível</a:t>
+            </a:r>
+          </a:p>
+        </p:txBody>
+      </p:sp>
+      <p:sp>
+        <p:nvSpPr>
+          <p:cNvPr id="6" name="Espaço Reservado para Rodapé 5"/>
+          <p:cNvSpPr>
+            <a:spLocks noGrp="1"/>
+          </p:cNvSpPr>
+          <p:nvPr>
+            <p:ph type="ftr" sz="quarter" idx="4"/>
+          </p:nvPr>
+        </p:nvSpPr>
+        <p:spPr>
+          <a:xfrm>
+            <a:off x="0" y="8685213"/>
+            <a:ext cx="2971800" cy="458787"/>
+          </a:xfrm>
+          <a:prstGeom prst="rect">
+            <a:avLst/>
+          </a:prstGeom>
+        </p:spPr>
+        <p:txBody>
+          <a:bodyPr vert="horz" lIns="91440" tIns="45720" rIns="91440" bIns="45720" rtlCol="0" anchor="b"/>
+          <a:lstStyle>
+            <a:lvl1pPr algn="l">
+              <a:defRPr sz="1200"/>
+            </a:lvl1pPr>
+          </a:lstStyle>
+          <a:p>
+            <a:endParaRPr lang="pt-BR"/>
+          </a:p>
+        </p:txBody>
+      </p:sp>
+      <p:sp>
+        <p:nvSpPr>
+          <p:cNvPr id="7" name="Espaço Reservado para Número de Slide 6"/>
+          <p:cNvSpPr>
+            <a:spLocks noGrp="1"/>
+          </p:cNvSpPr>
+          <p:nvPr>
+            <p:ph type="sldNum" sz="quarter" idx="5"/>
+          </p:nvPr>
+        </p:nvSpPr>
+        <p:spPr>
+          <a:xfrm>
+            <a:off x="3884613" y="8685213"/>
+            <a:ext cx="2971800" cy="458787"/>
+          </a:xfrm>
+          <a:prstGeom prst="rect">
+            <a:avLst/>
+          </a:prstGeom>
+        </p:spPr>
+        <p:txBody>
+          <a:bodyPr vert="horz" lIns="91440" tIns="45720" rIns="91440" bIns="45720" rtlCol="0" anchor="b"/>
+          <a:lstStyle>
+            <a:lvl1pPr algn="r">
+              <a:defRPr sz="1200"/>
+            </a:lvl1pPr>
+          </a:lstStyle>
+          <a:p>
+            <a:fld id="{0E78D720-F3EA-4288-BC3B-658C2F660363}" type="slidenum">
+              <a:rPr lang="pt-BR" smtClean="0"/>
+              <a:t>‹nº›</a:t>
+            </a:fld>
+            <a:endParaRPr lang="pt-BR"/>
+          </a:p>
+        </p:txBody>
+      </p:sp>
+    </p:spTree>
+    <p:extLst>
+      <p:ext uri="{BB962C8B-B14F-4D97-AF65-F5344CB8AC3E}">
+        <p14:creationId xmlns:p14="http://schemas.microsoft.com/office/powerpoint/2010/main" val="2448722141"/>
+      </p:ext>
+    </p:extLst>
+  </p:cSld>
+  <p:clrMap bg1="lt1" tx1="dk1" bg2="lt2" tx2="dk2" accent1="accent1" accent2="accent2" accent3="accent3" accent4="accent4" accent5="accent5" accent6="accent6" hlink="hlink" folHlink="folHlink"/>
+  <p:notesStyle>
+    <a:lvl1pPr marL="0" algn="l" defTabSz="914400" rtl="0" eaLnBrk="1" latinLnBrk="0" hangingPunct="1">
+      <a:defRPr sz="1200" kern="1200">
+        <a:solidFill>
+          <a:schemeClr val="tx1"/>
+        </a:solidFill>
+        <a:latin typeface="+mn-lt"/>
+        <a:ea typeface="+mn-ea"/>
+        <a:cs typeface="+mn-cs"/>
+      </a:defRPr>
+    </a:lvl1pPr>
+    <a:lvl2pPr marL="457200" algn="l" defTabSz="914400" rtl="0" eaLnBrk="1" latinLnBrk="0" hangingPunct="1">
+      <a:defRPr sz="1200" kern="1200">
+        <a:solidFill>
+          <a:schemeClr val="tx1"/>
+        </a:solidFill>
+        <a:latin typeface="+mn-lt"/>
+        <a:ea typeface="+mn-ea"/>
+        <a:cs typeface="+mn-cs"/>
+      </a:defRPr>
+    </a:lvl2pPr>
+    <a:lvl3pPr marL="914400" algn="l" defTabSz="914400" rtl="0" eaLnBrk="1" latinLnBrk="0" hangingPunct="1">
+      <a:defRPr sz="1200" kern="1200">
+        <a:solidFill>
+          <a:schemeClr val="tx1"/>
+        </a:solidFill>
+        <a:latin typeface="+mn-lt"/>
+        <a:ea typeface="+mn-ea"/>
+        <a:cs typeface="+mn-cs"/>
+      </a:defRPr>
+    </a:lvl3pPr>
+    <a:lvl4pPr marL="1371600" algn="l" defTabSz="914400" rtl="0" eaLnBrk="1" latinLnBrk="0" hangingPunct="1">
+      <a:defRPr sz="1200" kern="1200">
+        <a:solidFill>
+          <a:schemeClr val="tx1"/>
+        </a:solidFill>
+        <a:latin typeface="+mn-lt"/>
+        <a:ea typeface="+mn-ea"/>
+        <a:cs typeface="+mn-cs"/>
+      </a:defRPr>
+    </a:lvl4pPr>
+    <a:lvl5pPr marL="1828800" algn="l" defTabSz="914400" rtl="0" eaLnBrk="1" latinLnBrk="0" hangingPunct="1">
+      <a:defRPr sz="1200" kern="1200">
+        <a:solidFill>
+          <a:schemeClr val="tx1"/>
+        </a:solidFill>
+        <a:latin typeface="+mn-lt"/>
+        <a:ea typeface="+mn-ea"/>
+        <a:cs typeface="+mn-cs"/>
+      </a:defRPr>
+    </a:lvl5pPr>
+    <a:lvl6pPr marL="2286000" algn="l" defTabSz="914400" rtl="0" eaLnBrk="1" latinLnBrk="0" hangingPunct="1">
+      <a:defRPr sz="1200" kern="1200">
+        <a:solidFill>
+          <a:schemeClr val="tx1"/>
+        </a:solidFill>
+        <a:latin typeface="+mn-lt"/>
+        <a:ea typeface="+mn-ea"/>
+        <a:cs typeface="+mn-cs"/>
+      </a:defRPr>
+    </a:lvl6pPr>
+    <a:lvl7pPr marL="2743200" algn="l" defTabSz="914400" rtl="0" eaLnBrk="1" latinLnBrk="0" hangingPunct="1">
+      <a:defRPr sz="1200" kern="1200">
+        <a:solidFill>
+          <a:schemeClr val="tx1"/>
+        </a:solidFill>
+        <a:latin typeface="+mn-lt"/>
+        <a:ea typeface="+mn-ea"/>
+        <a:cs typeface="+mn-cs"/>
+      </a:defRPr>
+    </a:lvl7pPr>
+    <a:lvl8pPr marL="3200400" algn="l" defTabSz="914400" rtl="0" eaLnBrk="1" latinLnBrk="0" hangingPunct="1">
+      <a:defRPr sz="1200" kern="1200">
+        <a:solidFill>
+          <a:schemeClr val="tx1"/>
+        </a:solidFill>
+        <a:latin typeface="+mn-lt"/>
+        <a:ea typeface="+mn-ea"/>
+        <a:cs typeface="+mn-cs"/>
+      </a:defRPr>
+    </a:lvl8pPr>
+    <a:lvl9pPr marL="3657600" algn="l" defTabSz="914400" rtl="0" eaLnBrk="1" latinLnBrk="0" hangingPunct="1">
+      <a:defRPr sz="1200" kern="1200">
+        <a:solidFill>
+          <a:schemeClr val="tx1"/>
+        </a:solidFill>
+        <a:latin typeface="+mn-lt"/>
+        <a:ea typeface="+mn-ea"/>
+        <a:cs typeface="+mn-cs"/>
+      </a:defRPr>
+    </a:lvl9pPr>
+  </p:notesStyle>
+</p:notesMaster>
+</file>
+
+<file path=ppt/notesSlides/notesSlide1.xml><?xml version="1.0" encoding="utf-8"?>
+<p:notes xmlns:a="http://schemas.openxmlformats.org/drawingml/2006/main" xmlns:r="http://schemas.openxmlformats.org/officeDocument/2006/relationships" xmlns:p="http://schemas.openxmlformats.org/presentationml/2006/main">
+  <p:cSld>
+    <p:spTree>
+      <p:nvGrpSpPr>
+        <p:cNvPr id="1" name=""/>
+        <p:cNvGrpSpPr/>
+        <p:nvPr/>
+      </p:nvGrpSpPr>
+      <p:grpSpPr>
+        <a:xfrm>
+          <a:off x="0" y="0"/>
+          <a:ext cx="0" cy="0"/>
+          <a:chOff x="0" y="0"/>
+          <a:chExt cx="0" cy="0"/>
+        </a:xfrm>
+      </p:grpSpPr>
+      <p:sp>
+        <p:nvSpPr>
+          <p:cNvPr id="2" name="Espaço Reservado para Imagem de Slide 1"/>
+          <p:cNvSpPr>
+            <a:spLocks noGrp="1" noRot="1" noChangeAspect="1"/>
+          </p:cNvSpPr>
+          <p:nvPr>
+            <p:ph type="sldImg"/>
+          </p:nvPr>
+        </p:nvSpPr>
+        <p:spPr/>
+      </p:sp>
+      <p:sp>
+        <p:nvSpPr>
+          <p:cNvPr id="3" name="Espaço Reservado para Anotações 2"/>
+          <p:cNvSpPr>
+            <a:spLocks noGrp="1"/>
+          </p:cNvSpPr>
+          <p:nvPr>
+            <p:ph type="body" idx="1"/>
+          </p:nvPr>
+        </p:nvSpPr>
+        <p:spPr/>
+        <p:txBody>
+          <a:bodyPr/>
+          <a:lstStyle/>
+          <a:p>
+            <a:endParaRPr lang="pt-BR" dirty="0"/>
+          </a:p>
+        </p:txBody>
+      </p:sp>
+      <p:sp>
+        <p:nvSpPr>
+          <p:cNvPr id="4" name="Espaço Reservado para Número de Slide 3"/>
+          <p:cNvSpPr>
+            <a:spLocks noGrp="1"/>
+          </p:cNvSpPr>
+          <p:nvPr>
+            <p:ph type="sldNum" sz="quarter" idx="5"/>
+          </p:nvPr>
+        </p:nvSpPr>
+        <p:spPr/>
+        <p:txBody>
+          <a:bodyPr/>
+          <a:lstStyle/>
+          <a:p>
+            <a:fld id="{0E78D720-F3EA-4288-BC3B-658C2F660363}" type="slidenum">
+              <a:rPr lang="pt-BR" smtClean="0"/>
+              <a:t>14</a:t>
+            </a:fld>
+            <a:endParaRPr lang="pt-BR"/>
+          </a:p>
+        </p:txBody>
+      </p:sp>
+    </p:spTree>
+    <p:extLst>
+      <p:ext uri="{BB962C8B-B14F-4D97-AF65-F5344CB8AC3E}">
+        <p14:creationId xmlns:p14="http://schemas.microsoft.com/office/powerpoint/2010/main" val="2796563443"/>
+      </p:ext>
+    </p:extLst>
+  </p:cSld>
+  <p:clrMapOvr>
+    <a:masterClrMapping/>
+  </p:clrMapOvr>
+</p:notes>
 </file>
 
 <file path=ppt/slideLayouts/slideLayout1.xml><?xml version="1.0" encoding="utf-8"?>
@@ -3624,7 +4556,7 @@
           <a:p>
             <a:fld id="{668A837F-02C8-45E7-A8B0-7780DC07D1AE}" type="datetimeFigureOut">
               <a:rPr lang="pt-BR" smtClean="0"/>
-              <a:t>09/04/2023</a:t>
+              <a:t>10/04/2023</a:t>
             </a:fld>
             <a:endParaRPr lang="pt-BR"/>
           </a:p>
@@ -3822,7 +4754,7 @@
           <a:p>
             <a:fld id="{668A837F-02C8-45E7-A8B0-7780DC07D1AE}" type="datetimeFigureOut">
               <a:rPr lang="pt-BR" smtClean="0"/>
-              <a:t>09/04/2023</a:t>
+              <a:t>10/04/2023</a:t>
             </a:fld>
             <a:endParaRPr lang="pt-BR"/>
           </a:p>
@@ -4030,7 +4962,7 @@
           <a:p>
             <a:fld id="{668A837F-02C8-45E7-A8B0-7780DC07D1AE}" type="datetimeFigureOut">
               <a:rPr lang="pt-BR" smtClean="0"/>
-              <a:t>09/04/2023</a:t>
+              <a:t>10/04/2023</a:t>
             </a:fld>
             <a:endParaRPr lang="pt-BR"/>
           </a:p>
@@ -4228,7 +5160,7 @@
           <a:p>
             <a:fld id="{668A837F-02C8-45E7-A8B0-7780DC07D1AE}" type="datetimeFigureOut">
               <a:rPr lang="pt-BR" smtClean="0"/>
-              <a:t>09/04/2023</a:t>
+              <a:t>10/04/2023</a:t>
             </a:fld>
             <a:endParaRPr lang="pt-BR"/>
           </a:p>
@@ -4503,7 +5435,7 @@
           <a:p>
             <a:fld id="{668A837F-02C8-45E7-A8B0-7780DC07D1AE}" type="datetimeFigureOut">
               <a:rPr lang="pt-BR" smtClean="0"/>
-              <a:t>09/04/2023</a:t>
+              <a:t>10/04/2023</a:t>
             </a:fld>
             <a:endParaRPr lang="pt-BR"/>
           </a:p>
@@ -4768,7 +5700,7 @@
           <a:p>
             <a:fld id="{668A837F-02C8-45E7-A8B0-7780DC07D1AE}" type="datetimeFigureOut">
               <a:rPr lang="pt-BR" smtClean="0"/>
-              <a:t>09/04/2023</a:t>
+              <a:t>10/04/2023</a:t>
             </a:fld>
             <a:endParaRPr lang="pt-BR"/>
           </a:p>
@@ -5180,7 +6112,7 @@
           <a:p>
             <a:fld id="{668A837F-02C8-45E7-A8B0-7780DC07D1AE}" type="datetimeFigureOut">
               <a:rPr lang="pt-BR" smtClean="0"/>
-              <a:t>09/04/2023</a:t>
+              <a:t>10/04/2023</a:t>
             </a:fld>
             <a:endParaRPr lang="pt-BR"/>
           </a:p>
@@ -5321,7 +6253,7 @@
           <a:p>
             <a:fld id="{668A837F-02C8-45E7-A8B0-7780DC07D1AE}" type="datetimeFigureOut">
               <a:rPr lang="pt-BR" smtClean="0"/>
-              <a:t>09/04/2023</a:t>
+              <a:t>10/04/2023</a:t>
             </a:fld>
             <a:endParaRPr lang="pt-BR"/>
           </a:p>
@@ -5434,7 +6366,7 @@
           <a:p>
             <a:fld id="{668A837F-02C8-45E7-A8B0-7780DC07D1AE}" type="datetimeFigureOut">
               <a:rPr lang="pt-BR" smtClean="0"/>
-              <a:t>09/04/2023</a:t>
+              <a:t>10/04/2023</a:t>
             </a:fld>
             <a:endParaRPr lang="pt-BR"/>
           </a:p>
@@ -5745,7 +6677,7 @@
           <a:p>
             <a:fld id="{668A837F-02C8-45E7-A8B0-7780DC07D1AE}" type="datetimeFigureOut">
               <a:rPr lang="pt-BR" smtClean="0"/>
-              <a:t>09/04/2023</a:t>
+              <a:t>10/04/2023</a:t>
             </a:fld>
             <a:endParaRPr lang="pt-BR"/>
           </a:p>
@@ -6033,7 +6965,7 @@
           <a:p>
             <a:fld id="{668A837F-02C8-45E7-A8B0-7780DC07D1AE}" type="datetimeFigureOut">
               <a:rPr lang="pt-BR" smtClean="0"/>
-              <a:t>09/04/2023</a:t>
+              <a:t>10/04/2023</a:t>
             </a:fld>
             <a:endParaRPr lang="pt-BR"/>
           </a:p>
@@ -6274,7 +7206,7 @@
           <a:p>
             <a:fld id="{668A837F-02C8-45E7-A8B0-7780DC07D1AE}" type="datetimeFigureOut">
               <a:rPr lang="pt-BR" smtClean="0"/>
-              <a:t>09/04/2023</a:t>
+              <a:t>10/04/2023</a:t>
             </a:fld>
             <a:endParaRPr lang="pt-BR"/>
           </a:p>
@@ -6882,7 +7814,7 @@
 </p:sld>
 </file>
 
-<file path=ppt/slides/slide2.xml><?xml version="1.0" encoding="utf-8"?>
+<file path=ppt/slides/slide10.xml><?xml version="1.0" encoding="utf-8"?>
 <p:sld xmlns:a="http://schemas.openxmlformats.org/drawingml/2006/main" xmlns:r="http://schemas.openxmlformats.org/officeDocument/2006/relationships" xmlns:p="http://schemas.openxmlformats.org/presentationml/2006/main">
   <p:cSld>
     <p:spTree>
@@ -6899,156 +7831,12 @@
           <a:chExt cx="0" cy="0"/>
         </a:xfrm>
       </p:grpSpPr>
-      <p:sp>
-        <p:nvSpPr>
-          <p:cNvPr id="2" name="Título 1">
-            <a:extLst>
-              <a:ext uri="{FF2B5EF4-FFF2-40B4-BE49-F238E27FC236}">
-                <a16:creationId xmlns:a16="http://schemas.microsoft.com/office/drawing/2014/main" id="{347A1876-CC88-40B9-9005-E603609A61BB}"/>
-              </a:ext>
-            </a:extLst>
-          </p:cNvPr>
-          <p:cNvSpPr>
-            <a:spLocks noGrp="1"/>
-          </p:cNvSpPr>
-          <p:nvPr>
-            <p:ph type="title"/>
-          </p:nvPr>
-        </p:nvSpPr>
-        <p:spPr/>
-        <p:txBody>
-          <a:bodyPr>
-            <a:normAutofit/>
-          </a:bodyPr>
-          <a:lstStyle/>
-          <a:p>
-            <a:r>
-              <a:rPr lang="pt-BR" sz="3600" b="1" dirty="0">
-                <a:latin typeface="Montserrat" panose="00000500000000000000" pitchFamily="2" charset="0"/>
-              </a:rPr>
-              <a:t>Sumário</a:t>
-            </a:r>
-          </a:p>
-        </p:txBody>
-      </p:sp>
-      <p:sp>
-        <p:nvSpPr>
-          <p:cNvPr id="3" name="Espaço Reservado para Conteúdo 2">
-            <a:extLst>
-              <a:ext uri="{FF2B5EF4-FFF2-40B4-BE49-F238E27FC236}">
-                <a16:creationId xmlns:a16="http://schemas.microsoft.com/office/drawing/2014/main" id="{C73F977A-0B7B-4C04-95BF-80810EAEAAFC}"/>
-              </a:ext>
-            </a:extLst>
-          </p:cNvPr>
-          <p:cNvSpPr>
-            <a:spLocks noGrp="1"/>
-          </p:cNvSpPr>
-          <p:nvPr>
-            <p:ph idx="1"/>
-          </p:nvPr>
-        </p:nvSpPr>
-        <p:spPr>
-          <a:xfrm>
-            <a:off x="838200" y="2130356"/>
-            <a:ext cx="10515600" cy="2597288"/>
-          </a:xfrm>
-        </p:spPr>
-        <p:txBody>
-          <a:bodyPr>
-            <a:normAutofit/>
-          </a:bodyPr>
-          <a:lstStyle/>
-          <a:p>
-            <a:pPr marL="514350" indent="-514350">
-              <a:buFont typeface="+mj-lt"/>
-              <a:buAutoNum type="arabicPeriod"/>
-            </a:pPr>
-            <a:r>
-              <a:rPr lang="pt-BR" sz="2400" dirty="0">
-                <a:latin typeface="Montserrat" panose="00000500000000000000" pitchFamily="2" charset="0"/>
-              </a:rPr>
-              <a:t>Introdução ao CMSE</a:t>
-            </a:r>
-            <a:endParaRPr lang="pt-BR" dirty="0">
-              <a:latin typeface="Montserrat" panose="00000500000000000000" pitchFamily="2" charset="0"/>
-            </a:endParaRPr>
-          </a:p>
-          <a:p>
-            <a:pPr marL="971550" lvl="1" indent="-514350">
-              <a:buFont typeface="+mj-lt"/>
-              <a:buAutoNum type="arabicPeriod"/>
-            </a:pPr>
-            <a:r>
-              <a:rPr lang="pt-BR" sz="2000" dirty="0">
-                <a:latin typeface="Montserrat" panose="00000500000000000000" pitchFamily="2" charset="0"/>
-              </a:rPr>
-              <a:t>Pautas Recorrentes do CMSE</a:t>
-            </a:r>
-          </a:p>
-          <a:p>
-            <a:pPr marL="971550" lvl="1" indent="-514350">
-              <a:buFont typeface="+mj-lt"/>
-              <a:buAutoNum type="arabicPeriod"/>
-            </a:pPr>
-            <a:r>
-              <a:rPr lang="pt-BR" sz="2000" dirty="0">
-                <a:latin typeface="Montserrat" panose="00000500000000000000" pitchFamily="2" charset="0"/>
-              </a:rPr>
-              <a:t>Pautas Não-Recorrentes do CMSE</a:t>
-            </a:r>
-          </a:p>
-          <a:p>
-            <a:pPr marL="514350" indent="-514350">
-              <a:buFont typeface="+mj-lt"/>
-              <a:buAutoNum type="arabicPeriod"/>
-            </a:pPr>
-            <a:r>
-              <a:rPr lang="pt-BR" sz="2400" dirty="0">
-                <a:latin typeface="Montserrat" panose="00000500000000000000" pitchFamily="2" charset="0"/>
-              </a:rPr>
-              <a:t>Crise Hídrica</a:t>
-            </a:r>
-          </a:p>
-          <a:p>
-            <a:pPr marL="514350" indent="-514350">
-              <a:buFont typeface="+mj-lt"/>
-              <a:buAutoNum type="arabicPeriod"/>
-            </a:pPr>
-            <a:r>
-              <a:rPr lang="pt-BR" sz="2400" dirty="0">
-                <a:latin typeface="Montserrat" panose="00000500000000000000" pitchFamily="2" charset="0"/>
-              </a:rPr>
-              <a:t>Pandemia de Coronavírus</a:t>
-            </a:r>
-          </a:p>
-          <a:p>
-            <a:pPr marL="514350" indent="-514350">
-              <a:buFont typeface="+mj-lt"/>
-              <a:buAutoNum type="arabicPeriod"/>
-            </a:pPr>
-            <a:r>
-              <a:rPr lang="pt-BR" sz="2400" dirty="0">
-                <a:latin typeface="Montserrat" panose="00000500000000000000" pitchFamily="2" charset="0"/>
-              </a:rPr>
-              <a:t>Blecaute no Amapá</a:t>
-            </a:r>
-          </a:p>
-          <a:p>
-            <a:pPr marL="0" indent="0">
-              <a:buNone/>
-            </a:pPr>
-            <a:endParaRPr lang="pt-BR" sz="2400" dirty="0">
-              <a:latin typeface="Montserrat" panose="00000500000000000000" pitchFamily="2" charset="0"/>
-            </a:endParaRPr>
-          </a:p>
-        </p:txBody>
-      </p:sp>
       <p:cxnSp>
         <p:nvCxnSpPr>
-          <p:cNvPr id="5" name="Google Shape;57;p13">
+          <p:cNvPr id="16" name="Google Shape;57;p13">
             <a:extLst>
               <a:ext uri="{FF2B5EF4-FFF2-40B4-BE49-F238E27FC236}">
-                <a16:creationId xmlns:a16="http://schemas.microsoft.com/office/drawing/2014/main" id="{43000A6A-F3EF-4021-955E-983CA9437BE7}"/>
+                <a16:creationId xmlns:a16="http://schemas.microsoft.com/office/drawing/2014/main" id="{427709C3-2DD2-4889-9D04-807999382D92}"/>
               </a:ext>
             </a:extLst>
           </p:cNvPr>
@@ -7059,8 +7847,8 @@
         </p:nvCxnSpPr>
         <p:spPr>
           <a:xfrm>
-            <a:off x="849541" y="1412985"/>
-            <a:ext cx="10492918" cy="0"/>
+            <a:off x="849541" y="911144"/>
+            <a:ext cx="6237059" cy="0"/>
           </a:xfrm>
           <a:prstGeom prst="straightConnector1">
             <a:avLst/>
@@ -7077,10 +7865,345 @@
           </a:ln>
         </p:spPr>
       </p:cxnSp>
+      <p:sp>
+        <p:nvSpPr>
+          <p:cNvPr id="29" name="Título 1">
+            <a:extLst>
+              <a:ext uri="{FF2B5EF4-FFF2-40B4-BE49-F238E27FC236}">
+                <a16:creationId xmlns:a16="http://schemas.microsoft.com/office/drawing/2014/main" id="{C8E5C476-3119-43EB-AE93-F6D97BED116F}"/>
+              </a:ext>
+            </a:extLst>
+          </p:cNvPr>
+          <p:cNvSpPr>
+            <a:spLocks noGrp="1"/>
+          </p:cNvSpPr>
+          <p:nvPr>
+            <p:ph type="title"/>
+          </p:nvPr>
+        </p:nvSpPr>
+        <p:spPr>
+          <a:xfrm>
+            <a:off x="849541" y="202317"/>
+            <a:ext cx="10504259" cy="650875"/>
+          </a:xfrm>
+        </p:spPr>
+        <p:txBody>
+          <a:bodyPr>
+            <a:normAutofit/>
+          </a:bodyPr>
+          <a:lstStyle/>
+          <a:p>
+            <a:r>
+              <a:rPr lang="pt-BR" sz="3600" b="1" dirty="0">
+                <a:latin typeface="Montserrat" panose="00000500000000000000" pitchFamily="2" charset="0"/>
+              </a:rPr>
+              <a:t>Crise Hídrica</a:t>
+            </a:r>
+          </a:p>
+        </p:txBody>
+      </p:sp>
+      <p:sp>
+        <p:nvSpPr>
+          <p:cNvPr id="10" name="Espaço Reservado para Conteúdo 2">
+            <a:extLst>
+              <a:ext uri="{FF2B5EF4-FFF2-40B4-BE49-F238E27FC236}">
+                <a16:creationId xmlns:a16="http://schemas.microsoft.com/office/drawing/2014/main" id="{EA819FEF-09DD-D777-4188-3EEC39FBBD41}"/>
+              </a:ext>
+            </a:extLst>
+          </p:cNvPr>
+          <p:cNvSpPr txBox="1">
+            <a:spLocks/>
+          </p:cNvSpPr>
+          <p:nvPr/>
+        </p:nvSpPr>
+        <p:spPr>
+          <a:xfrm>
+            <a:off x="515244" y="1019142"/>
+            <a:ext cx="10515600" cy="459702"/>
+          </a:xfrm>
+          <a:prstGeom prst="rect">
+            <a:avLst/>
+          </a:prstGeom>
+        </p:spPr>
+        <p:txBody>
+          <a:bodyPr vert="horz" lIns="91440" tIns="45720" rIns="91440" bIns="45720" rtlCol="0">
+            <a:normAutofit/>
+          </a:bodyPr>
+          <a:lstStyle>
+            <a:lvl1pPr marL="228600" indent="-228600" algn="l" defTabSz="914400" rtl="0" eaLnBrk="1" latinLnBrk="0" hangingPunct="1">
+              <a:lnSpc>
+                <a:spcPct val="90000"/>
+              </a:lnSpc>
+              <a:spcBef>
+                <a:spcPts val="1000"/>
+              </a:spcBef>
+              <a:buFont typeface="Arial" panose="020B0604020202020204" pitchFamily="34" charset="0"/>
+              <a:buChar char="•"/>
+              <a:defRPr sz="2800" kern="1200">
+                <a:solidFill>
+                  <a:schemeClr val="tx1"/>
+                </a:solidFill>
+                <a:latin typeface="+mn-lt"/>
+                <a:ea typeface="+mn-ea"/>
+                <a:cs typeface="+mn-cs"/>
+              </a:defRPr>
+            </a:lvl1pPr>
+            <a:lvl2pPr marL="685800" indent="-228600" algn="l" defTabSz="914400" rtl="0" eaLnBrk="1" latinLnBrk="0" hangingPunct="1">
+              <a:lnSpc>
+                <a:spcPct val="90000"/>
+              </a:lnSpc>
+              <a:spcBef>
+                <a:spcPts val="500"/>
+              </a:spcBef>
+              <a:buFont typeface="Arial" panose="020B0604020202020204" pitchFamily="34" charset="0"/>
+              <a:buChar char="•"/>
+              <a:defRPr sz="2400" kern="1200">
+                <a:solidFill>
+                  <a:schemeClr val="tx1"/>
+                </a:solidFill>
+                <a:latin typeface="+mn-lt"/>
+                <a:ea typeface="+mn-ea"/>
+                <a:cs typeface="+mn-cs"/>
+              </a:defRPr>
+            </a:lvl2pPr>
+            <a:lvl3pPr marL="1143000" indent="-228600" algn="l" defTabSz="914400" rtl="0" eaLnBrk="1" latinLnBrk="0" hangingPunct="1">
+              <a:lnSpc>
+                <a:spcPct val="90000"/>
+              </a:lnSpc>
+              <a:spcBef>
+                <a:spcPts val="500"/>
+              </a:spcBef>
+              <a:buFont typeface="Arial" panose="020B0604020202020204" pitchFamily="34" charset="0"/>
+              <a:buChar char="•"/>
+              <a:defRPr sz="2000" kern="1200">
+                <a:solidFill>
+                  <a:schemeClr val="tx1"/>
+                </a:solidFill>
+                <a:latin typeface="+mn-lt"/>
+                <a:ea typeface="+mn-ea"/>
+                <a:cs typeface="+mn-cs"/>
+              </a:defRPr>
+            </a:lvl3pPr>
+            <a:lvl4pPr marL="1600200" indent="-228600" algn="l" defTabSz="914400" rtl="0" eaLnBrk="1" latinLnBrk="0" hangingPunct="1">
+              <a:lnSpc>
+                <a:spcPct val="90000"/>
+              </a:lnSpc>
+              <a:spcBef>
+                <a:spcPts val="500"/>
+              </a:spcBef>
+              <a:buFont typeface="Arial" panose="020B0604020202020204" pitchFamily="34" charset="0"/>
+              <a:buChar char="•"/>
+              <a:defRPr sz="1800" kern="1200">
+                <a:solidFill>
+                  <a:schemeClr val="tx1"/>
+                </a:solidFill>
+                <a:latin typeface="+mn-lt"/>
+                <a:ea typeface="+mn-ea"/>
+                <a:cs typeface="+mn-cs"/>
+              </a:defRPr>
+            </a:lvl4pPr>
+            <a:lvl5pPr marL="2057400" indent="-228600" algn="l" defTabSz="914400" rtl="0" eaLnBrk="1" latinLnBrk="0" hangingPunct="1">
+              <a:lnSpc>
+                <a:spcPct val="90000"/>
+              </a:lnSpc>
+              <a:spcBef>
+                <a:spcPts val="500"/>
+              </a:spcBef>
+              <a:buFont typeface="Arial" panose="020B0604020202020204" pitchFamily="34" charset="0"/>
+              <a:buChar char="•"/>
+              <a:defRPr sz="1800" kern="1200">
+                <a:solidFill>
+                  <a:schemeClr val="tx1"/>
+                </a:solidFill>
+                <a:latin typeface="+mn-lt"/>
+                <a:ea typeface="+mn-ea"/>
+                <a:cs typeface="+mn-cs"/>
+              </a:defRPr>
+            </a:lvl5pPr>
+            <a:lvl6pPr marL="2514600" indent="-228600" algn="l" defTabSz="914400" rtl="0" eaLnBrk="1" latinLnBrk="0" hangingPunct="1">
+              <a:lnSpc>
+                <a:spcPct val="90000"/>
+              </a:lnSpc>
+              <a:spcBef>
+                <a:spcPts val="500"/>
+              </a:spcBef>
+              <a:buFont typeface="Arial" panose="020B0604020202020204" pitchFamily="34" charset="0"/>
+              <a:buChar char="•"/>
+              <a:defRPr sz="1800" kern="1200">
+                <a:solidFill>
+                  <a:schemeClr val="tx1"/>
+                </a:solidFill>
+                <a:latin typeface="+mn-lt"/>
+                <a:ea typeface="+mn-ea"/>
+                <a:cs typeface="+mn-cs"/>
+              </a:defRPr>
+            </a:lvl6pPr>
+            <a:lvl7pPr marL="2971800" indent="-228600" algn="l" defTabSz="914400" rtl="0" eaLnBrk="1" latinLnBrk="0" hangingPunct="1">
+              <a:lnSpc>
+                <a:spcPct val="90000"/>
+              </a:lnSpc>
+              <a:spcBef>
+                <a:spcPts val="500"/>
+              </a:spcBef>
+              <a:buFont typeface="Arial" panose="020B0604020202020204" pitchFamily="34" charset="0"/>
+              <a:buChar char="•"/>
+              <a:defRPr sz="1800" kern="1200">
+                <a:solidFill>
+                  <a:schemeClr val="tx1"/>
+                </a:solidFill>
+                <a:latin typeface="+mn-lt"/>
+                <a:ea typeface="+mn-ea"/>
+                <a:cs typeface="+mn-cs"/>
+              </a:defRPr>
+            </a:lvl7pPr>
+            <a:lvl8pPr marL="3429000" indent="-228600" algn="l" defTabSz="914400" rtl="0" eaLnBrk="1" latinLnBrk="0" hangingPunct="1">
+              <a:lnSpc>
+                <a:spcPct val="90000"/>
+              </a:lnSpc>
+              <a:spcBef>
+                <a:spcPts val="500"/>
+              </a:spcBef>
+              <a:buFont typeface="Arial" panose="020B0604020202020204" pitchFamily="34" charset="0"/>
+              <a:buChar char="•"/>
+              <a:defRPr sz="1800" kern="1200">
+                <a:solidFill>
+                  <a:schemeClr val="tx1"/>
+                </a:solidFill>
+                <a:latin typeface="+mn-lt"/>
+                <a:ea typeface="+mn-ea"/>
+                <a:cs typeface="+mn-cs"/>
+              </a:defRPr>
+            </a:lvl8pPr>
+            <a:lvl9pPr marL="3886200" indent="-228600" algn="l" defTabSz="914400" rtl="0" eaLnBrk="1" latinLnBrk="0" hangingPunct="1">
+              <a:lnSpc>
+                <a:spcPct val="90000"/>
+              </a:lnSpc>
+              <a:spcBef>
+                <a:spcPts val="500"/>
+              </a:spcBef>
+              <a:buFont typeface="Arial" panose="020B0604020202020204" pitchFamily="34" charset="0"/>
+              <a:buChar char="•"/>
+              <a:defRPr sz="1800" kern="1200">
+                <a:solidFill>
+                  <a:schemeClr val="tx1"/>
+                </a:solidFill>
+                <a:latin typeface="+mn-lt"/>
+                <a:ea typeface="+mn-ea"/>
+                <a:cs typeface="+mn-cs"/>
+              </a:defRPr>
+            </a:lvl9pPr>
+          </a:lstStyle>
+          <a:p>
+            <a:pPr marL="742950" lvl="1" indent="-285750">
+              <a:lnSpc>
+                <a:spcPct val="107000"/>
+              </a:lnSpc>
+              <a:spcAft>
+                <a:spcPts val="800"/>
+              </a:spcAft>
+              <a:buFont typeface="Courier New" panose="02070309020205020404" pitchFamily="49" charset="0"/>
+              <a:buChar char="o"/>
+            </a:pPr>
+            <a:r>
+              <a:rPr lang="pt-BR" sz="1800" dirty="0">
+                <a:latin typeface="Calibri" panose="020F0502020204030204" pitchFamily="34" charset="0"/>
+                <a:ea typeface="Calibri" panose="020F0502020204030204" pitchFamily="34" charset="0"/>
+                <a:cs typeface="Times New Roman" panose="02020603050405020304" pitchFamily="18" charset="0"/>
+              </a:rPr>
+              <a:t>ALERTA DE ESCASSEZ HÍDRICA:</a:t>
+            </a:r>
+          </a:p>
+        </p:txBody>
+      </p:sp>
+      <p:sp>
+        <p:nvSpPr>
+          <p:cNvPr id="4" name="CaixaDeTexto 3">
+            <a:extLst>
+              <a:ext uri="{FF2B5EF4-FFF2-40B4-BE49-F238E27FC236}">
+                <a16:creationId xmlns:a16="http://schemas.microsoft.com/office/drawing/2014/main" id="{AC4A805E-89A4-0153-DE80-FD59AE6E77E7}"/>
+              </a:ext>
+            </a:extLst>
+          </p:cNvPr>
+          <p:cNvSpPr txBox="1"/>
+          <p:nvPr/>
+        </p:nvSpPr>
+        <p:spPr>
+          <a:xfrm>
+            <a:off x="1898955" y="1778547"/>
+            <a:ext cx="8394089" cy="4330866"/>
+          </a:xfrm>
+          <a:prstGeom prst="rect">
+            <a:avLst/>
+          </a:prstGeom>
+          <a:noFill/>
+        </p:spPr>
+        <p:txBody>
+          <a:bodyPr wrap="square">
+            <a:spAutoFit/>
+          </a:bodyPr>
+          <a:lstStyle/>
+          <a:p>
+            <a:pPr algn="just">
+              <a:lnSpc>
+                <a:spcPct val="107000"/>
+              </a:lnSpc>
+              <a:spcAft>
+                <a:spcPts val="800"/>
+              </a:spcAft>
+            </a:pPr>
+            <a:r>
+              <a:rPr lang="pt-BR" sz="1800" kern="100" dirty="0">
+                <a:effectLst/>
+                <a:latin typeface="Calibri" panose="020F0502020204030204" pitchFamily="34" charset="0"/>
+                <a:ea typeface="Calibri" panose="020F0502020204030204" pitchFamily="34" charset="0"/>
+                <a:cs typeface="Times New Roman" panose="02020603050405020304" pitchFamily="18" charset="0"/>
+              </a:rPr>
+              <a:t>1.4. Especificamente sobre a bacia do rio Paraná, que engloba as bacias dos rios Paranaíba, Grande, Tietê e Paranapanema, foi destacada a situação hidrológica crítica atualmente vivenciada. Conforme relatado, o período chuvoso 2020/2021 na bacia teve início tardio e se encerrou antecipadamente, em março de 2021, e as afluências verificadas se situaram significativamente abaixo da média histórica, com predominância dos piores valores verificados desde 1931.</a:t>
+            </a:r>
+          </a:p>
+          <a:p>
+            <a:pPr algn="just">
+              <a:lnSpc>
+                <a:spcPct val="107000"/>
+              </a:lnSpc>
+              <a:spcAft>
+                <a:spcPts val="800"/>
+              </a:spcAft>
+            </a:pPr>
+            <a:r>
+              <a:rPr lang="pt-BR" sz="1800" kern="100" dirty="0">
+                <a:effectLst/>
+                <a:latin typeface="Calibri" panose="020F0502020204030204" pitchFamily="34" charset="0"/>
+                <a:ea typeface="Calibri" panose="020F0502020204030204" pitchFamily="34" charset="0"/>
+                <a:cs typeface="Times New Roman" panose="02020603050405020304" pitchFamily="18" charset="0"/>
+              </a:rPr>
+              <a:t>1.5. Dessa maneira, a situação impacta de maneira crítica as usinas hidrelétricas localizadas na bacia do rio Paraná, onde se se encontram os principais reservatórios de regularização do SIN, cujos recursos são operados de maneira que, nos períodos secos, seus estoques possam ser utilizados de forma otimizada e com vistas a garantir o devido atendimento à carga. O conjunto de reservatórios das usinas localizadas na bacia do rio Paraná corresponde a 76% da capacidade máxima de armazenamento do subsistema Sudeste/</a:t>
+            </a:r>
+            <a:r>
+              <a:rPr lang="pt-BR" sz="1800" kern="100" dirty="0" err="1">
+                <a:effectLst/>
+                <a:latin typeface="Calibri" panose="020F0502020204030204" pitchFamily="34" charset="0"/>
+                <a:ea typeface="Calibri" panose="020F0502020204030204" pitchFamily="34" charset="0"/>
+                <a:cs typeface="Times New Roman" panose="02020603050405020304" pitchFamily="18" charset="0"/>
+              </a:rPr>
+              <a:t>CentroOeste</a:t>
+            </a:r>
+            <a:r>
+              <a:rPr lang="pt-BR" sz="1800" kern="100" dirty="0">
+                <a:effectLst/>
+                <a:latin typeface="Calibri" panose="020F0502020204030204" pitchFamily="34" charset="0"/>
+                <a:ea typeface="Calibri" panose="020F0502020204030204" pitchFamily="34" charset="0"/>
+                <a:cs typeface="Times New Roman" panose="02020603050405020304" pitchFamily="18" charset="0"/>
+              </a:rPr>
+              <a:t> e um pouco mais da metade (53%) da capacidade de armazenamento de todo o SIN.</a:t>
+            </a:r>
+          </a:p>
+        </p:txBody>
+      </p:sp>
     </p:spTree>
     <p:extLst>
       <p:ext uri="{BB962C8B-B14F-4D97-AF65-F5344CB8AC3E}">
-        <p14:creationId xmlns:p14="http://schemas.microsoft.com/office/powerpoint/2010/main" val="2874628143"/>
+        <p14:creationId xmlns:p14="http://schemas.microsoft.com/office/powerpoint/2010/main" val="1986328138"/>
       </p:ext>
     </p:extLst>
   </p:cSld>
@@ -7090,7 +8213,7 @@
 </p:sld>
 </file>
 
-<file path=ppt/slides/slide3.xml><?xml version="1.0" encoding="utf-8"?>
+<file path=ppt/slides/slide11.xml><?xml version="1.0" encoding="utf-8"?>
 <p:sld xmlns:a="http://schemas.openxmlformats.org/drawingml/2006/main" xmlns:r="http://schemas.openxmlformats.org/officeDocument/2006/relationships" xmlns:p="http://schemas.openxmlformats.org/presentationml/2006/main">
   <p:cSld>
     <p:spTree>
@@ -7107,12 +8230,46 @@
           <a:chExt cx="0" cy="0"/>
         </a:xfrm>
       </p:grpSpPr>
+      <p:cxnSp>
+        <p:nvCxnSpPr>
+          <p:cNvPr id="16" name="Google Shape;57;p13">
+            <a:extLst>
+              <a:ext uri="{FF2B5EF4-FFF2-40B4-BE49-F238E27FC236}">
+                <a16:creationId xmlns:a16="http://schemas.microsoft.com/office/drawing/2014/main" id="{427709C3-2DD2-4889-9D04-807999382D92}"/>
+              </a:ext>
+            </a:extLst>
+          </p:cNvPr>
+          <p:cNvCxnSpPr>
+            <a:cxnSpLocks/>
+          </p:cNvCxnSpPr>
+          <p:nvPr/>
+        </p:nvCxnSpPr>
+        <p:spPr>
+          <a:xfrm>
+            <a:off x="849541" y="911144"/>
+            <a:ext cx="6237059" cy="0"/>
+          </a:xfrm>
+          <a:prstGeom prst="straightConnector1">
+            <a:avLst/>
+          </a:prstGeom>
+          <a:noFill/>
+          <a:ln w="76200" cap="flat" cmpd="sng">
+            <a:solidFill>
+              <a:srgbClr val="073763"/>
+            </a:solidFill>
+            <a:prstDash val="solid"/>
+            <a:round/>
+            <a:headEnd type="none" w="med" len="med"/>
+            <a:tailEnd type="none" w="med" len="med"/>
+          </a:ln>
+        </p:spPr>
+      </p:cxnSp>
       <p:sp>
         <p:nvSpPr>
-          <p:cNvPr id="2" name="Título 1">
+          <p:cNvPr id="29" name="Título 1">
             <a:extLst>
               <a:ext uri="{FF2B5EF4-FFF2-40B4-BE49-F238E27FC236}">
-                <a16:creationId xmlns:a16="http://schemas.microsoft.com/office/drawing/2014/main" id="{347A1876-CC88-40B9-9005-E603609A61BB}"/>
+                <a16:creationId xmlns:a16="http://schemas.microsoft.com/office/drawing/2014/main" id="{C8E5C476-3119-43EB-AE93-F6D97BED116F}"/>
               </a:ext>
             </a:extLst>
           </p:cNvPr>
@@ -7123,42 +8280,10 @@
             <p:ph type="title"/>
           </p:nvPr>
         </p:nvSpPr>
-        <p:spPr/>
-        <p:txBody>
-          <a:bodyPr>
-            <a:normAutofit/>
-          </a:bodyPr>
-          <a:lstStyle/>
-          <a:p>
-            <a:r>
-              <a:rPr lang="pt-BR" sz="3600" b="1" dirty="0">
-                <a:latin typeface="Montserrat" panose="00000500000000000000" pitchFamily="2" charset="0"/>
-              </a:rPr>
-              <a:t>Introdução ao CMSE</a:t>
-            </a:r>
-          </a:p>
-        </p:txBody>
-      </p:sp>
-      <p:sp>
-        <p:nvSpPr>
-          <p:cNvPr id="3" name="Espaço Reservado para Conteúdo 2">
-            <a:extLst>
-              <a:ext uri="{FF2B5EF4-FFF2-40B4-BE49-F238E27FC236}">
-                <a16:creationId xmlns:a16="http://schemas.microsoft.com/office/drawing/2014/main" id="{C73F977A-0B7B-4C04-95BF-80810EAEAAFC}"/>
-              </a:ext>
-            </a:extLst>
-          </p:cNvPr>
-          <p:cNvSpPr>
-            <a:spLocks noGrp="1"/>
-          </p:cNvSpPr>
-          <p:nvPr>
-            <p:ph idx="1"/>
-          </p:nvPr>
-        </p:nvSpPr>
         <p:spPr>
           <a:xfrm>
-            <a:off x="503903" y="2032032"/>
-            <a:ext cx="10515600" cy="3985310"/>
+            <a:off x="849541" y="202317"/>
+            <a:ext cx="10504259" cy="650875"/>
           </a:xfrm>
         </p:spPr>
         <p:txBody>
@@ -7166,6 +8291,207 @@
             <a:normAutofit/>
           </a:bodyPr>
           <a:lstStyle/>
+          <a:p>
+            <a:r>
+              <a:rPr lang="pt-BR" sz="3600" b="1" dirty="0">
+                <a:latin typeface="Montserrat" panose="00000500000000000000" pitchFamily="2" charset="0"/>
+              </a:rPr>
+              <a:t>Crise Hídrica</a:t>
+            </a:r>
+          </a:p>
+        </p:txBody>
+      </p:sp>
+      <p:sp>
+        <p:nvSpPr>
+          <p:cNvPr id="10" name="Espaço Reservado para Conteúdo 2">
+            <a:extLst>
+              <a:ext uri="{FF2B5EF4-FFF2-40B4-BE49-F238E27FC236}">
+                <a16:creationId xmlns:a16="http://schemas.microsoft.com/office/drawing/2014/main" id="{EA819FEF-09DD-D777-4188-3EEC39FBBD41}"/>
+              </a:ext>
+            </a:extLst>
+          </p:cNvPr>
+          <p:cNvSpPr txBox="1">
+            <a:spLocks/>
+          </p:cNvSpPr>
+          <p:nvPr/>
+        </p:nvSpPr>
+        <p:spPr>
+          <a:xfrm>
+            <a:off x="515244" y="1019142"/>
+            <a:ext cx="10515600" cy="459702"/>
+          </a:xfrm>
+          <a:prstGeom prst="rect">
+            <a:avLst/>
+          </a:prstGeom>
+        </p:spPr>
+        <p:txBody>
+          <a:bodyPr vert="horz" lIns="91440" tIns="45720" rIns="91440" bIns="45720" rtlCol="0">
+            <a:normAutofit/>
+          </a:bodyPr>
+          <a:lstStyle>
+            <a:lvl1pPr marL="228600" indent="-228600" algn="l" defTabSz="914400" rtl="0" eaLnBrk="1" latinLnBrk="0" hangingPunct="1">
+              <a:lnSpc>
+                <a:spcPct val="90000"/>
+              </a:lnSpc>
+              <a:spcBef>
+                <a:spcPts val="1000"/>
+              </a:spcBef>
+              <a:buFont typeface="Arial" panose="020B0604020202020204" pitchFamily="34" charset="0"/>
+              <a:buChar char="•"/>
+              <a:defRPr sz="2800" kern="1200">
+                <a:solidFill>
+                  <a:schemeClr val="tx1"/>
+                </a:solidFill>
+                <a:latin typeface="+mn-lt"/>
+                <a:ea typeface="+mn-ea"/>
+                <a:cs typeface="+mn-cs"/>
+              </a:defRPr>
+            </a:lvl1pPr>
+            <a:lvl2pPr marL="685800" indent="-228600" algn="l" defTabSz="914400" rtl="0" eaLnBrk="1" latinLnBrk="0" hangingPunct="1">
+              <a:lnSpc>
+                <a:spcPct val="90000"/>
+              </a:lnSpc>
+              <a:spcBef>
+                <a:spcPts val="500"/>
+              </a:spcBef>
+              <a:buFont typeface="Arial" panose="020B0604020202020204" pitchFamily="34" charset="0"/>
+              <a:buChar char="•"/>
+              <a:defRPr sz="2400" kern="1200">
+                <a:solidFill>
+                  <a:schemeClr val="tx1"/>
+                </a:solidFill>
+                <a:latin typeface="+mn-lt"/>
+                <a:ea typeface="+mn-ea"/>
+                <a:cs typeface="+mn-cs"/>
+              </a:defRPr>
+            </a:lvl2pPr>
+            <a:lvl3pPr marL="1143000" indent="-228600" algn="l" defTabSz="914400" rtl="0" eaLnBrk="1" latinLnBrk="0" hangingPunct="1">
+              <a:lnSpc>
+                <a:spcPct val="90000"/>
+              </a:lnSpc>
+              <a:spcBef>
+                <a:spcPts val="500"/>
+              </a:spcBef>
+              <a:buFont typeface="Arial" panose="020B0604020202020204" pitchFamily="34" charset="0"/>
+              <a:buChar char="•"/>
+              <a:defRPr sz="2000" kern="1200">
+                <a:solidFill>
+                  <a:schemeClr val="tx1"/>
+                </a:solidFill>
+                <a:latin typeface="+mn-lt"/>
+                <a:ea typeface="+mn-ea"/>
+                <a:cs typeface="+mn-cs"/>
+              </a:defRPr>
+            </a:lvl3pPr>
+            <a:lvl4pPr marL="1600200" indent="-228600" algn="l" defTabSz="914400" rtl="0" eaLnBrk="1" latinLnBrk="0" hangingPunct="1">
+              <a:lnSpc>
+                <a:spcPct val="90000"/>
+              </a:lnSpc>
+              <a:spcBef>
+                <a:spcPts val="500"/>
+              </a:spcBef>
+              <a:buFont typeface="Arial" panose="020B0604020202020204" pitchFamily="34" charset="0"/>
+              <a:buChar char="•"/>
+              <a:defRPr sz="1800" kern="1200">
+                <a:solidFill>
+                  <a:schemeClr val="tx1"/>
+                </a:solidFill>
+                <a:latin typeface="+mn-lt"/>
+                <a:ea typeface="+mn-ea"/>
+                <a:cs typeface="+mn-cs"/>
+              </a:defRPr>
+            </a:lvl4pPr>
+            <a:lvl5pPr marL="2057400" indent="-228600" algn="l" defTabSz="914400" rtl="0" eaLnBrk="1" latinLnBrk="0" hangingPunct="1">
+              <a:lnSpc>
+                <a:spcPct val="90000"/>
+              </a:lnSpc>
+              <a:spcBef>
+                <a:spcPts val="500"/>
+              </a:spcBef>
+              <a:buFont typeface="Arial" panose="020B0604020202020204" pitchFamily="34" charset="0"/>
+              <a:buChar char="•"/>
+              <a:defRPr sz="1800" kern="1200">
+                <a:solidFill>
+                  <a:schemeClr val="tx1"/>
+                </a:solidFill>
+                <a:latin typeface="+mn-lt"/>
+                <a:ea typeface="+mn-ea"/>
+                <a:cs typeface="+mn-cs"/>
+              </a:defRPr>
+            </a:lvl5pPr>
+            <a:lvl6pPr marL="2514600" indent="-228600" algn="l" defTabSz="914400" rtl="0" eaLnBrk="1" latinLnBrk="0" hangingPunct="1">
+              <a:lnSpc>
+                <a:spcPct val="90000"/>
+              </a:lnSpc>
+              <a:spcBef>
+                <a:spcPts val="500"/>
+              </a:spcBef>
+              <a:buFont typeface="Arial" panose="020B0604020202020204" pitchFamily="34" charset="0"/>
+              <a:buChar char="•"/>
+              <a:defRPr sz="1800" kern="1200">
+                <a:solidFill>
+                  <a:schemeClr val="tx1"/>
+                </a:solidFill>
+                <a:latin typeface="+mn-lt"/>
+                <a:ea typeface="+mn-ea"/>
+                <a:cs typeface="+mn-cs"/>
+              </a:defRPr>
+            </a:lvl6pPr>
+            <a:lvl7pPr marL="2971800" indent="-228600" algn="l" defTabSz="914400" rtl="0" eaLnBrk="1" latinLnBrk="0" hangingPunct="1">
+              <a:lnSpc>
+                <a:spcPct val="90000"/>
+              </a:lnSpc>
+              <a:spcBef>
+                <a:spcPts val="500"/>
+              </a:spcBef>
+              <a:buFont typeface="Arial" panose="020B0604020202020204" pitchFamily="34" charset="0"/>
+              <a:buChar char="•"/>
+              <a:defRPr sz="1800" kern="1200">
+                <a:solidFill>
+                  <a:schemeClr val="tx1"/>
+                </a:solidFill>
+                <a:latin typeface="+mn-lt"/>
+                <a:ea typeface="+mn-ea"/>
+                <a:cs typeface="+mn-cs"/>
+              </a:defRPr>
+            </a:lvl7pPr>
+            <a:lvl8pPr marL="3429000" indent="-228600" algn="l" defTabSz="914400" rtl="0" eaLnBrk="1" latinLnBrk="0" hangingPunct="1">
+              <a:lnSpc>
+                <a:spcPct val="90000"/>
+              </a:lnSpc>
+              <a:spcBef>
+                <a:spcPts val="500"/>
+              </a:spcBef>
+              <a:buFont typeface="Arial" panose="020B0604020202020204" pitchFamily="34" charset="0"/>
+              <a:buChar char="•"/>
+              <a:defRPr sz="1800" kern="1200">
+                <a:solidFill>
+                  <a:schemeClr val="tx1"/>
+                </a:solidFill>
+                <a:latin typeface="+mn-lt"/>
+                <a:ea typeface="+mn-ea"/>
+                <a:cs typeface="+mn-cs"/>
+              </a:defRPr>
+            </a:lvl8pPr>
+            <a:lvl9pPr marL="3886200" indent="-228600" algn="l" defTabSz="914400" rtl="0" eaLnBrk="1" latinLnBrk="0" hangingPunct="1">
+              <a:lnSpc>
+                <a:spcPct val="90000"/>
+              </a:lnSpc>
+              <a:spcBef>
+                <a:spcPts val="500"/>
+              </a:spcBef>
+              <a:buFont typeface="Arial" panose="020B0604020202020204" pitchFamily="34" charset="0"/>
+              <a:buChar char="•"/>
+              <a:defRPr sz="1800" kern="1200">
+                <a:solidFill>
+                  <a:schemeClr val="tx1"/>
+                </a:solidFill>
+                <a:latin typeface="+mn-lt"/>
+                <a:ea typeface="+mn-ea"/>
+                <a:cs typeface="+mn-cs"/>
+              </a:defRPr>
+            </a:lvl9pPr>
+          </a:lstStyle>
           <a:p>
             <a:pPr marL="742950" lvl="1" indent="-285750">
               <a:lnSpc>
@@ -7183,23 +8509,123 @@
                 <a:ea typeface="Calibri" panose="020F0502020204030204" pitchFamily="34" charset="0"/>
                 <a:cs typeface="Times New Roman" panose="02020603050405020304" pitchFamily="18" charset="0"/>
               </a:rPr>
-              <a:t>Item A</a:t>
+              <a:t>ALERTA DE ESCASSEZ HÍDRICA:</a:t>
             </a:r>
-            <a:endParaRPr lang="pt-BR" sz="1800" dirty="0">
-              <a:effectLst/>
-              <a:latin typeface="Calibri" panose="020F0502020204030204" pitchFamily="34" charset="0"/>
-              <a:ea typeface="Calibri" panose="020F0502020204030204" pitchFamily="34" charset="0"/>
-              <a:cs typeface="Times New Roman" panose="02020603050405020304" pitchFamily="18" charset="0"/>
-            </a:endParaRPr>
           </a:p>
         </p:txBody>
       </p:sp>
+      <p:pic>
+        <p:nvPicPr>
+          <p:cNvPr id="2" name="Graphic 10">
+            <a:extLst>
+              <a:ext uri="{FF2B5EF4-FFF2-40B4-BE49-F238E27FC236}">
+                <a16:creationId xmlns:a16="http://schemas.microsoft.com/office/drawing/2014/main" id="{C9278F32-8548-FB2C-02E9-CE2312D46658}"/>
+              </a:ext>
+            </a:extLst>
+          </p:cNvPr>
+          <p:cNvPicPr>
+            <a:picLocks noChangeAspect="1"/>
+          </p:cNvPicPr>
+          <p:nvPr/>
+        </p:nvPicPr>
+        <p:blipFill>
+          <a:blip r:embed="rId2">
+            <a:extLst>
+              <a:ext uri="{96DAC541-7B7A-43D3-8B79-37D633B846F1}">
+                <asvg:svgBlip xmlns:asvg="http://schemas.microsoft.com/office/drawing/2016/SVG/main" r:embed="rId3"/>
+              </a:ext>
+            </a:extLst>
+          </a:blip>
+          <a:stretch>
+            <a:fillRect/>
+          </a:stretch>
+        </p:blipFill>
+        <p:spPr>
+          <a:xfrm>
+            <a:off x="3044801" y="1644794"/>
+            <a:ext cx="6102397" cy="4068025"/>
+          </a:xfrm>
+          <a:prstGeom prst="rect">
+            <a:avLst/>
+          </a:prstGeom>
+        </p:spPr>
+      </p:pic>
+      <p:sp>
+        <p:nvSpPr>
+          <p:cNvPr id="3" name="CaixaDeTexto 2">
+            <a:extLst>
+              <a:ext uri="{FF2B5EF4-FFF2-40B4-BE49-F238E27FC236}">
+                <a16:creationId xmlns:a16="http://schemas.microsoft.com/office/drawing/2014/main" id="{AC9F4EAA-C751-5D35-A9B9-56A9E89CC297}"/>
+              </a:ext>
+            </a:extLst>
+          </p:cNvPr>
+          <p:cNvSpPr txBox="1"/>
+          <p:nvPr/>
+        </p:nvSpPr>
+        <p:spPr>
+          <a:xfrm>
+            <a:off x="3823330" y="5946856"/>
+            <a:ext cx="4545338" cy="369332"/>
+          </a:xfrm>
+          <a:prstGeom prst="rect">
+            <a:avLst/>
+          </a:prstGeom>
+          <a:noFill/>
+        </p:spPr>
+        <p:txBody>
+          <a:bodyPr wrap="square">
+            <a:spAutoFit/>
+          </a:bodyPr>
+          <a:lstStyle/>
+          <a:p>
+            <a:pPr algn="ctr"/>
+            <a:r>
+              <a:rPr lang="pt-BR" sz="1800" dirty="0">
+                <a:latin typeface="Calibri" panose="020F0502020204030204" pitchFamily="34" charset="0"/>
+                <a:ea typeface="Calibri" panose="020F0502020204030204" pitchFamily="34" charset="0"/>
+                <a:cs typeface="Times New Roman" panose="02020603050405020304" pitchFamily="18" charset="0"/>
+              </a:rPr>
+              <a:t>Figura – Evolução da EAR total por subsistema</a:t>
+            </a:r>
+          </a:p>
+        </p:txBody>
+      </p:sp>
+    </p:spTree>
+    <p:extLst>
+      <p:ext uri="{BB962C8B-B14F-4D97-AF65-F5344CB8AC3E}">
+        <p14:creationId xmlns:p14="http://schemas.microsoft.com/office/powerpoint/2010/main" val="3528258654"/>
+      </p:ext>
+    </p:extLst>
+  </p:cSld>
+  <p:clrMapOvr>
+    <a:masterClrMapping/>
+  </p:clrMapOvr>
+</p:sld>
+</file>
+
+<file path=ppt/slides/slide12.xml><?xml version="1.0" encoding="utf-8"?>
+<p:sld xmlns:a="http://schemas.openxmlformats.org/drawingml/2006/main" xmlns:r="http://schemas.openxmlformats.org/officeDocument/2006/relationships" xmlns:p="http://schemas.openxmlformats.org/presentationml/2006/main">
+  <p:cSld>
+    <p:spTree>
+      <p:nvGrpSpPr>
+        <p:cNvPr id="1" name=""/>
+        <p:cNvGrpSpPr/>
+        <p:nvPr/>
+      </p:nvGrpSpPr>
+      <p:grpSpPr>
+        <a:xfrm>
+          <a:off x="0" y="0"/>
+          <a:ext cx="0" cy="0"/>
+          <a:chOff x="0" y="0"/>
+          <a:chExt cx="0" cy="0"/>
+        </a:xfrm>
+      </p:grpSpPr>
       <p:cxnSp>
         <p:nvCxnSpPr>
-          <p:cNvPr id="5" name="Google Shape;57;p13">
+          <p:cNvPr id="16" name="Google Shape;57;p13">
             <a:extLst>
               <a:ext uri="{FF2B5EF4-FFF2-40B4-BE49-F238E27FC236}">
-                <a16:creationId xmlns:a16="http://schemas.microsoft.com/office/drawing/2014/main" id="{43000A6A-F3EF-4021-955E-983CA9437BE7}"/>
+                <a16:creationId xmlns:a16="http://schemas.microsoft.com/office/drawing/2014/main" id="{427709C3-2DD2-4889-9D04-807999382D92}"/>
               </a:ext>
             </a:extLst>
           </p:cNvPr>
@@ -7210,8 +8636,8 @@
         </p:nvCxnSpPr>
         <p:spPr>
           <a:xfrm>
-            <a:off x="849541" y="1412985"/>
-            <a:ext cx="10492918" cy="0"/>
+            <a:off x="849541" y="911144"/>
+            <a:ext cx="6237059" cy="0"/>
           </a:xfrm>
           <a:prstGeom prst="straightConnector1">
             <a:avLst/>
@@ -7228,10 +8654,335 @@
           </a:ln>
         </p:spPr>
       </p:cxnSp>
+      <p:sp>
+        <p:nvSpPr>
+          <p:cNvPr id="29" name="Título 1">
+            <a:extLst>
+              <a:ext uri="{FF2B5EF4-FFF2-40B4-BE49-F238E27FC236}">
+                <a16:creationId xmlns:a16="http://schemas.microsoft.com/office/drawing/2014/main" id="{C8E5C476-3119-43EB-AE93-F6D97BED116F}"/>
+              </a:ext>
+            </a:extLst>
+          </p:cNvPr>
+          <p:cNvSpPr>
+            <a:spLocks noGrp="1"/>
+          </p:cNvSpPr>
+          <p:nvPr>
+            <p:ph type="title"/>
+          </p:nvPr>
+        </p:nvSpPr>
+        <p:spPr>
+          <a:xfrm>
+            <a:off x="849541" y="202317"/>
+            <a:ext cx="10504259" cy="650875"/>
+          </a:xfrm>
+        </p:spPr>
+        <p:txBody>
+          <a:bodyPr>
+            <a:normAutofit/>
+          </a:bodyPr>
+          <a:lstStyle/>
+          <a:p>
+            <a:r>
+              <a:rPr lang="pt-BR" sz="3600" b="1" dirty="0">
+                <a:latin typeface="Montserrat" panose="00000500000000000000" pitchFamily="2" charset="0"/>
+              </a:rPr>
+              <a:t>Crise Hídrica</a:t>
+            </a:r>
+          </a:p>
+        </p:txBody>
+      </p:sp>
+      <p:sp>
+        <p:nvSpPr>
+          <p:cNvPr id="10" name="Espaço Reservado para Conteúdo 2">
+            <a:extLst>
+              <a:ext uri="{FF2B5EF4-FFF2-40B4-BE49-F238E27FC236}">
+                <a16:creationId xmlns:a16="http://schemas.microsoft.com/office/drawing/2014/main" id="{EA819FEF-09DD-D777-4188-3EEC39FBBD41}"/>
+              </a:ext>
+            </a:extLst>
+          </p:cNvPr>
+          <p:cNvSpPr txBox="1">
+            <a:spLocks/>
+          </p:cNvSpPr>
+          <p:nvPr/>
+        </p:nvSpPr>
+        <p:spPr>
+          <a:xfrm>
+            <a:off x="515244" y="1019142"/>
+            <a:ext cx="10515600" cy="459702"/>
+          </a:xfrm>
+          <a:prstGeom prst="rect">
+            <a:avLst/>
+          </a:prstGeom>
+        </p:spPr>
+        <p:txBody>
+          <a:bodyPr vert="horz" lIns="91440" tIns="45720" rIns="91440" bIns="45720" rtlCol="0">
+            <a:normAutofit/>
+          </a:bodyPr>
+          <a:lstStyle>
+            <a:lvl1pPr marL="228600" indent="-228600" algn="l" defTabSz="914400" rtl="0" eaLnBrk="1" latinLnBrk="0" hangingPunct="1">
+              <a:lnSpc>
+                <a:spcPct val="90000"/>
+              </a:lnSpc>
+              <a:spcBef>
+                <a:spcPts val="1000"/>
+              </a:spcBef>
+              <a:buFont typeface="Arial" panose="020B0604020202020204" pitchFamily="34" charset="0"/>
+              <a:buChar char="•"/>
+              <a:defRPr sz="2800" kern="1200">
+                <a:solidFill>
+                  <a:schemeClr val="tx1"/>
+                </a:solidFill>
+                <a:latin typeface="+mn-lt"/>
+                <a:ea typeface="+mn-ea"/>
+                <a:cs typeface="+mn-cs"/>
+              </a:defRPr>
+            </a:lvl1pPr>
+            <a:lvl2pPr marL="685800" indent="-228600" algn="l" defTabSz="914400" rtl="0" eaLnBrk="1" latinLnBrk="0" hangingPunct="1">
+              <a:lnSpc>
+                <a:spcPct val="90000"/>
+              </a:lnSpc>
+              <a:spcBef>
+                <a:spcPts val="500"/>
+              </a:spcBef>
+              <a:buFont typeface="Arial" panose="020B0604020202020204" pitchFamily="34" charset="0"/>
+              <a:buChar char="•"/>
+              <a:defRPr sz="2400" kern="1200">
+                <a:solidFill>
+                  <a:schemeClr val="tx1"/>
+                </a:solidFill>
+                <a:latin typeface="+mn-lt"/>
+                <a:ea typeface="+mn-ea"/>
+                <a:cs typeface="+mn-cs"/>
+              </a:defRPr>
+            </a:lvl2pPr>
+            <a:lvl3pPr marL="1143000" indent="-228600" algn="l" defTabSz="914400" rtl="0" eaLnBrk="1" latinLnBrk="0" hangingPunct="1">
+              <a:lnSpc>
+                <a:spcPct val="90000"/>
+              </a:lnSpc>
+              <a:spcBef>
+                <a:spcPts val="500"/>
+              </a:spcBef>
+              <a:buFont typeface="Arial" panose="020B0604020202020204" pitchFamily="34" charset="0"/>
+              <a:buChar char="•"/>
+              <a:defRPr sz="2000" kern="1200">
+                <a:solidFill>
+                  <a:schemeClr val="tx1"/>
+                </a:solidFill>
+                <a:latin typeface="+mn-lt"/>
+                <a:ea typeface="+mn-ea"/>
+                <a:cs typeface="+mn-cs"/>
+              </a:defRPr>
+            </a:lvl3pPr>
+            <a:lvl4pPr marL="1600200" indent="-228600" algn="l" defTabSz="914400" rtl="0" eaLnBrk="1" latinLnBrk="0" hangingPunct="1">
+              <a:lnSpc>
+                <a:spcPct val="90000"/>
+              </a:lnSpc>
+              <a:spcBef>
+                <a:spcPts val="500"/>
+              </a:spcBef>
+              <a:buFont typeface="Arial" panose="020B0604020202020204" pitchFamily="34" charset="0"/>
+              <a:buChar char="•"/>
+              <a:defRPr sz="1800" kern="1200">
+                <a:solidFill>
+                  <a:schemeClr val="tx1"/>
+                </a:solidFill>
+                <a:latin typeface="+mn-lt"/>
+                <a:ea typeface="+mn-ea"/>
+                <a:cs typeface="+mn-cs"/>
+              </a:defRPr>
+            </a:lvl4pPr>
+            <a:lvl5pPr marL="2057400" indent="-228600" algn="l" defTabSz="914400" rtl="0" eaLnBrk="1" latinLnBrk="0" hangingPunct="1">
+              <a:lnSpc>
+                <a:spcPct val="90000"/>
+              </a:lnSpc>
+              <a:spcBef>
+                <a:spcPts val="500"/>
+              </a:spcBef>
+              <a:buFont typeface="Arial" panose="020B0604020202020204" pitchFamily="34" charset="0"/>
+              <a:buChar char="•"/>
+              <a:defRPr sz="1800" kern="1200">
+                <a:solidFill>
+                  <a:schemeClr val="tx1"/>
+                </a:solidFill>
+                <a:latin typeface="+mn-lt"/>
+                <a:ea typeface="+mn-ea"/>
+                <a:cs typeface="+mn-cs"/>
+              </a:defRPr>
+            </a:lvl5pPr>
+            <a:lvl6pPr marL="2514600" indent="-228600" algn="l" defTabSz="914400" rtl="0" eaLnBrk="1" latinLnBrk="0" hangingPunct="1">
+              <a:lnSpc>
+                <a:spcPct val="90000"/>
+              </a:lnSpc>
+              <a:spcBef>
+                <a:spcPts val="500"/>
+              </a:spcBef>
+              <a:buFont typeface="Arial" panose="020B0604020202020204" pitchFamily="34" charset="0"/>
+              <a:buChar char="•"/>
+              <a:defRPr sz="1800" kern="1200">
+                <a:solidFill>
+                  <a:schemeClr val="tx1"/>
+                </a:solidFill>
+                <a:latin typeface="+mn-lt"/>
+                <a:ea typeface="+mn-ea"/>
+                <a:cs typeface="+mn-cs"/>
+              </a:defRPr>
+            </a:lvl6pPr>
+            <a:lvl7pPr marL="2971800" indent="-228600" algn="l" defTabSz="914400" rtl="0" eaLnBrk="1" latinLnBrk="0" hangingPunct="1">
+              <a:lnSpc>
+                <a:spcPct val="90000"/>
+              </a:lnSpc>
+              <a:spcBef>
+                <a:spcPts val="500"/>
+              </a:spcBef>
+              <a:buFont typeface="Arial" panose="020B0604020202020204" pitchFamily="34" charset="0"/>
+              <a:buChar char="•"/>
+              <a:defRPr sz="1800" kern="1200">
+                <a:solidFill>
+                  <a:schemeClr val="tx1"/>
+                </a:solidFill>
+                <a:latin typeface="+mn-lt"/>
+                <a:ea typeface="+mn-ea"/>
+                <a:cs typeface="+mn-cs"/>
+              </a:defRPr>
+            </a:lvl7pPr>
+            <a:lvl8pPr marL="3429000" indent="-228600" algn="l" defTabSz="914400" rtl="0" eaLnBrk="1" latinLnBrk="0" hangingPunct="1">
+              <a:lnSpc>
+                <a:spcPct val="90000"/>
+              </a:lnSpc>
+              <a:spcBef>
+                <a:spcPts val="500"/>
+              </a:spcBef>
+              <a:buFont typeface="Arial" panose="020B0604020202020204" pitchFamily="34" charset="0"/>
+              <a:buChar char="•"/>
+              <a:defRPr sz="1800" kern="1200">
+                <a:solidFill>
+                  <a:schemeClr val="tx1"/>
+                </a:solidFill>
+                <a:latin typeface="+mn-lt"/>
+                <a:ea typeface="+mn-ea"/>
+                <a:cs typeface="+mn-cs"/>
+              </a:defRPr>
+            </a:lvl8pPr>
+            <a:lvl9pPr marL="3886200" indent="-228600" algn="l" defTabSz="914400" rtl="0" eaLnBrk="1" latinLnBrk="0" hangingPunct="1">
+              <a:lnSpc>
+                <a:spcPct val="90000"/>
+              </a:lnSpc>
+              <a:spcBef>
+                <a:spcPts val="500"/>
+              </a:spcBef>
+              <a:buFont typeface="Arial" panose="020B0604020202020204" pitchFamily="34" charset="0"/>
+              <a:buChar char="•"/>
+              <a:defRPr sz="1800" kern="1200">
+                <a:solidFill>
+                  <a:schemeClr val="tx1"/>
+                </a:solidFill>
+                <a:latin typeface="+mn-lt"/>
+                <a:ea typeface="+mn-ea"/>
+                <a:cs typeface="+mn-cs"/>
+              </a:defRPr>
+            </a:lvl9pPr>
+          </a:lstStyle>
+          <a:p>
+            <a:pPr marL="742950" lvl="1" indent="-285750">
+              <a:lnSpc>
+                <a:spcPct val="107000"/>
+              </a:lnSpc>
+              <a:spcAft>
+                <a:spcPts val="800"/>
+              </a:spcAft>
+              <a:buFont typeface="Courier New" panose="02070309020205020404" pitchFamily="49" charset="0"/>
+              <a:buChar char="o"/>
+            </a:pPr>
+            <a:r>
+              <a:rPr lang="pt-BR" sz="1800" dirty="0">
+                <a:latin typeface="Calibri" panose="020F0502020204030204" pitchFamily="34" charset="0"/>
+                <a:ea typeface="Calibri" panose="020F0502020204030204" pitchFamily="34" charset="0"/>
+                <a:cs typeface="Times New Roman" panose="02020603050405020304" pitchFamily="18" charset="0"/>
+              </a:rPr>
+              <a:t>MERCADO LIVRE DURANTE A CRISE HÍDRICA:</a:t>
+            </a:r>
+          </a:p>
+        </p:txBody>
+      </p:sp>
+      <p:sp>
+        <p:nvSpPr>
+          <p:cNvPr id="3" name="CaixaDeTexto 2">
+            <a:extLst>
+              <a:ext uri="{FF2B5EF4-FFF2-40B4-BE49-F238E27FC236}">
+                <a16:creationId xmlns:a16="http://schemas.microsoft.com/office/drawing/2014/main" id="{AC9F4EAA-C751-5D35-A9B9-56A9E89CC297}"/>
+              </a:ext>
+            </a:extLst>
+          </p:cNvPr>
+          <p:cNvSpPr txBox="1"/>
+          <p:nvPr/>
+        </p:nvSpPr>
+        <p:spPr>
+          <a:xfrm>
+            <a:off x="3823330" y="5623690"/>
+            <a:ext cx="4545338" cy="369332"/>
+          </a:xfrm>
+          <a:prstGeom prst="rect">
+            <a:avLst/>
+          </a:prstGeom>
+          <a:noFill/>
+        </p:spPr>
+        <p:txBody>
+          <a:bodyPr wrap="square">
+            <a:spAutoFit/>
+          </a:bodyPr>
+          <a:lstStyle/>
+          <a:p>
+            <a:pPr algn="ctr"/>
+            <a:r>
+              <a:rPr lang="pt-BR" sz="1800" dirty="0">
+                <a:latin typeface="Calibri" panose="020F0502020204030204" pitchFamily="34" charset="0"/>
+                <a:ea typeface="Calibri" panose="020F0502020204030204" pitchFamily="34" charset="0"/>
+                <a:cs typeface="Times New Roman" panose="02020603050405020304" pitchFamily="18" charset="0"/>
+              </a:rPr>
+              <a:t>Figura – EAR e CMO histórico</a:t>
+            </a:r>
+          </a:p>
+        </p:txBody>
+      </p:sp>
+      <p:pic>
+        <p:nvPicPr>
+          <p:cNvPr id="2" name="Graphic 13">
+            <a:extLst>
+              <a:ext uri="{FF2B5EF4-FFF2-40B4-BE49-F238E27FC236}">
+                <a16:creationId xmlns:a16="http://schemas.microsoft.com/office/drawing/2014/main" id="{1BD9CF3F-C8D9-8C82-3201-391750ACF1A7}"/>
+              </a:ext>
+            </a:extLst>
+          </p:cNvPr>
+          <p:cNvPicPr>
+            <a:picLocks noChangeAspect="1"/>
+          </p:cNvPicPr>
+          <p:nvPr/>
+        </p:nvPicPr>
+        <p:blipFill rotWithShape="1">
+          <a:blip r:embed="rId2">
+            <a:extLst>
+              <a:ext uri="{96DAC541-7B7A-43D3-8B79-37D633B846F1}">
+                <asvg:svgBlip xmlns:asvg="http://schemas.microsoft.com/office/drawing/2016/SVG/main" r:embed="rId3"/>
+              </a:ext>
+            </a:extLst>
+          </a:blip>
+          <a:srcRect l="8914" r="4814"/>
+          <a:stretch/>
+        </p:blipFill>
+        <p:spPr>
+          <a:xfrm>
+            <a:off x="1523999" y="1662289"/>
+            <a:ext cx="9144000" cy="3533422"/>
+          </a:xfrm>
+          <a:prstGeom prst="rect">
+            <a:avLst/>
+          </a:prstGeom>
+        </p:spPr>
+      </p:pic>
     </p:spTree>
     <p:extLst>
       <p:ext uri="{BB962C8B-B14F-4D97-AF65-F5344CB8AC3E}">
-        <p14:creationId xmlns:p14="http://schemas.microsoft.com/office/powerpoint/2010/main" val="2150100757"/>
+        <p14:creationId xmlns:p14="http://schemas.microsoft.com/office/powerpoint/2010/main" val="201673231"/>
       </p:ext>
     </p:extLst>
   </p:cSld>
@@ -7241,17 +8992,1022 @@
 </p:sld>
 </file>
 
-<file path=ppt/slides/slide4.xml><?xml version="1.0" encoding="utf-8"?>
+<file path=ppt/slides/slide13.xml><?xml version="1.0" encoding="utf-8"?>
 <p:sld xmlns:a="http://schemas.openxmlformats.org/drawingml/2006/main" xmlns:r="http://schemas.openxmlformats.org/officeDocument/2006/relationships" xmlns:p="http://schemas.openxmlformats.org/presentationml/2006/main">
   <p:cSld>
-    <p:bg>
-      <p:bgPr>
-        <a:solidFill>
-          <a:schemeClr val="bg1"/>
-        </a:solidFill>
-        <a:effectLst/>
-      </p:bgPr>
-    </p:bg>
+    <p:spTree>
+      <p:nvGrpSpPr>
+        <p:cNvPr id="1" name=""/>
+        <p:cNvGrpSpPr/>
+        <p:nvPr/>
+      </p:nvGrpSpPr>
+      <p:grpSpPr>
+        <a:xfrm>
+          <a:off x="0" y="0"/>
+          <a:ext cx="0" cy="0"/>
+          <a:chOff x="0" y="0"/>
+          <a:chExt cx="0" cy="0"/>
+        </a:xfrm>
+      </p:grpSpPr>
+      <p:cxnSp>
+        <p:nvCxnSpPr>
+          <p:cNvPr id="16" name="Google Shape;57;p13">
+            <a:extLst>
+              <a:ext uri="{FF2B5EF4-FFF2-40B4-BE49-F238E27FC236}">
+                <a16:creationId xmlns:a16="http://schemas.microsoft.com/office/drawing/2014/main" id="{427709C3-2DD2-4889-9D04-807999382D92}"/>
+              </a:ext>
+            </a:extLst>
+          </p:cNvPr>
+          <p:cNvCxnSpPr>
+            <a:cxnSpLocks/>
+          </p:cNvCxnSpPr>
+          <p:nvPr/>
+        </p:nvCxnSpPr>
+        <p:spPr>
+          <a:xfrm>
+            <a:off x="849541" y="911144"/>
+            <a:ext cx="6237059" cy="0"/>
+          </a:xfrm>
+          <a:prstGeom prst="straightConnector1">
+            <a:avLst/>
+          </a:prstGeom>
+          <a:noFill/>
+          <a:ln w="76200" cap="flat" cmpd="sng">
+            <a:solidFill>
+              <a:srgbClr val="073763"/>
+            </a:solidFill>
+            <a:prstDash val="solid"/>
+            <a:round/>
+            <a:headEnd type="none" w="med" len="med"/>
+            <a:tailEnd type="none" w="med" len="med"/>
+          </a:ln>
+        </p:spPr>
+      </p:cxnSp>
+      <p:sp>
+        <p:nvSpPr>
+          <p:cNvPr id="29" name="Título 1">
+            <a:extLst>
+              <a:ext uri="{FF2B5EF4-FFF2-40B4-BE49-F238E27FC236}">
+                <a16:creationId xmlns:a16="http://schemas.microsoft.com/office/drawing/2014/main" id="{C8E5C476-3119-43EB-AE93-F6D97BED116F}"/>
+              </a:ext>
+            </a:extLst>
+          </p:cNvPr>
+          <p:cNvSpPr>
+            <a:spLocks noGrp="1"/>
+          </p:cNvSpPr>
+          <p:nvPr>
+            <p:ph type="title"/>
+          </p:nvPr>
+        </p:nvSpPr>
+        <p:spPr>
+          <a:xfrm>
+            <a:off x="849541" y="202317"/>
+            <a:ext cx="10504259" cy="650875"/>
+          </a:xfrm>
+        </p:spPr>
+        <p:txBody>
+          <a:bodyPr>
+            <a:normAutofit/>
+          </a:bodyPr>
+          <a:lstStyle/>
+          <a:p>
+            <a:r>
+              <a:rPr lang="pt-BR" sz="3600" b="1" dirty="0">
+                <a:latin typeface="Montserrat" panose="00000500000000000000" pitchFamily="2" charset="0"/>
+              </a:rPr>
+              <a:t>Crise Hídrica</a:t>
+            </a:r>
+          </a:p>
+        </p:txBody>
+      </p:sp>
+      <p:sp>
+        <p:nvSpPr>
+          <p:cNvPr id="10" name="Espaço Reservado para Conteúdo 2">
+            <a:extLst>
+              <a:ext uri="{FF2B5EF4-FFF2-40B4-BE49-F238E27FC236}">
+                <a16:creationId xmlns:a16="http://schemas.microsoft.com/office/drawing/2014/main" id="{EA819FEF-09DD-D777-4188-3EEC39FBBD41}"/>
+              </a:ext>
+            </a:extLst>
+          </p:cNvPr>
+          <p:cNvSpPr txBox="1">
+            <a:spLocks/>
+          </p:cNvSpPr>
+          <p:nvPr/>
+        </p:nvSpPr>
+        <p:spPr>
+          <a:xfrm>
+            <a:off x="515244" y="1019142"/>
+            <a:ext cx="10515600" cy="459702"/>
+          </a:xfrm>
+          <a:prstGeom prst="rect">
+            <a:avLst/>
+          </a:prstGeom>
+        </p:spPr>
+        <p:txBody>
+          <a:bodyPr vert="horz" lIns="91440" tIns="45720" rIns="91440" bIns="45720" rtlCol="0">
+            <a:normAutofit/>
+          </a:bodyPr>
+          <a:lstStyle>
+            <a:lvl1pPr marL="228600" indent="-228600" algn="l" defTabSz="914400" rtl="0" eaLnBrk="1" latinLnBrk="0" hangingPunct="1">
+              <a:lnSpc>
+                <a:spcPct val="90000"/>
+              </a:lnSpc>
+              <a:spcBef>
+                <a:spcPts val="1000"/>
+              </a:spcBef>
+              <a:buFont typeface="Arial" panose="020B0604020202020204" pitchFamily="34" charset="0"/>
+              <a:buChar char="•"/>
+              <a:defRPr sz="2800" kern="1200">
+                <a:solidFill>
+                  <a:schemeClr val="tx1"/>
+                </a:solidFill>
+                <a:latin typeface="+mn-lt"/>
+                <a:ea typeface="+mn-ea"/>
+                <a:cs typeface="+mn-cs"/>
+              </a:defRPr>
+            </a:lvl1pPr>
+            <a:lvl2pPr marL="685800" indent="-228600" algn="l" defTabSz="914400" rtl="0" eaLnBrk="1" latinLnBrk="0" hangingPunct="1">
+              <a:lnSpc>
+                <a:spcPct val="90000"/>
+              </a:lnSpc>
+              <a:spcBef>
+                <a:spcPts val="500"/>
+              </a:spcBef>
+              <a:buFont typeface="Arial" panose="020B0604020202020204" pitchFamily="34" charset="0"/>
+              <a:buChar char="•"/>
+              <a:defRPr sz="2400" kern="1200">
+                <a:solidFill>
+                  <a:schemeClr val="tx1"/>
+                </a:solidFill>
+                <a:latin typeface="+mn-lt"/>
+                <a:ea typeface="+mn-ea"/>
+                <a:cs typeface="+mn-cs"/>
+              </a:defRPr>
+            </a:lvl2pPr>
+            <a:lvl3pPr marL="1143000" indent="-228600" algn="l" defTabSz="914400" rtl="0" eaLnBrk="1" latinLnBrk="0" hangingPunct="1">
+              <a:lnSpc>
+                <a:spcPct val="90000"/>
+              </a:lnSpc>
+              <a:spcBef>
+                <a:spcPts val="500"/>
+              </a:spcBef>
+              <a:buFont typeface="Arial" panose="020B0604020202020204" pitchFamily="34" charset="0"/>
+              <a:buChar char="•"/>
+              <a:defRPr sz="2000" kern="1200">
+                <a:solidFill>
+                  <a:schemeClr val="tx1"/>
+                </a:solidFill>
+                <a:latin typeface="+mn-lt"/>
+                <a:ea typeface="+mn-ea"/>
+                <a:cs typeface="+mn-cs"/>
+              </a:defRPr>
+            </a:lvl3pPr>
+            <a:lvl4pPr marL="1600200" indent="-228600" algn="l" defTabSz="914400" rtl="0" eaLnBrk="1" latinLnBrk="0" hangingPunct="1">
+              <a:lnSpc>
+                <a:spcPct val="90000"/>
+              </a:lnSpc>
+              <a:spcBef>
+                <a:spcPts val="500"/>
+              </a:spcBef>
+              <a:buFont typeface="Arial" panose="020B0604020202020204" pitchFamily="34" charset="0"/>
+              <a:buChar char="•"/>
+              <a:defRPr sz="1800" kern="1200">
+                <a:solidFill>
+                  <a:schemeClr val="tx1"/>
+                </a:solidFill>
+                <a:latin typeface="+mn-lt"/>
+                <a:ea typeface="+mn-ea"/>
+                <a:cs typeface="+mn-cs"/>
+              </a:defRPr>
+            </a:lvl4pPr>
+            <a:lvl5pPr marL="2057400" indent="-228600" algn="l" defTabSz="914400" rtl="0" eaLnBrk="1" latinLnBrk="0" hangingPunct="1">
+              <a:lnSpc>
+                <a:spcPct val="90000"/>
+              </a:lnSpc>
+              <a:spcBef>
+                <a:spcPts val="500"/>
+              </a:spcBef>
+              <a:buFont typeface="Arial" panose="020B0604020202020204" pitchFamily="34" charset="0"/>
+              <a:buChar char="•"/>
+              <a:defRPr sz="1800" kern="1200">
+                <a:solidFill>
+                  <a:schemeClr val="tx1"/>
+                </a:solidFill>
+                <a:latin typeface="+mn-lt"/>
+                <a:ea typeface="+mn-ea"/>
+                <a:cs typeface="+mn-cs"/>
+              </a:defRPr>
+            </a:lvl5pPr>
+            <a:lvl6pPr marL="2514600" indent="-228600" algn="l" defTabSz="914400" rtl="0" eaLnBrk="1" latinLnBrk="0" hangingPunct="1">
+              <a:lnSpc>
+                <a:spcPct val="90000"/>
+              </a:lnSpc>
+              <a:spcBef>
+                <a:spcPts val="500"/>
+              </a:spcBef>
+              <a:buFont typeface="Arial" panose="020B0604020202020204" pitchFamily="34" charset="0"/>
+              <a:buChar char="•"/>
+              <a:defRPr sz="1800" kern="1200">
+                <a:solidFill>
+                  <a:schemeClr val="tx1"/>
+                </a:solidFill>
+                <a:latin typeface="+mn-lt"/>
+                <a:ea typeface="+mn-ea"/>
+                <a:cs typeface="+mn-cs"/>
+              </a:defRPr>
+            </a:lvl6pPr>
+            <a:lvl7pPr marL="2971800" indent="-228600" algn="l" defTabSz="914400" rtl="0" eaLnBrk="1" latinLnBrk="0" hangingPunct="1">
+              <a:lnSpc>
+                <a:spcPct val="90000"/>
+              </a:lnSpc>
+              <a:spcBef>
+                <a:spcPts val="500"/>
+              </a:spcBef>
+              <a:buFont typeface="Arial" panose="020B0604020202020204" pitchFamily="34" charset="0"/>
+              <a:buChar char="•"/>
+              <a:defRPr sz="1800" kern="1200">
+                <a:solidFill>
+                  <a:schemeClr val="tx1"/>
+                </a:solidFill>
+                <a:latin typeface="+mn-lt"/>
+                <a:ea typeface="+mn-ea"/>
+                <a:cs typeface="+mn-cs"/>
+              </a:defRPr>
+            </a:lvl7pPr>
+            <a:lvl8pPr marL="3429000" indent="-228600" algn="l" defTabSz="914400" rtl="0" eaLnBrk="1" latinLnBrk="0" hangingPunct="1">
+              <a:lnSpc>
+                <a:spcPct val="90000"/>
+              </a:lnSpc>
+              <a:spcBef>
+                <a:spcPts val="500"/>
+              </a:spcBef>
+              <a:buFont typeface="Arial" panose="020B0604020202020204" pitchFamily="34" charset="0"/>
+              <a:buChar char="•"/>
+              <a:defRPr sz="1800" kern="1200">
+                <a:solidFill>
+                  <a:schemeClr val="tx1"/>
+                </a:solidFill>
+                <a:latin typeface="+mn-lt"/>
+                <a:ea typeface="+mn-ea"/>
+                <a:cs typeface="+mn-cs"/>
+              </a:defRPr>
+            </a:lvl8pPr>
+            <a:lvl9pPr marL="3886200" indent="-228600" algn="l" defTabSz="914400" rtl="0" eaLnBrk="1" latinLnBrk="0" hangingPunct="1">
+              <a:lnSpc>
+                <a:spcPct val="90000"/>
+              </a:lnSpc>
+              <a:spcBef>
+                <a:spcPts val="500"/>
+              </a:spcBef>
+              <a:buFont typeface="Arial" panose="020B0604020202020204" pitchFamily="34" charset="0"/>
+              <a:buChar char="•"/>
+              <a:defRPr sz="1800" kern="1200">
+                <a:solidFill>
+                  <a:schemeClr val="tx1"/>
+                </a:solidFill>
+                <a:latin typeface="+mn-lt"/>
+                <a:ea typeface="+mn-ea"/>
+                <a:cs typeface="+mn-cs"/>
+              </a:defRPr>
+            </a:lvl9pPr>
+          </a:lstStyle>
+          <a:p>
+            <a:pPr marL="742950" lvl="1" indent="-285750">
+              <a:lnSpc>
+                <a:spcPct val="107000"/>
+              </a:lnSpc>
+              <a:spcAft>
+                <a:spcPts val="800"/>
+              </a:spcAft>
+              <a:buFont typeface="Courier New" panose="02070309020205020404" pitchFamily="49" charset="0"/>
+              <a:buChar char="o"/>
+            </a:pPr>
+            <a:r>
+              <a:rPr lang="pt-BR" sz="1800" dirty="0">
+                <a:latin typeface="Calibri" panose="020F0502020204030204" pitchFamily="34" charset="0"/>
+                <a:ea typeface="Calibri" panose="020F0502020204030204" pitchFamily="34" charset="0"/>
+                <a:cs typeface="Times New Roman" panose="02020603050405020304" pitchFamily="18" charset="0"/>
+              </a:rPr>
+              <a:t>MERCADO LIVRE DURANTE A CRISE HÍDRICA:</a:t>
+            </a:r>
+          </a:p>
+        </p:txBody>
+      </p:sp>
+      <p:sp>
+        <p:nvSpPr>
+          <p:cNvPr id="3" name="CaixaDeTexto 2">
+            <a:extLst>
+              <a:ext uri="{FF2B5EF4-FFF2-40B4-BE49-F238E27FC236}">
+                <a16:creationId xmlns:a16="http://schemas.microsoft.com/office/drawing/2014/main" id="{AC9F4EAA-C751-5D35-A9B9-56A9E89CC297}"/>
+              </a:ext>
+            </a:extLst>
+          </p:cNvPr>
+          <p:cNvSpPr txBox="1"/>
+          <p:nvPr/>
+        </p:nvSpPr>
+        <p:spPr>
+          <a:xfrm>
+            <a:off x="3823330" y="5623690"/>
+            <a:ext cx="4545338" cy="646331"/>
+          </a:xfrm>
+          <a:prstGeom prst="rect">
+            <a:avLst/>
+          </a:prstGeom>
+          <a:noFill/>
+        </p:spPr>
+        <p:txBody>
+          <a:bodyPr wrap="square">
+            <a:spAutoFit/>
+          </a:bodyPr>
+          <a:lstStyle/>
+          <a:p>
+            <a:pPr algn="ctr"/>
+            <a:r>
+              <a:rPr lang="pt-BR" sz="1800" dirty="0">
+                <a:latin typeface="Calibri" panose="020F0502020204030204" pitchFamily="34" charset="0"/>
+                <a:ea typeface="Calibri" panose="020F0502020204030204" pitchFamily="34" charset="0"/>
+                <a:cs typeface="Times New Roman" panose="02020603050405020304" pitchFamily="18" charset="0"/>
+              </a:rPr>
+              <a:t>Figura – EAR, CMO e PLD durante a crise hídrica</a:t>
+            </a:r>
+          </a:p>
+        </p:txBody>
+      </p:sp>
+      <p:pic>
+        <p:nvPicPr>
+          <p:cNvPr id="12" name="Gráfico 11">
+            <a:extLst>
+              <a:ext uri="{FF2B5EF4-FFF2-40B4-BE49-F238E27FC236}">
+                <a16:creationId xmlns:a16="http://schemas.microsoft.com/office/drawing/2014/main" id="{D7F3AC0F-7D6C-D044-2D88-C071EB558B9D}"/>
+              </a:ext>
+            </a:extLst>
+          </p:cNvPr>
+          <p:cNvPicPr>
+            <a:picLocks noChangeAspect="1"/>
+          </p:cNvPicPr>
+          <p:nvPr/>
+        </p:nvPicPr>
+        <p:blipFill>
+          <a:blip r:embed="rId2">
+            <a:extLst>
+              <a:ext uri="{28A0092B-C50C-407E-A947-70E740481C1C}">
+                <a14:useLocalDpi xmlns:a14="http://schemas.microsoft.com/office/drawing/2010/main" val="0"/>
+              </a:ext>
+              <a:ext uri="{96DAC541-7B7A-43D3-8B79-37D633B846F1}">
+                <asvg:svgBlip xmlns:asvg="http://schemas.microsoft.com/office/drawing/2016/SVG/main" r:embed="rId3"/>
+              </a:ext>
+            </a:extLst>
+          </a:blip>
+          <a:stretch>
+            <a:fillRect/>
+          </a:stretch>
+        </p:blipFill>
+        <p:spPr>
+          <a:xfrm>
+            <a:off x="3352799" y="1884050"/>
+            <a:ext cx="5486400" cy="3657600"/>
+          </a:xfrm>
+          <a:prstGeom prst="rect">
+            <a:avLst/>
+          </a:prstGeom>
+        </p:spPr>
+      </p:pic>
+    </p:spTree>
+    <p:extLst>
+      <p:ext uri="{BB962C8B-B14F-4D97-AF65-F5344CB8AC3E}">
+        <p14:creationId xmlns:p14="http://schemas.microsoft.com/office/powerpoint/2010/main" val="827191483"/>
+      </p:ext>
+    </p:extLst>
+  </p:cSld>
+  <p:clrMapOvr>
+    <a:masterClrMapping/>
+  </p:clrMapOvr>
+</p:sld>
+</file>
+
+<file path=ppt/slides/slide14.xml><?xml version="1.0" encoding="utf-8"?>
+<p:sld xmlns:a="http://schemas.openxmlformats.org/drawingml/2006/main" xmlns:r="http://schemas.openxmlformats.org/officeDocument/2006/relationships" xmlns:p="http://schemas.openxmlformats.org/presentationml/2006/main">
+  <p:cSld>
+    <p:spTree>
+      <p:nvGrpSpPr>
+        <p:cNvPr id="1" name=""/>
+        <p:cNvGrpSpPr/>
+        <p:nvPr/>
+      </p:nvGrpSpPr>
+      <p:grpSpPr>
+        <a:xfrm>
+          <a:off x="0" y="0"/>
+          <a:ext cx="0" cy="0"/>
+          <a:chOff x="0" y="0"/>
+          <a:chExt cx="0" cy="0"/>
+        </a:xfrm>
+      </p:grpSpPr>
+      <p:cxnSp>
+        <p:nvCxnSpPr>
+          <p:cNvPr id="16" name="Google Shape;57;p13">
+            <a:extLst>
+              <a:ext uri="{FF2B5EF4-FFF2-40B4-BE49-F238E27FC236}">
+                <a16:creationId xmlns:a16="http://schemas.microsoft.com/office/drawing/2014/main" id="{427709C3-2DD2-4889-9D04-807999382D92}"/>
+              </a:ext>
+            </a:extLst>
+          </p:cNvPr>
+          <p:cNvCxnSpPr>
+            <a:cxnSpLocks/>
+          </p:cNvCxnSpPr>
+          <p:nvPr/>
+        </p:nvCxnSpPr>
+        <p:spPr>
+          <a:xfrm>
+            <a:off x="849541" y="911144"/>
+            <a:ext cx="6237059" cy="0"/>
+          </a:xfrm>
+          <a:prstGeom prst="straightConnector1">
+            <a:avLst/>
+          </a:prstGeom>
+          <a:noFill/>
+          <a:ln w="76200" cap="flat" cmpd="sng">
+            <a:solidFill>
+              <a:srgbClr val="073763"/>
+            </a:solidFill>
+            <a:prstDash val="solid"/>
+            <a:round/>
+            <a:headEnd type="none" w="med" len="med"/>
+            <a:tailEnd type="none" w="med" len="med"/>
+          </a:ln>
+        </p:spPr>
+      </p:cxnSp>
+      <p:sp>
+        <p:nvSpPr>
+          <p:cNvPr id="29" name="Título 1">
+            <a:extLst>
+              <a:ext uri="{FF2B5EF4-FFF2-40B4-BE49-F238E27FC236}">
+                <a16:creationId xmlns:a16="http://schemas.microsoft.com/office/drawing/2014/main" id="{C8E5C476-3119-43EB-AE93-F6D97BED116F}"/>
+              </a:ext>
+            </a:extLst>
+          </p:cNvPr>
+          <p:cNvSpPr>
+            <a:spLocks noGrp="1"/>
+          </p:cNvSpPr>
+          <p:nvPr>
+            <p:ph type="title"/>
+          </p:nvPr>
+        </p:nvSpPr>
+        <p:spPr>
+          <a:xfrm>
+            <a:off x="849541" y="202317"/>
+            <a:ext cx="10504259" cy="650875"/>
+          </a:xfrm>
+        </p:spPr>
+        <p:txBody>
+          <a:bodyPr>
+            <a:normAutofit/>
+          </a:bodyPr>
+          <a:lstStyle/>
+          <a:p>
+            <a:r>
+              <a:rPr lang="pt-BR" sz="3600" b="1" dirty="0">
+                <a:latin typeface="Montserrat" panose="00000500000000000000" pitchFamily="2" charset="0"/>
+              </a:rPr>
+              <a:t>Crise Hídrica</a:t>
+            </a:r>
+          </a:p>
+        </p:txBody>
+      </p:sp>
+      <p:sp>
+        <p:nvSpPr>
+          <p:cNvPr id="10" name="Espaço Reservado para Conteúdo 2">
+            <a:extLst>
+              <a:ext uri="{FF2B5EF4-FFF2-40B4-BE49-F238E27FC236}">
+                <a16:creationId xmlns:a16="http://schemas.microsoft.com/office/drawing/2014/main" id="{EA819FEF-09DD-D777-4188-3EEC39FBBD41}"/>
+              </a:ext>
+            </a:extLst>
+          </p:cNvPr>
+          <p:cNvSpPr txBox="1">
+            <a:spLocks/>
+          </p:cNvSpPr>
+          <p:nvPr/>
+        </p:nvSpPr>
+        <p:spPr>
+          <a:xfrm>
+            <a:off x="515244" y="1019142"/>
+            <a:ext cx="10515600" cy="459702"/>
+          </a:xfrm>
+          <a:prstGeom prst="rect">
+            <a:avLst/>
+          </a:prstGeom>
+        </p:spPr>
+        <p:txBody>
+          <a:bodyPr vert="horz" lIns="91440" tIns="45720" rIns="91440" bIns="45720" rtlCol="0">
+            <a:normAutofit/>
+          </a:bodyPr>
+          <a:lstStyle>
+            <a:lvl1pPr marL="228600" indent="-228600" algn="l" defTabSz="914400" rtl="0" eaLnBrk="1" latinLnBrk="0" hangingPunct="1">
+              <a:lnSpc>
+                <a:spcPct val="90000"/>
+              </a:lnSpc>
+              <a:spcBef>
+                <a:spcPts val="1000"/>
+              </a:spcBef>
+              <a:buFont typeface="Arial" panose="020B0604020202020204" pitchFamily="34" charset="0"/>
+              <a:buChar char="•"/>
+              <a:defRPr sz="2800" kern="1200">
+                <a:solidFill>
+                  <a:schemeClr val="tx1"/>
+                </a:solidFill>
+                <a:latin typeface="+mn-lt"/>
+                <a:ea typeface="+mn-ea"/>
+                <a:cs typeface="+mn-cs"/>
+              </a:defRPr>
+            </a:lvl1pPr>
+            <a:lvl2pPr marL="685800" indent="-228600" algn="l" defTabSz="914400" rtl="0" eaLnBrk="1" latinLnBrk="0" hangingPunct="1">
+              <a:lnSpc>
+                <a:spcPct val="90000"/>
+              </a:lnSpc>
+              <a:spcBef>
+                <a:spcPts val="500"/>
+              </a:spcBef>
+              <a:buFont typeface="Arial" panose="020B0604020202020204" pitchFamily="34" charset="0"/>
+              <a:buChar char="•"/>
+              <a:defRPr sz="2400" kern="1200">
+                <a:solidFill>
+                  <a:schemeClr val="tx1"/>
+                </a:solidFill>
+                <a:latin typeface="+mn-lt"/>
+                <a:ea typeface="+mn-ea"/>
+                <a:cs typeface="+mn-cs"/>
+              </a:defRPr>
+            </a:lvl2pPr>
+            <a:lvl3pPr marL="1143000" indent="-228600" algn="l" defTabSz="914400" rtl="0" eaLnBrk="1" latinLnBrk="0" hangingPunct="1">
+              <a:lnSpc>
+                <a:spcPct val="90000"/>
+              </a:lnSpc>
+              <a:spcBef>
+                <a:spcPts val="500"/>
+              </a:spcBef>
+              <a:buFont typeface="Arial" panose="020B0604020202020204" pitchFamily="34" charset="0"/>
+              <a:buChar char="•"/>
+              <a:defRPr sz="2000" kern="1200">
+                <a:solidFill>
+                  <a:schemeClr val="tx1"/>
+                </a:solidFill>
+                <a:latin typeface="+mn-lt"/>
+                <a:ea typeface="+mn-ea"/>
+                <a:cs typeface="+mn-cs"/>
+              </a:defRPr>
+            </a:lvl3pPr>
+            <a:lvl4pPr marL="1600200" indent="-228600" algn="l" defTabSz="914400" rtl="0" eaLnBrk="1" latinLnBrk="0" hangingPunct="1">
+              <a:lnSpc>
+                <a:spcPct val="90000"/>
+              </a:lnSpc>
+              <a:spcBef>
+                <a:spcPts val="500"/>
+              </a:spcBef>
+              <a:buFont typeface="Arial" panose="020B0604020202020204" pitchFamily="34" charset="0"/>
+              <a:buChar char="•"/>
+              <a:defRPr sz="1800" kern="1200">
+                <a:solidFill>
+                  <a:schemeClr val="tx1"/>
+                </a:solidFill>
+                <a:latin typeface="+mn-lt"/>
+                <a:ea typeface="+mn-ea"/>
+                <a:cs typeface="+mn-cs"/>
+              </a:defRPr>
+            </a:lvl4pPr>
+            <a:lvl5pPr marL="2057400" indent="-228600" algn="l" defTabSz="914400" rtl="0" eaLnBrk="1" latinLnBrk="0" hangingPunct="1">
+              <a:lnSpc>
+                <a:spcPct val="90000"/>
+              </a:lnSpc>
+              <a:spcBef>
+                <a:spcPts val="500"/>
+              </a:spcBef>
+              <a:buFont typeface="Arial" panose="020B0604020202020204" pitchFamily="34" charset="0"/>
+              <a:buChar char="•"/>
+              <a:defRPr sz="1800" kern="1200">
+                <a:solidFill>
+                  <a:schemeClr val="tx1"/>
+                </a:solidFill>
+                <a:latin typeface="+mn-lt"/>
+                <a:ea typeface="+mn-ea"/>
+                <a:cs typeface="+mn-cs"/>
+              </a:defRPr>
+            </a:lvl5pPr>
+            <a:lvl6pPr marL="2514600" indent="-228600" algn="l" defTabSz="914400" rtl="0" eaLnBrk="1" latinLnBrk="0" hangingPunct="1">
+              <a:lnSpc>
+                <a:spcPct val="90000"/>
+              </a:lnSpc>
+              <a:spcBef>
+                <a:spcPts val="500"/>
+              </a:spcBef>
+              <a:buFont typeface="Arial" panose="020B0604020202020204" pitchFamily="34" charset="0"/>
+              <a:buChar char="•"/>
+              <a:defRPr sz="1800" kern="1200">
+                <a:solidFill>
+                  <a:schemeClr val="tx1"/>
+                </a:solidFill>
+                <a:latin typeface="+mn-lt"/>
+                <a:ea typeface="+mn-ea"/>
+                <a:cs typeface="+mn-cs"/>
+              </a:defRPr>
+            </a:lvl6pPr>
+            <a:lvl7pPr marL="2971800" indent="-228600" algn="l" defTabSz="914400" rtl="0" eaLnBrk="1" latinLnBrk="0" hangingPunct="1">
+              <a:lnSpc>
+                <a:spcPct val="90000"/>
+              </a:lnSpc>
+              <a:spcBef>
+                <a:spcPts val="500"/>
+              </a:spcBef>
+              <a:buFont typeface="Arial" panose="020B0604020202020204" pitchFamily="34" charset="0"/>
+              <a:buChar char="•"/>
+              <a:defRPr sz="1800" kern="1200">
+                <a:solidFill>
+                  <a:schemeClr val="tx1"/>
+                </a:solidFill>
+                <a:latin typeface="+mn-lt"/>
+                <a:ea typeface="+mn-ea"/>
+                <a:cs typeface="+mn-cs"/>
+              </a:defRPr>
+            </a:lvl7pPr>
+            <a:lvl8pPr marL="3429000" indent="-228600" algn="l" defTabSz="914400" rtl="0" eaLnBrk="1" latinLnBrk="0" hangingPunct="1">
+              <a:lnSpc>
+                <a:spcPct val="90000"/>
+              </a:lnSpc>
+              <a:spcBef>
+                <a:spcPts val="500"/>
+              </a:spcBef>
+              <a:buFont typeface="Arial" panose="020B0604020202020204" pitchFamily="34" charset="0"/>
+              <a:buChar char="•"/>
+              <a:defRPr sz="1800" kern="1200">
+                <a:solidFill>
+                  <a:schemeClr val="tx1"/>
+                </a:solidFill>
+                <a:latin typeface="+mn-lt"/>
+                <a:ea typeface="+mn-ea"/>
+                <a:cs typeface="+mn-cs"/>
+              </a:defRPr>
+            </a:lvl8pPr>
+            <a:lvl9pPr marL="3886200" indent="-228600" algn="l" defTabSz="914400" rtl="0" eaLnBrk="1" latinLnBrk="0" hangingPunct="1">
+              <a:lnSpc>
+                <a:spcPct val="90000"/>
+              </a:lnSpc>
+              <a:spcBef>
+                <a:spcPts val="500"/>
+              </a:spcBef>
+              <a:buFont typeface="Arial" panose="020B0604020202020204" pitchFamily="34" charset="0"/>
+              <a:buChar char="•"/>
+              <a:defRPr sz="1800" kern="1200">
+                <a:solidFill>
+                  <a:schemeClr val="tx1"/>
+                </a:solidFill>
+                <a:latin typeface="+mn-lt"/>
+                <a:ea typeface="+mn-ea"/>
+                <a:cs typeface="+mn-cs"/>
+              </a:defRPr>
+            </a:lvl9pPr>
+          </a:lstStyle>
+          <a:p>
+            <a:pPr marL="742950" lvl="1" indent="-285750">
+              <a:lnSpc>
+                <a:spcPct val="107000"/>
+              </a:lnSpc>
+              <a:spcAft>
+                <a:spcPts val="800"/>
+              </a:spcAft>
+              <a:buFont typeface="Courier New" panose="02070309020205020404" pitchFamily="49" charset="0"/>
+              <a:buChar char="o"/>
+            </a:pPr>
+            <a:r>
+              <a:rPr lang="pt-BR" sz="1800" dirty="0">
+                <a:latin typeface="Calibri" panose="020F0502020204030204" pitchFamily="34" charset="0"/>
+                <a:ea typeface="Calibri" panose="020F0502020204030204" pitchFamily="34" charset="0"/>
+                <a:cs typeface="Times New Roman" panose="02020603050405020304" pitchFamily="18" charset="0"/>
+              </a:rPr>
+              <a:t>PREVISÕES DE EAR PARA 2022:</a:t>
+            </a:r>
+          </a:p>
+        </p:txBody>
+      </p:sp>
+      <p:sp>
+        <p:nvSpPr>
+          <p:cNvPr id="3" name="CaixaDeTexto 2">
+            <a:extLst>
+              <a:ext uri="{FF2B5EF4-FFF2-40B4-BE49-F238E27FC236}">
+                <a16:creationId xmlns:a16="http://schemas.microsoft.com/office/drawing/2014/main" id="{AC9F4EAA-C751-5D35-A9B9-56A9E89CC297}"/>
+              </a:ext>
+            </a:extLst>
+          </p:cNvPr>
+          <p:cNvSpPr txBox="1"/>
+          <p:nvPr/>
+        </p:nvSpPr>
+        <p:spPr>
+          <a:xfrm>
+            <a:off x="2734531" y="5925253"/>
+            <a:ext cx="6077025" cy="646331"/>
+          </a:xfrm>
+          <a:prstGeom prst="rect">
+            <a:avLst/>
+          </a:prstGeom>
+          <a:noFill/>
+        </p:spPr>
+        <p:txBody>
+          <a:bodyPr wrap="square">
+            <a:spAutoFit/>
+          </a:bodyPr>
+          <a:lstStyle/>
+          <a:p>
+            <a:pPr algn="ctr"/>
+            <a:r>
+              <a:rPr lang="pt-BR" sz="1800" dirty="0">
+                <a:latin typeface="Calibri" panose="020F0502020204030204" pitchFamily="34" charset="0"/>
+                <a:ea typeface="Calibri" panose="020F0502020204030204" pitchFamily="34" charset="0"/>
+                <a:cs typeface="Times New Roman" panose="02020603050405020304" pitchFamily="18" charset="0"/>
+              </a:rPr>
+              <a:t>Figura – EAR: a) Previsões abordadas na 259ª reunião do CMSE b) Valores registrados no período da previsão</a:t>
+            </a:r>
+          </a:p>
+        </p:txBody>
+      </p:sp>
+      <p:pic>
+        <p:nvPicPr>
+          <p:cNvPr id="4" name="Imagem 3">
+            <a:extLst>
+              <a:ext uri="{FF2B5EF4-FFF2-40B4-BE49-F238E27FC236}">
+                <a16:creationId xmlns:a16="http://schemas.microsoft.com/office/drawing/2014/main" id="{2D91D191-7A66-4C7A-D379-6E091E02889F}"/>
+              </a:ext>
+            </a:extLst>
+          </p:cNvPr>
+          <p:cNvPicPr>
+            <a:picLocks noChangeAspect="1"/>
+          </p:cNvPicPr>
+          <p:nvPr/>
+        </p:nvPicPr>
+        <p:blipFill>
+          <a:blip r:embed="rId3"/>
+          <a:stretch>
+            <a:fillRect/>
+          </a:stretch>
+        </p:blipFill>
+        <p:spPr>
+          <a:xfrm>
+            <a:off x="517406" y="2085366"/>
+            <a:ext cx="5360066" cy="3141595"/>
+          </a:xfrm>
+          <a:prstGeom prst="rect">
+            <a:avLst/>
+          </a:prstGeom>
+        </p:spPr>
+      </p:pic>
+      <p:pic>
+        <p:nvPicPr>
+          <p:cNvPr id="6" name="Gráfico 5">
+            <a:extLst>
+              <a:ext uri="{FF2B5EF4-FFF2-40B4-BE49-F238E27FC236}">
+                <a16:creationId xmlns:a16="http://schemas.microsoft.com/office/drawing/2014/main" id="{596235FE-C9BE-225D-E47C-FCAB68FA068E}"/>
+              </a:ext>
+            </a:extLst>
+          </p:cNvPr>
+          <p:cNvPicPr>
+            <a:picLocks noChangeAspect="1"/>
+          </p:cNvPicPr>
+          <p:nvPr/>
+        </p:nvPicPr>
+        <p:blipFill>
+          <a:blip r:embed="rId4">
+            <a:extLst>
+              <a:ext uri="{28A0092B-C50C-407E-A947-70E740481C1C}">
+                <a14:useLocalDpi xmlns:a14="http://schemas.microsoft.com/office/drawing/2010/main" val="0"/>
+              </a:ext>
+              <a:ext uri="{96DAC541-7B7A-43D3-8B79-37D633B846F1}">
+                <asvg:svgBlip xmlns:asvg="http://schemas.microsoft.com/office/drawing/2016/SVG/main" r:embed="rId5"/>
+              </a:ext>
+            </a:extLst>
+          </a:blip>
+          <a:stretch>
+            <a:fillRect/>
+          </a:stretch>
+        </p:blipFill>
+        <p:spPr>
+          <a:xfrm>
+            <a:off x="5539545" y="1896337"/>
+            <a:ext cx="6599541" cy="3364491"/>
+          </a:xfrm>
+          <a:prstGeom prst="rect">
+            <a:avLst/>
+          </a:prstGeom>
+        </p:spPr>
+      </p:pic>
+      <p:cxnSp>
+        <p:nvCxnSpPr>
+          <p:cNvPr id="8" name="Conector reto 7">
+            <a:extLst>
+              <a:ext uri="{FF2B5EF4-FFF2-40B4-BE49-F238E27FC236}">
+                <a16:creationId xmlns:a16="http://schemas.microsoft.com/office/drawing/2014/main" id="{FFC15A04-9ABB-8E93-AEDC-EC70E9552439}"/>
+              </a:ext>
+            </a:extLst>
+          </p:cNvPr>
+          <p:cNvCxnSpPr>
+            <a:cxnSpLocks/>
+          </p:cNvCxnSpPr>
+          <p:nvPr/>
+        </p:nvCxnSpPr>
+        <p:spPr>
+          <a:xfrm>
+            <a:off x="601884" y="2605447"/>
+            <a:ext cx="11030673" cy="0"/>
+          </a:xfrm>
+          <a:prstGeom prst="line">
+            <a:avLst/>
+          </a:prstGeom>
+          <a:ln>
+            <a:solidFill>
+              <a:srgbClr val="C00000"/>
+            </a:solidFill>
+          </a:ln>
+        </p:spPr>
+        <p:style>
+          <a:lnRef idx="1">
+            <a:schemeClr val="accent1"/>
+          </a:lnRef>
+          <a:fillRef idx="0">
+            <a:schemeClr val="accent1"/>
+          </a:fillRef>
+          <a:effectRef idx="0">
+            <a:schemeClr val="accent1"/>
+          </a:effectRef>
+          <a:fontRef idx="minor">
+            <a:schemeClr val="tx1"/>
+          </a:fontRef>
+        </p:style>
+      </p:cxnSp>
+      <p:cxnSp>
+        <p:nvCxnSpPr>
+          <p:cNvPr id="15" name="Conector reto 14">
+            <a:extLst>
+              <a:ext uri="{FF2B5EF4-FFF2-40B4-BE49-F238E27FC236}">
+                <a16:creationId xmlns:a16="http://schemas.microsoft.com/office/drawing/2014/main" id="{5B53E5CD-5870-4D82-25C3-247A7EAD3A4F}"/>
+              </a:ext>
+            </a:extLst>
+          </p:cNvPr>
+          <p:cNvCxnSpPr>
+            <a:cxnSpLocks/>
+          </p:cNvCxnSpPr>
+          <p:nvPr/>
+        </p:nvCxnSpPr>
+        <p:spPr>
+          <a:xfrm>
+            <a:off x="601884" y="2406908"/>
+            <a:ext cx="11030673" cy="0"/>
+          </a:xfrm>
+          <a:prstGeom prst="line">
+            <a:avLst/>
+          </a:prstGeom>
+          <a:ln>
+            <a:solidFill>
+              <a:srgbClr val="C00000"/>
+            </a:solidFill>
+          </a:ln>
+        </p:spPr>
+        <p:style>
+          <a:lnRef idx="1">
+            <a:schemeClr val="accent1"/>
+          </a:lnRef>
+          <a:fillRef idx="0">
+            <a:schemeClr val="accent1"/>
+          </a:fillRef>
+          <a:effectRef idx="0">
+            <a:schemeClr val="accent1"/>
+          </a:effectRef>
+          <a:fontRef idx="minor">
+            <a:schemeClr val="tx1"/>
+          </a:fontRef>
+        </p:style>
+      </p:cxnSp>
+      <p:sp>
+        <p:nvSpPr>
+          <p:cNvPr id="21" name="CaixaDeTexto 20">
+            <a:extLst>
+              <a:ext uri="{FF2B5EF4-FFF2-40B4-BE49-F238E27FC236}">
+                <a16:creationId xmlns:a16="http://schemas.microsoft.com/office/drawing/2014/main" id="{CF8D6AA2-A5CC-AEF3-AE4D-BE6883240D3D}"/>
+              </a:ext>
+            </a:extLst>
+          </p:cNvPr>
+          <p:cNvSpPr txBox="1"/>
+          <p:nvPr/>
+        </p:nvSpPr>
+        <p:spPr>
+          <a:xfrm>
+            <a:off x="102825" y="2366415"/>
+            <a:ext cx="567784" cy="261610"/>
+          </a:xfrm>
+          <a:prstGeom prst="rect">
+            <a:avLst/>
+          </a:prstGeom>
+          <a:noFill/>
+        </p:spPr>
+        <p:txBody>
+          <a:bodyPr wrap="none" rtlCol="0">
+            <a:spAutoFit/>
+          </a:bodyPr>
+          <a:lstStyle/>
+          <a:p>
+            <a:r>
+              <a:rPr lang="pt-BR" sz="1100" dirty="0">
+                <a:solidFill>
+                  <a:schemeClr val="accent2">
+                    <a:lumMod val="75000"/>
+                  </a:schemeClr>
+                </a:solidFill>
+              </a:rPr>
+              <a:t>+ 5,3%</a:t>
+            </a:r>
+          </a:p>
+        </p:txBody>
+      </p:sp>
+      <p:sp>
+        <p:nvSpPr>
+          <p:cNvPr id="22" name="CaixaDeTexto 21">
+            <a:extLst>
+              <a:ext uri="{FF2B5EF4-FFF2-40B4-BE49-F238E27FC236}">
+                <a16:creationId xmlns:a16="http://schemas.microsoft.com/office/drawing/2014/main" id="{89FAD8C6-4E51-E0FA-FE56-775EC664FF00}"/>
+              </a:ext>
+            </a:extLst>
+          </p:cNvPr>
+          <p:cNvSpPr txBox="1"/>
+          <p:nvPr/>
+        </p:nvSpPr>
+        <p:spPr>
+          <a:xfrm>
+            <a:off x="2913547" y="5415990"/>
+            <a:ext cx="325730" cy="307777"/>
+          </a:xfrm>
+          <a:prstGeom prst="rect">
+            <a:avLst/>
+          </a:prstGeom>
+          <a:noFill/>
+        </p:spPr>
+        <p:txBody>
+          <a:bodyPr wrap="none" rtlCol="0">
+            <a:spAutoFit/>
+          </a:bodyPr>
+          <a:lstStyle/>
+          <a:p>
+            <a:r>
+              <a:rPr lang="pt-BR" sz="1400" dirty="0"/>
+              <a:t>a)</a:t>
+            </a:r>
+          </a:p>
+        </p:txBody>
+      </p:sp>
+      <p:sp>
+        <p:nvSpPr>
+          <p:cNvPr id="23" name="CaixaDeTexto 22">
+            <a:extLst>
+              <a:ext uri="{FF2B5EF4-FFF2-40B4-BE49-F238E27FC236}">
+                <a16:creationId xmlns:a16="http://schemas.microsoft.com/office/drawing/2014/main" id="{34DD57EC-E8DC-9049-E6FD-9EA9E2FC5343}"/>
+              </a:ext>
+            </a:extLst>
+          </p:cNvPr>
+          <p:cNvSpPr txBox="1"/>
+          <p:nvPr/>
+        </p:nvSpPr>
+        <p:spPr>
+          <a:xfrm>
+            <a:off x="8773366" y="5425499"/>
+            <a:ext cx="333746" cy="307777"/>
+          </a:xfrm>
+          <a:prstGeom prst="rect">
+            <a:avLst/>
+          </a:prstGeom>
+          <a:noFill/>
+        </p:spPr>
+        <p:txBody>
+          <a:bodyPr wrap="none" rtlCol="0">
+            <a:spAutoFit/>
+          </a:bodyPr>
+          <a:lstStyle/>
+          <a:p>
+            <a:r>
+              <a:rPr lang="pt-BR" sz="1400" dirty="0"/>
+              <a:t>b)</a:t>
+            </a:r>
+          </a:p>
+        </p:txBody>
+      </p:sp>
+    </p:spTree>
+    <p:extLst>
+      <p:ext uri="{BB962C8B-B14F-4D97-AF65-F5344CB8AC3E}">
+        <p14:creationId xmlns:p14="http://schemas.microsoft.com/office/powerpoint/2010/main" val="2490551623"/>
+      </p:ext>
+    </p:extLst>
+  </p:cSld>
+  <p:clrMapOvr>
+    <a:masterClrMapping/>
+  </p:clrMapOvr>
+</p:sld>
+</file>
+
+<file path=ppt/slides/slide15.xml><?xml version="1.0" encoding="utf-8"?>
+<p:sld xmlns:a="http://schemas.openxmlformats.org/drawingml/2006/main" xmlns:r="http://schemas.openxmlformats.org/officeDocument/2006/relationships" xmlns:p="http://schemas.openxmlformats.org/presentationml/2006/main">
+  <p:cSld>
     <p:spTree>
       <p:nvGrpSpPr>
         <p:cNvPr id="1" name=""/>
@@ -7332,7 +10088,7 @@
               <a:rPr lang="pt-BR" sz="3600" b="1" dirty="0">
                 <a:latin typeface="Montserrat" panose="00000500000000000000" pitchFamily="2" charset="0"/>
               </a:rPr>
-              <a:t>Pautas Recorrentes do CMSE</a:t>
+              <a:t>Pandemia de Coronavírus</a:t>
             </a:r>
           </a:p>
         </p:txBody>
@@ -7545,27 +10301,7 @@
                 <a:ea typeface="Calibri" panose="020F0502020204030204" pitchFamily="34" charset="0"/>
                 <a:cs typeface="Times New Roman" panose="02020603050405020304" pitchFamily="18" charset="0"/>
               </a:rPr>
-              <a:t>Listar de forma simples tipo:</a:t>
-            </a:r>
-          </a:p>
-          <a:p>
-            <a:pPr marL="742950" lvl="1" indent="-285750">
-              <a:lnSpc>
-                <a:spcPct val="107000"/>
-              </a:lnSpc>
-              <a:spcAft>
-                <a:spcPts val="800"/>
-              </a:spcAft>
-              <a:buFont typeface="Courier New" panose="02070309020205020404" pitchFamily="49" charset="0"/>
-              <a:buChar char="o"/>
-            </a:pPr>
-            <a:r>
-              <a:rPr lang="pt-BR" sz="1800" dirty="0">
-                <a:latin typeface="Calibri" panose="020F0502020204030204" pitchFamily="34" charset="0"/>
-                <a:ea typeface="Calibri" panose="020F0502020204030204" pitchFamily="34" charset="0"/>
-                <a:cs typeface="Times New Roman" panose="02020603050405020304" pitchFamily="18" charset="0"/>
-              </a:rPr>
-              <a:t>AVALIAÇÃO DAS CONDIÇÕES DO ATENDIMENTO ELETROENERGÉTICO DO SISTEMA INTERLIGADO NACIONAL - SIN</a:t>
+              <a:t>Também pode estar junto com a crise hídrica</a:t>
             </a:r>
           </a:p>
         </p:txBody>
@@ -7573,7 +10309,7 @@
     </p:spTree>
     <p:extLst>
       <p:ext uri="{BB962C8B-B14F-4D97-AF65-F5344CB8AC3E}">
-        <p14:creationId xmlns:p14="http://schemas.microsoft.com/office/powerpoint/2010/main" val="56838272"/>
+        <p14:creationId xmlns:p14="http://schemas.microsoft.com/office/powerpoint/2010/main" val="2059803689"/>
       </p:ext>
     </p:extLst>
   </p:cSld>
@@ -7583,7 +10319,7 @@
 </p:sld>
 </file>
 
-<file path=ppt/slides/slide5.xml><?xml version="1.0" encoding="utf-8"?>
+<file path=ppt/slides/slide16.xml><?xml version="1.0" encoding="utf-8"?>
 <p:sld xmlns:a="http://schemas.openxmlformats.org/drawingml/2006/main" xmlns:r="http://schemas.openxmlformats.org/officeDocument/2006/relationships" xmlns:p="http://schemas.openxmlformats.org/presentationml/2006/main">
   <p:cSld>
     <p:spTree>
@@ -7666,7 +10402,7 @@
               <a:rPr lang="pt-BR" sz="3600" b="1" dirty="0">
                 <a:latin typeface="Montserrat" panose="00000500000000000000" pitchFamily="2" charset="0"/>
               </a:rPr>
-              <a:t>Pautas Não Recorrentes do CMSE</a:t>
+              <a:t>Blecaute no Amapá</a:t>
             </a:r>
           </a:p>
         </p:txBody>
@@ -7879,31 +10615,28 @@
                 <a:ea typeface="Calibri" panose="020F0502020204030204" pitchFamily="34" charset="0"/>
                 <a:cs typeface="Times New Roman" panose="02020603050405020304" pitchFamily="18" charset="0"/>
               </a:rPr>
-              <a:t>Citar de forma simples tipo – Atualização de software e publicação de </a:t>
+              <a:t>Colocar imagens de manchetes do G1 e falar um pouco sobre o </a:t>
             </a:r>
             <a:r>
-              <a:rPr lang="pt-BR" sz="1800" dirty="0" err="1">
+              <a:rPr lang="pt-BR" sz="1800">
                 <a:latin typeface="Calibri" panose="020F0502020204030204" pitchFamily="34" charset="0"/>
                 <a:ea typeface="Calibri" panose="020F0502020204030204" pitchFamily="34" charset="0"/>
                 <a:cs typeface="Times New Roman" panose="02020603050405020304" pitchFamily="18" charset="0"/>
               </a:rPr>
-              <a:t>docs</a:t>
+              <a:t>acontecimento.</a:t>
             </a:r>
-            <a:r>
-              <a:rPr lang="pt-BR" sz="1800" dirty="0">
-                <a:latin typeface="Calibri" panose="020F0502020204030204" pitchFamily="34" charset="0"/>
-                <a:ea typeface="Calibri" panose="020F0502020204030204" pitchFamily="34" charset="0"/>
-                <a:cs typeface="Times New Roman" panose="02020603050405020304" pitchFamily="18" charset="0"/>
-              </a:rPr>
-              <a:t> da ONS e EPE</a:t>
-            </a:r>
+            <a:endParaRPr lang="pt-BR" sz="1800" dirty="0">
+              <a:latin typeface="Calibri" panose="020F0502020204030204" pitchFamily="34" charset="0"/>
+              <a:ea typeface="Calibri" panose="020F0502020204030204" pitchFamily="34" charset="0"/>
+              <a:cs typeface="Times New Roman" panose="02020603050405020304" pitchFamily="18" charset="0"/>
+            </a:endParaRPr>
           </a:p>
         </p:txBody>
       </p:sp>
     </p:spTree>
     <p:extLst>
       <p:ext uri="{BB962C8B-B14F-4D97-AF65-F5344CB8AC3E}">
-        <p14:creationId xmlns:p14="http://schemas.microsoft.com/office/powerpoint/2010/main" val="3067231265"/>
+        <p14:creationId xmlns:p14="http://schemas.microsoft.com/office/powerpoint/2010/main" val="75184009"/>
       </p:ext>
     </p:extLst>
   </p:cSld>
@@ -7913,9 +10646,689 @@
 </p:sld>
 </file>
 
-<file path=ppt/slides/slide6.xml><?xml version="1.0" encoding="utf-8"?>
+<file path=ppt/slides/slide17.xml><?xml version="1.0" encoding="utf-8"?>
+<p:sld xmlns:a="http://schemas.openxmlformats.org/drawingml/2006/main" xmlns:r="http://schemas.openxmlformats.org/officeDocument/2006/relationships" xmlns:p="http://schemas.openxmlformats.org/presentationml/2006/main" show="0">
+  <p:cSld>
+    <p:bg>
+      <p:bgPr>
+        <a:solidFill>
+          <a:schemeClr val="bg1"/>
+        </a:solidFill>
+        <a:effectLst/>
+      </p:bgPr>
+    </p:bg>
+    <p:spTree>
+      <p:nvGrpSpPr>
+        <p:cNvPr id="1" name=""/>
+        <p:cNvGrpSpPr/>
+        <p:nvPr/>
+      </p:nvGrpSpPr>
+      <p:grpSpPr>
+        <a:xfrm>
+          <a:off x="0" y="0"/>
+          <a:ext cx="0" cy="0"/>
+          <a:chOff x="0" y="0"/>
+          <a:chExt cx="0" cy="0"/>
+        </a:xfrm>
+      </p:grpSpPr>
+      <p:grpSp>
+        <p:nvGrpSpPr>
+          <p:cNvPr id="26" name="Agrupar 25">
+            <a:extLst>
+              <a:ext uri="{FF2B5EF4-FFF2-40B4-BE49-F238E27FC236}">
+                <a16:creationId xmlns:a16="http://schemas.microsoft.com/office/drawing/2014/main" id="{0923B5E2-9534-3013-9FA1-DC0389790655}"/>
+              </a:ext>
+            </a:extLst>
+          </p:cNvPr>
+          <p:cNvGrpSpPr/>
+          <p:nvPr/>
+        </p:nvGrpSpPr>
+        <p:grpSpPr>
+          <a:xfrm>
+            <a:off x="6884247" y="-4"/>
+            <a:ext cx="5307753" cy="6858003"/>
+            <a:chOff x="6884247" y="-1"/>
+            <a:chExt cx="5307753" cy="6858003"/>
+          </a:xfrm>
+        </p:grpSpPr>
+        <p:pic>
+          <p:nvPicPr>
+            <p:cNvPr id="27" name="Imagem 26">
+              <a:extLst>
+                <a:ext uri="{FF2B5EF4-FFF2-40B4-BE49-F238E27FC236}">
+                  <a16:creationId xmlns:a16="http://schemas.microsoft.com/office/drawing/2014/main" id="{52CCD650-F54F-3211-9025-DAFC6C5D7657}"/>
+                </a:ext>
+              </a:extLst>
+            </p:cNvPr>
+            <p:cNvPicPr>
+              <a:picLocks noChangeAspect="1"/>
+            </p:cNvPicPr>
+            <p:nvPr/>
+          </p:nvPicPr>
+          <p:blipFill rotWithShape="1">
+            <a:blip r:embed="rId2"/>
+            <a:srcRect l="1" r="43369"/>
+            <a:stretch/>
+          </p:blipFill>
+          <p:spPr>
+            <a:xfrm>
+              <a:off x="6884247" y="-1"/>
+              <a:ext cx="5307753" cy="6858000"/>
+            </a:xfrm>
+            <a:prstGeom prst="rect">
+              <a:avLst/>
+            </a:prstGeom>
+          </p:spPr>
+        </p:pic>
+        <p:sp>
+          <p:nvSpPr>
+            <p:cNvPr id="28" name="Triângulo isósceles 27">
+              <a:extLst>
+                <a:ext uri="{FF2B5EF4-FFF2-40B4-BE49-F238E27FC236}">
+                  <a16:creationId xmlns:a16="http://schemas.microsoft.com/office/drawing/2014/main" id="{99299C47-D9F1-4852-EC6B-F464845C60D5}"/>
+                </a:ext>
+              </a:extLst>
+            </p:cNvPr>
+            <p:cNvSpPr/>
+            <p:nvPr/>
+          </p:nvSpPr>
+          <p:spPr>
+            <a:xfrm rot="5400000">
+              <a:off x="5884666" y="2614694"/>
+              <a:ext cx="6858001" cy="1628616"/>
+            </a:xfrm>
+            <a:prstGeom prst="triangle">
+              <a:avLst>
+                <a:gd name="adj" fmla="val 50136"/>
+              </a:avLst>
+            </a:prstGeom>
+            <a:solidFill>
+              <a:schemeClr val="bg1"/>
+            </a:solidFill>
+            <a:ln>
+              <a:solidFill>
+                <a:schemeClr val="bg1"/>
+              </a:solidFill>
+            </a:ln>
+          </p:spPr>
+          <p:style>
+            <a:lnRef idx="2">
+              <a:schemeClr val="accent1">
+                <a:shade val="50000"/>
+              </a:schemeClr>
+            </a:lnRef>
+            <a:fillRef idx="1">
+              <a:schemeClr val="accent1"/>
+            </a:fillRef>
+            <a:effectRef idx="0">
+              <a:schemeClr val="accent1"/>
+            </a:effectRef>
+            <a:fontRef idx="minor">
+              <a:schemeClr val="lt1"/>
+            </a:fontRef>
+          </p:style>
+          <p:txBody>
+            <a:bodyPr rtlCol="0" anchor="ctr"/>
+            <a:lstStyle/>
+            <a:p>
+              <a:pPr algn="ctr"/>
+              <a:endParaRPr lang="pt-BR"/>
+            </a:p>
+          </p:txBody>
+        </p:sp>
+      </p:grpSp>
+      <p:sp>
+        <p:nvSpPr>
+          <p:cNvPr id="16" name="Retângulo 15">
+            <a:extLst>
+              <a:ext uri="{FF2B5EF4-FFF2-40B4-BE49-F238E27FC236}">
+                <a16:creationId xmlns:a16="http://schemas.microsoft.com/office/drawing/2014/main" id="{3FDA60BD-51F0-42B6-88E3-34C119E8120F}"/>
+              </a:ext>
+            </a:extLst>
+          </p:cNvPr>
+          <p:cNvSpPr/>
+          <p:nvPr/>
+        </p:nvSpPr>
+        <p:spPr>
+          <a:xfrm rot="5400000">
+            <a:off x="3455246" y="1813892"/>
+            <a:ext cx="6858001" cy="3230217"/>
+          </a:xfrm>
+          <a:prstGeom prst="rect">
+            <a:avLst/>
+          </a:prstGeom>
+          <a:solidFill>
+            <a:schemeClr val="bg1"/>
+          </a:solidFill>
+          <a:ln>
+            <a:solidFill>
+              <a:schemeClr val="bg1"/>
+            </a:solidFill>
+          </a:ln>
+        </p:spPr>
+        <p:style>
+          <a:lnRef idx="2">
+            <a:schemeClr val="accent1">
+              <a:shade val="50000"/>
+            </a:schemeClr>
+          </a:lnRef>
+          <a:fillRef idx="1">
+            <a:schemeClr val="accent1"/>
+          </a:fillRef>
+          <a:effectRef idx="0">
+            <a:schemeClr val="accent1"/>
+          </a:effectRef>
+          <a:fontRef idx="minor">
+            <a:schemeClr val="lt1"/>
+          </a:fontRef>
+        </p:style>
+        <p:txBody>
+          <a:bodyPr rtlCol="0" anchor="ctr"/>
+          <a:lstStyle/>
+          <a:p>
+            <a:pPr algn="ctr"/>
+            <a:endParaRPr lang="pt-BR"/>
+          </a:p>
+        </p:txBody>
+      </p:sp>
+      <p:sp>
+        <p:nvSpPr>
+          <p:cNvPr id="34" name="Título 1">
+            <a:extLst>
+              <a:ext uri="{FF2B5EF4-FFF2-40B4-BE49-F238E27FC236}">
+                <a16:creationId xmlns:a16="http://schemas.microsoft.com/office/drawing/2014/main" id="{23AE8F47-4982-B057-4ECE-F4B9714723CE}"/>
+              </a:ext>
+            </a:extLst>
+          </p:cNvPr>
+          <p:cNvSpPr>
+            <a:spLocks noGrp="1"/>
+          </p:cNvSpPr>
+          <p:nvPr>
+            <p:ph type="title"/>
+          </p:nvPr>
+        </p:nvSpPr>
+        <p:spPr/>
+        <p:txBody>
+          <a:bodyPr>
+            <a:normAutofit/>
+          </a:bodyPr>
+          <a:lstStyle/>
+          <a:p>
+            <a:r>
+              <a:rPr lang="pt-BR" sz="3600" b="1" dirty="0">
+                <a:latin typeface="Montserrat" panose="00000500000000000000" pitchFamily="2" charset="0"/>
+              </a:rPr>
+              <a:t>Slide exemplo</a:t>
+            </a:r>
+          </a:p>
+        </p:txBody>
+      </p:sp>
+      <p:sp>
+        <p:nvSpPr>
+          <p:cNvPr id="33" name="Espaço Reservado para Conteúdo 2">
+            <a:extLst>
+              <a:ext uri="{FF2B5EF4-FFF2-40B4-BE49-F238E27FC236}">
+                <a16:creationId xmlns:a16="http://schemas.microsoft.com/office/drawing/2014/main" id="{E650FCCE-E1A3-BF27-B41A-9A39B605F516}"/>
+              </a:ext>
+            </a:extLst>
+          </p:cNvPr>
+          <p:cNvSpPr>
+            <a:spLocks noGrp="1"/>
+          </p:cNvSpPr>
+          <p:nvPr>
+            <p:ph idx="1"/>
+          </p:nvPr>
+        </p:nvSpPr>
+        <p:spPr>
+          <a:xfrm>
+            <a:off x="687166" y="1954111"/>
+            <a:ext cx="8387153" cy="4295075"/>
+          </a:xfrm>
+        </p:spPr>
+        <p:txBody>
+          <a:bodyPr>
+            <a:normAutofit/>
+          </a:bodyPr>
+          <a:lstStyle/>
+          <a:p>
+            <a:r>
+              <a:rPr lang="pt-BR" dirty="0"/>
+              <a:t>o	Projeção do cenário para o futuro e como isso vai impactar o sistema elétrico.</a:t>
+            </a:r>
+          </a:p>
+          <a:p>
+            <a:r>
+              <a:rPr lang="pt-BR" dirty="0"/>
+              <a:t>o	Estudos/debates que vêm sendo realizados sobre o assunto. (ONS sobre o ajuste da proteção das </a:t>
+            </a:r>
+            <a:r>
+              <a:rPr lang="pt-BR" dirty="0" err="1"/>
+              <a:t>GDs</a:t>
+            </a:r>
+            <a:r>
+              <a:rPr lang="pt-BR" dirty="0"/>
+              <a:t> do SIN)</a:t>
+            </a:r>
+          </a:p>
+        </p:txBody>
+      </p:sp>
+      <p:cxnSp>
+        <p:nvCxnSpPr>
+          <p:cNvPr id="8" name="Google Shape;57;p13">
+            <a:extLst>
+              <a:ext uri="{FF2B5EF4-FFF2-40B4-BE49-F238E27FC236}">
+                <a16:creationId xmlns:a16="http://schemas.microsoft.com/office/drawing/2014/main" id="{8C0E182E-A63C-684D-394C-223D815B016D}"/>
+              </a:ext>
+            </a:extLst>
+          </p:cNvPr>
+          <p:cNvCxnSpPr>
+            <a:cxnSpLocks/>
+          </p:cNvCxnSpPr>
+          <p:nvPr/>
+        </p:nvCxnSpPr>
+        <p:spPr>
+          <a:xfrm>
+            <a:off x="849541" y="1412985"/>
+            <a:ext cx="6426330" cy="0"/>
+          </a:xfrm>
+          <a:prstGeom prst="straightConnector1">
+            <a:avLst/>
+          </a:prstGeom>
+          <a:noFill/>
+          <a:ln w="76200" cap="flat" cmpd="sng">
+            <a:solidFill>
+              <a:srgbClr val="073763"/>
+            </a:solidFill>
+            <a:prstDash val="solid"/>
+            <a:round/>
+            <a:headEnd type="none" w="med" len="med"/>
+            <a:tailEnd type="none" w="med" len="med"/>
+          </a:ln>
+        </p:spPr>
+      </p:cxnSp>
+    </p:spTree>
+    <p:extLst>
+      <p:ext uri="{BB962C8B-B14F-4D97-AF65-F5344CB8AC3E}">
+        <p14:creationId xmlns:p14="http://schemas.microsoft.com/office/powerpoint/2010/main" val="2328041856"/>
+      </p:ext>
+    </p:extLst>
+  </p:cSld>
+  <p:clrMapOvr>
+    <a:masterClrMapping/>
+  </p:clrMapOvr>
+</p:sld>
+</file>
+
+<file path=ppt/slides/slide2.xml><?xml version="1.0" encoding="utf-8"?>
 <p:sld xmlns:a="http://schemas.openxmlformats.org/drawingml/2006/main" xmlns:r="http://schemas.openxmlformats.org/officeDocument/2006/relationships" xmlns:p="http://schemas.openxmlformats.org/presentationml/2006/main">
   <p:cSld>
+    <p:spTree>
+      <p:nvGrpSpPr>
+        <p:cNvPr id="1" name=""/>
+        <p:cNvGrpSpPr/>
+        <p:nvPr/>
+      </p:nvGrpSpPr>
+      <p:grpSpPr>
+        <a:xfrm>
+          <a:off x="0" y="0"/>
+          <a:ext cx="0" cy="0"/>
+          <a:chOff x="0" y="0"/>
+          <a:chExt cx="0" cy="0"/>
+        </a:xfrm>
+      </p:grpSpPr>
+      <p:sp>
+        <p:nvSpPr>
+          <p:cNvPr id="2" name="Título 1">
+            <a:extLst>
+              <a:ext uri="{FF2B5EF4-FFF2-40B4-BE49-F238E27FC236}">
+                <a16:creationId xmlns:a16="http://schemas.microsoft.com/office/drawing/2014/main" id="{347A1876-CC88-40B9-9005-E603609A61BB}"/>
+              </a:ext>
+            </a:extLst>
+          </p:cNvPr>
+          <p:cNvSpPr>
+            <a:spLocks noGrp="1"/>
+          </p:cNvSpPr>
+          <p:nvPr>
+            <p:ph type="title"/>
+          </p:nvPr>
+        </p:nvSpPr>
+        <p:spPr/>
+        <p:txBody>
+          <a:bodyPr>
+            <a:normAutofit/>
+          </a:bodyPr>
+          <a:lstStyle/>
+          <a:p>
+            <a:r>
+              <a:rPr lang="pt-BR" sz="3600" b="1" dirty="0">
+                <a:latin typeface="Montserrat" panose="00000500000000000000" pitchFamily="2" charset="0"/>
+              </a:rPr>
+              <a:t>Sumário</a:t>
+            </a:r>
+          </a:p>
+        </p:txBody>
+      </p:sp>
+      <p:sp>
+        <p:nvSpPr>
+          <p:cNvPr id="3" name="Espaço Reservado para Conteúdo 2">
+            <a:extLst>
+              <a:ext uri="{FF2B5EF4-FFF2-40B4-BE49-F238E27FC236}">
+                <a16:creationId xmlns:a16="http://schemas.microsoft.com/office/drawing/2014/main" id="{C73F977A-0B7B-4C04-95BF-80810EAEAAFC}"/>
+              </a:ext>
+            </a:extLst>
+          </p:cNvPr>
+          <p:cNvSpPr>
+            <a:spLocks noGrp="1"/>
+          </p:cNvSpPr>
+          <p:nvPr>
+            <p:ph idx="1"/>
+          </p:nvPr>
+        </p:nvSpPr>
+        <p:spPr>
+          <a:xfrm>
+            <a:off x="838200" y="2130356"/>
+            <a:ext cx="10515600" cy="2597288"/>
+          </a:xfrm>
+        </p:spPr>
+        <p:txBody>
+          <a:bodyPr>
+            <a:normAutofit/>
+          </a:bodyPr>
+          <a:lstStyle/>
+          <a:p>
+            <a:pPr marL="514350" indent="-514350">
+              <a:buFont typeface="+mj-lt"/>
+              <a:buAutoNum type="arabicPeriod"/>
+            </a:pPr>
+            <a:r>
+              <a:rPr lang="pt-BR" sz="2400" dirty="0">
+                <a:latin typeface="Montserrat" panose="00000500000000000000" pitchFamily="2" charset="0"/>
+              </a:rPr>
+              <a:t>Introdução ao CMSE</a:t>
+            </a:r>
+            <a:endParaRPr lang="pt-BR" dirty="0">
+              <a:latin typeface="Montserrat" panose="00000500000000000000" pitchFamily="2" charset="0"/>
+            </a:endParaRPr>
+          </a:p>
+          <a:p>
+            <a:pPr marL="971550" lvl="1" indent="-514350">
+              <a:buFont typeface="+mj-lt"/>
+              <a:buAutoNum type="arabicPeriod"/>
+            </a:pPr>
+            <a:r>
+              <a:rPr lang="pt-BR" sz="2000" dirty="0">
+                <a:latin typeface="Montserrat" panose="00000500000000000000" pitchFamily="2" charset="0"/>
+              </a:rPr>
+              <a:t>Pautas Recorrentes do CMSE</a:t>
+            </a:r>
+          </a:p>
+          <a:p>
+            <a:pPr marL="971550" lvl="1" indent="-514350">
+              <a:buFont typeface="+mj-lt"/>
+              <a:buAutoNum type="arabicPeriod"/>
+            </a:pPr>
+            <a:r>
+              <a:rPr lang="pt-BR" sz="2000" dirty="0">
+                <a:latin typeface="Montserrat" panose="00000500000000000000" pitchFamily="2" charset="0"/>
+              </a:rPr>
+              <a:t>Pautas Não-Recorrentes do CMSE</a:t>
+            </a:r>
+          </a:p>
+          <a:p>
+            <a:pPr marL="514350" indent="-514350">
+              <a:buFont typeface="+mj-lt"/>
+              <a:buAutoNum type="arabicPeriod"/>
+            </a:pPr>
+            <a:r>
+              <a:rPr lang="pt-BR" sz="2400" dirty="0">
+                <a:latin typeface="Montserrat" panose="00000500000000000000" pitchFamily="2" charset="0"/>
+              </a:rPr>
+              <a:t>Crise Hídrica</a:t>
+            </a:r>
+          </a:p>
+          <a:p>
+            <a:pPr marL="514350" indent="-514350">
+              <a:buFont typeface="+mj-lt"/>
+              <a:buAutoNum type="arabicPeriod"/>
+            </a:pPr>
+            <a:r>
+              <a:rPr lang="pt-BR" sz="2400" dirty="0">
+                <a:latin typeface="Montserrat" panose="00000500000000000000" pitchFamily="2" charset="0"/>
+              </a:rPr>
+              <a:t>Pandemia de Coronavírus</a:t>
+            </a:r>
+          </a:p>
+          <a:p>
+            <a:pPr marL="514350" indent="-514350">
+              <a:buFont typeface="+mj-lt"/>
+              <a:buAutoNum type="arabicPeriod"/>
+            </a:pPr>
+            <a:r>
+              <a:rPr lang="pt-BR" sz="2400" dirty="0">
+                <a:latin typeface="Montserrat" panose="00000500000000000000" pitchFamily="2" charset="0"/>
+              </a:rPr>
+              <a:t>Blecaute no Amapá</a:t>
+            </a:r>
+          </a:p>
+          <a:p>
+            <a:pPr marL="0" indent="0">
+              <a:buNone/>
+            </a:pPr>
+            <a:endParaRPr lang="pt-BR" sz="2400" dirty="0">
+              <a:latin typeface="Montserrat" panose="00000500000000000000" pitchFamily="2" charset="0"/>
+            </a:endParaRPr>
+          </a:p>
+        </p:txBody>
+      </p:sp>
+      <p:cxnSp>
+        <p:nvCxnSpPr>
+          <p:cNvPr id="5" name="Google Shape;57;p13">
+            <a:extLst>
+              <a:ext uri="{FF2B5EF4-FFF2-40B4-BE49-F238E27FC236}">
+                <a16:creationId xmlns:a16="http://schemas.microsoft.com/office/drawing/2014/main" id="{43000A6A-F3EF-4021-955E-983CA9437BE7}"/>
+              </a:ext>
+            </a:extLst>
+          </p:cNvPr>
+          <p:cNvCxnSpPr>
+            <a:cxnSpLocks/>
+          </p:cNvCxnSpPr>
+          <p:nvPr/>
+        </p:nvCxnSpPr>
+        <p:spPr>
+          <a:xfrm>
+            <a:off x="849541" y="1412985"/>
+            <a:ext cx="10492918" cy="0"/>
+          </a:xfrm>
+          <a:prstGeom prst="straightConnector1">
+            <a:avLst/>
+          </a:prstGeom>
+          <a:noFill/>
+          <a:ln w="76200" cap="flat" cmpd="sng">
+            <a:solidFill>
+              <a:srgbClr val="073763"/>
+            </a:solidFill>
+            <a:prstDash val="solid"/>
+            <a:round/>
+            <a:headEnd type="none" w="med" len="med"/>
+            <a:tailEnd type="none" w="med" len="med"/>
+          </a:ln>
+        </p:spPr>
+      </p:cxnSp>
+    </p:spTree>
+    <p:extLst>
+      <p:ext uri="{BB962C8B-B14F-4D97-AF65-F5344CB8AC3E}">
+        <p14:creationId xmlns:p14="http://schemas.microsoft.com/office/powerpoint/2010/main" val="2874628143"/>
+      </p:ext>
+    </p:extLst>
+  </p:cSld>
+  <p:clrMapOvr>
+    <a:masterClrMapping/>
+  </p:clrMapOvr>
+</p:sld>
+</file>
+
+<file path=ppt/slides/slide3.xml><?xml version="1.0" encoding="utf-8"?>
+<p:sld xmlns:a="http://schemas.openxmlformats.org/drawingml/2006/main" xmlns:r="http://schemas.openxmlformats.org/officeDocument/2006/relationships" xmlns:p="http://schemas.openxmlformats.org/presentationml/2006/main">
+  <p:cSld>
+    <p:spTree>
+      <p:nvGrpSpPr>
+        <p:cNvPr id="1" name=""/>
+        <p:cNvGrpSpPr/>
+        <p:nvPr/>
+      </p:nvGrpSpPr>
+      <p:grpSpPr>
+        <a:xfrm>
+          <a:off x="0" y="0"/>
+          <a:ext cx="0" cy="0"/>
+          <a:chOff x="0" y="0"/>
+          <a:chExt cx="0" cy="0"/>
+        </a:xfrm>
+      </p:grpSpPr>
+      <p:sp>
+        <p:nvSpPr>
+          <p:cNvPr id="2" name="Título 1">
+            <a:extLst>
+              <a:ext uri="{FF2B5EF4-FFF2-40B4-BE49-F238E27FC236}">
+                <a16:creationId xmlns:a16="http://schemas.microsoft.com/office/drawing/2014/main" id="{347A1876-CC88-40B9-9005-E603609A61BB}"/>
+              </a:ext>
+            </a:extLst>
+          </p:cNvPr>
+          <p:cNvSpPr>
+            <a:spLocks noGrp="1"/>
+          </p:cNvSpPr>
+          <p:nvPr>
+            <p:ph type="title"/>
+          </p:nvPr>
+        </p:nvSpPr>
+        <p:spPr/>
+        <p:txBody>
+          <a:bodyPr>
+            <a:normAutofit/>
+          </a:bodyPr>
+          <a:lstStyle/>
+          <a:p>
+            <a:r>
+              <a:rPr lang="pt-BR" sz="3600" b="1" dirty="0">
+                <a:latin typeface="Montserrat" panose="00000500000000000000" pitchFamily="2" charset="0"/>
+              </a:rPr>
+              <a:t>Introdução ao CMSE</a:t>
+            </a:r>
+          </a:p>
+        </p:txBody>
+      </p:sp>
+      <p:sp>
+        <p:nvSpPr>
+          <p:cNvPr id="3" name="Espaço Reservado para Conteúdo 2">
+            <a:extLst>
+              <a:ext uri="{FF2B5EF4-FFF2-40B4-BE49-F238E27FC236}">
+                <a16:creationId xmlns:a16="http://schemas.microsoft.com/office/drawing/2014/main" id="{C73F977A-0B7B-4C04-95BF-80810EAEAAFC}"/>
+              </a:ext>
+            </a:extLst>
+          </p:cNvPr>
+          <p:cNvSpPr>
+            <a:spLocks noGrp="1"/>
+          </p:cNvSpPr>
+          <p:nvPr>
+            <p:ph idx="1"/>
+          </p:nvPr>
+        </p:nvSpPr>
+        <p:spPr>
+          <a:xfrm>
+            <a:off x="503903" y="2032032"/>
+            <a:ext cx="10515600" cy="3985310"/>
+          </a:xfrm>
+        </p:spPr>
+        <p:txBody>
+          <a:bodyPr>
+            <a:normAutofit/>
+          </a:bodyPr>
+          <a:lstStyle/>
+          <a:p>
+            <a:pPr marL="742950" lvl="1" indent="-285750">
+              <a:lnSpc>
+                <a:spcPct val="107000"/>
+              </a:lnSpc>
+              <a:spcAft>
+                <a:spcPts val="800"/>
+              </a:spcAft>
+              <a:buFont typeface="Courier New" panose="02070309020205020404" pitchFamily="49" charset="0"/>
+              <a:buChar char="o"/>
+            </a:pPr>
+            <a:r>
+              <a:rPr lang="pt-BR" sz="1800" dirty="0">
+                <a:latin typeface="Calibri" panose="020F0502020204030204" pitchFamily="34" charset="0"/>
+                <a:ea typeface="Calibri" panose="020F0502020204030204" pitchFamily="34" charset="0"/>
+                <a:cs typeface="Times New Roman" panose="02020603050405020304" pitchFamily="18" charset="0"/>
+              </a:rPr>
+              <a:t>Item A</a:t>
+            </a:r>
+            <a:endParaRPr lang="pt-BR" sz="1800" dirty="0">
+              <a:effectLst/>
+              <a:latin typeface="Calibri" panose="020F0502020204030204" pitchFamily="34" charset="0"/>
+              <a:ea typeface="Calibri" panose="020F0502020204030204" pitchFamily="34" charset="0"/>
+              <a:cs typeface="Times New Roman" panose="02020603050405020304" pitchFamily="18" charset="0"/>
+            </a:endParaRPr>
+          </a:p>
+        </p:txBody>
+      </p:sp>
+      <p:cxnSp>
+        <p:nvCxnSpPr>
+          <p:cNvPr id="5" name="Google Shape;57;p13">
+            <a:extLst>
+              <a:ext uri="{FF2B5EF4-FFF2-40B4-BE49-F238E27FC236}">
+                <a16:creationId xmlns:a16="http://schemas.microsoft.com/office/drawing/2014/main" id="{43000A6A-F3EF-4021-955E-983CA9437BE7}"/>
+              </a:ext>
+            </a:extLst>
+          </p:cNvPr>
+          <p:cNvCxnSpPr>
+            <a:cxnSpLocks/>
+          </p:cNvCxnSpPr>
+          <p:nvPr/>
+        </p:nvCxnSpPr>
+        <p:spPr>
+          <a:xfrm>
+            <a:off x="849541" y="1412985"/>
+            <a:ext cx="10492918" cy="0"/>
+          </a:xfrm>
+          <a:prstGeom prst="straightConnector1">
+            <a:avLst/>
+          </a:prstGeom>
+          <a:noFill/>
+          <a:ln w="76200" cap="flat" cmpd="sng">
+            <a:solidFill>
+              <a:srgbClr val="073763"/>
+            </a:solidFill>
+            <a:prstDash val="solid"/>
+            <a:round/>
+            <a:headEnd type="none" w="med" len="med"/>
+            <a:tailEnd type="none" w="med" len="med"/>
+          </a:ln>
+        </p:spPr>
+      </p:cxnSp>
+    </p:spTree>
+    <p:extLst>
+      <p:ext uri="{BB962C8B-B14F-4D97-AF65-F5344CB8AC3E}">
+        <p14:creationId xmlns:p14="http://schemas.microsoft.com/office/powerpoint/2010/main" val="2150100757"/>
+      </p:ext>
+    </p:extLst>
+  </p:cSld>
+  <p:clrMapOvr>
+    <a:masterClrMapping/>
+  </p:clrMapOvr>
+</p:sld>
+</file>
+
+<file path=ppt/slides/slide4.xml><?xml version="1.0" encoding="utf-8"?>
+<p:sld xmlns:a="http://schemas.openxmlformats.org/drawingml/2006/main" xmlns:r="http://schemas.openxmlformats.org/officeDocument/2006/relationships" xmlns:p="http://schemas.openxmlformats.org/presentationml/2006/main">
+  <p:cSld>
+    <p:bg>
+      <p:bgPr>
+        <a:solidFill>
+          <a:schemeClr val="bg1"/>
+        </a:solidFill>
+        <a:effectLst/>
+      </p:bgPr>
+    </p:bg>
     <p:spTree>
       <p:nvGrpSpPr>
         <p:cNvPr id="1" name=""/>
@@ -7996,7 +11409,7 @@
               <a:rPr lang="pt-BR" sz="3600" b="1" dirty="0">
                 <a:latin typeface="Montserrat" panose="00000500000000000000" pitchFamily="2" charset="0"/>
               </a:rPr>
-              <a:t>Crise Hídrica</a:t>
+              <a:t>Pautas Recorrentes do CMSE</a:t>
             </a:r>
           </a:p>
         </p:txBody>
@@ -8209,7 +11622,7 @@
                 <a:ea typeface="Calibri" panose="020F0502020204030204" pitchFamily="34" charset="0"/>
                 <a:cs typeface="Times New Roman" panose="02020603050405020304" pitchFamily="18" charset="0"/>
               </a:rPr>
-              <a:t>PRINCIPAL TÓPICO DA APRESENTAÇÃO</a:t>
+              <a:t>Listar de forma simples tipo:</a:t>
             </a:r>
           </a:p>
           <a:p>
@@ -8229,207 +11642,7 @@
                 <a:ea typeface="Calibri" panose="020F0502020204030204" pitchFamily="34" charset="0"/>
                 <a:cs typeface="Times New Roman" panose="02020603050405020304" pitchFamily="18" charset="0"/>
               </a:rPr>
-              <a:t>IDEIA: FAZER TIPO UMA LINHA DO TEMPO DE MEDIDAS TOMADAS EM FUNÇÃO DA EAR DOS RESERVATÓRIOS TIPO:</a:t>
-            </a:r>
-          </a:p>
-        </p:txBody>
-      </p:sp>
-      <p:pic>
-        <p:nvPicPr>
-          <p:cNvPr id="2" name="Imagem 1">
-            <a:extLst>
-              <a:ext uri="{FF2B5EF4-FFF2-40B4-BE49-F238E27FC236}">
-                <a16:creationId xmlns:a16="http://schemas.microsoft.com/office/drawing/2014/main" id="{4426CBEC-93F7-0522-9B8E-3D4C1D29DA70}"/>
-              </a:ext>
-            </a:extLst>
-          </p:cNvPr>
-          <p:cNvPicPr>
-            <a:picLocks noChangeAspect="1"/>
-          </p:cNvPicPr>
-          <p:nvPr/>
-        </p:nvPicPr>
-        <p:blipFill>
-          <a:blip r:embed="rId2"/>
-          <a:stretch>
-            <a:fillRect/>
-          </a:stretch>
-        </p:blipFill>
-        <p:spPr>
-          <a:xfrm>
-            <a:off x="414062" y="3273552"/>
-            <a:ext cx="10742083" cy="4413887"/>
-          </a:xfrm>
-          <a:prstGeom prst="rect">
-            <a:avLst/>
-          </a:prstGeom>
-        </p:spPr>
-      </p:pic>
-      <p:cxnSp>
-        <p:nvCxnSpPr>
-          <p:cNvPr id="3" name="Conector reto 2">
-            <a:extLst>
-              <a:ext uri="{FF2B5EF4-FFF2-40B4-BE49-F238E27FC236}">
-                <a16:creationId xmlns:a16="http://schemas.microsoft.com/office/drawing/2014/main" id="{F876FB56-2A11-6939-DDF8-6E9F12159DFA}"/>
-              </a:ext>
-            </a:extLst>
-          </p:cNvPr>
-          <p:cNvCxnSpPr/>
-          <p:nvPr/>
-        </p:nvCxnSpPr>
-        <p:spPr>
-          <a:xfrm flipV="1">
-            <a:off x="4398264" y="4224528"/>
-            <a:ext cx="0" cy="2029968"/>
-          </a:xfrm>
-          <a:prstGeom prst="line">
-            <a:avLst/>
-          </a:prstGeom>
-          <a:ln w="57150">
-            <a:solidFill>
-              <a:srgbClr val="FF0000"/>
-            </a:solidFill>
-            <a:tailEnd type="triangle"/>
-          </a:ln>
-        </p:spPr>
-        <p:style>
-          <a:lnRef idx="1">
-            <a:schemeClr val="accent1"/>
-          </a:lnRef>
-          <a:fillRef idx="0">
-            <a:schemeClr val="accent1"/>
-          </a:fillRef>
-          <a:effectRef idx="0">
-            <a:schemeClr val="accent1"/>
-          </a:effectRef>
-          <a:fontRef idx="minor">
-            <a:schemeClr val="tx1"/>
-          </a:fontRef>
-        </p:style>
-      </p:cxnSp>
-      <p:sp>
-        <p:nvSpPr>
-          <p:cNvPr id="4" name="CaixaDeTexto 3">
-            <a:extLst>
-              <a:ext uri="{FF2B5EF4-FFF2-40B4-BE49-F238E27FC236}">
-                <a16:creationId xmlns:a16="http://schemas.microsoft.com/office/drawing/2014/main" id="{63B3A9AC-DB0B-A753-7D08-07DB929E6E17}"/>
-              </a:ext>
-            </a:extLst>
-          </p:cNvPr>
-          <p:cNvSpPr txBox="1"/>
-          <p:nvPr/>
-        </p:nvSpPr>
-        <p:spPr>
-          <a:xfrm>
-            <a:off x="2953512" y="3246120"/>
-            <a:ext cx="3136392" cy="923330"/>
-          </a:xfrm>
-          <a:prstGeom prst="rect">
-            <a:avLst/>
-          </a:prstGeom>
-          <a:solidFill>
-            <a:schemeClr val="bg1"/>
-          </a:solidFill>
-          <a:ln>
-            <a:solidFill>
-              <a:srgbClr val="FF0000"/>
-            </a:solidFill>
-          </a:ln>
-        </p:spPr>
-        <p:txBody>
-          <a:bodyPr wrap="square" rtlCol="0">
-            <a:spAutoFit/>
-          </a:bodyPr>
-          <a:lstStyle/>
-          <a:p>
-            <a:r>
-              <a:rPr lang="pt-BR" dirty="0"/>
-              <a:t>Deliberação: Geração térmica fora de ordem de mérito a vontade</a:t>
-            </a:r>
-          </a:p>
-        </p:txBody>
-      </p:sp>
-      <p:cxnSp>
-        <p:nvCxnSpPr>
-          <p:cNvPr id="5" name="Conector reto 4">
-            <a:extLst>
-              <a:ext uri="{FF2B5EF4-FFF2-40B4-BE49-F238E27FC236}">
-                <a16:creationId xmlns:a16="http://schemas.microsoft.com/office/drawing/2014/main" id="{9FFC9978-2F92-3FFE-B820-A434020759AA}"/>
-              </a:ext>
-            </a:extLst>
-          </p:cNvPr>
-          <p:cNvCxnSpPr>
-            <a:cxnSpLocks/>
-          </p:cNvCxnSpPr>
-          <p:nvPr/>
-        </p:nvCxnSpPr>
-        <p:spPr>
-          <a:xfrm>
-            <a:off x="2953512" y="4580698"/>
-            <a:ext cx="0" cy="2029968"/>
-          </a:xfrm>
-          <a:prstGeom prst="line">
-            <a:avLst/>
-          </a:prstGeom>
-          <a:ln w="57150">
-            <a:solidFill>
-              <a:srgbClr val="FF0000"/>
-            </a:solidFill>
-            <a:tailEnd type="triangle"/>
-          </a:ln>
-        </p:spPr>
-        <p:style>
-          <a:lnRef idx="1">
-            <a:schemeClr val="accent1"/>
-          </a:lnRef>
-          <a:fillRef idx="0">
-            <a:schemeClr val="accent1"/>
-          </a:fillRef>
-          <a:effectRef idx="0">
-            <a:schemeClr val="accent1"/>
-          </a:effectRef>
-          <a:fontRef idx="minor">
-            <a:schemeClr val="tx1"/>
-          </a:fontRef>
-        </p:style>
-      </p:cxnSp>
-      <p:sp>
-        <p:nvSpPr>
-          <p:cNvPr id="7" name="CaixaDeTexto 6">
-            <a:extLst>
-              <a:ext uri="{FF2B5EF4-FFF2-40B4-BE49-F238E27FC236}">
-                <a16:creationId xmlns:a16="http://schemas.microsoft.com/office/drawing/2014/main" id="{50F78629-C2E6-AEAD-FDF2-05033BB9FA75}"/>
-              </a:ext>
-            </a:extLst>
-          </p:cNvPr>
-          <p:cNvSpPr txBox="1"/>
-          <p:nvPr/>
-        </p:nvSpPr>
-        <p:spPr>
-          <a:xfrm>
-            <a:off x="1529631" y="6610666"/>
-            <a:ext cx="3136392" cy="646331"/>
-          </a:xfrm>
-          <a:prstGeom prst="rect">
-            <a:avLst/>
-          </a:prstGeom>
-          <a:solidFill>
-            <a:schemeClr val="bg1"/>
-          </a:solidFill>
-          <a:ln>
-            <a:solidFill>
-              <a:srgbClr val="FF0000"/>
-            </a:solidFill>
-          </a:ln>
-        </p:spPr>
-        <p:txBody>
-          <a:bodyPr wrap="square" rtlCol="0">
-            <a:spAutoFit/>
-          </a:bodyPr>
-          <a:lstStyle/>
-          <a:p>
-            <a:r>
-              <a:rPr lang="pt-BR" dirty="0"/>
-              <a:t>Criação de uma Câmara pra ver a crise hídrica</a:t>
+              <a:t>AVALIAÇÃO DAS CONDIÇÕES DO ATENDIMENTO ELETROENERGÉTICO DO SISTEMA INTERLIGADO NACIONAL - SIN</a:t>
             </a:r>
           </a:p>
         </p:txBody>
@@ -8437,7 +11650,7 @@
     </p:spTree>
     <p:extLst>
       <p:ext uri="{BB962C8B-B14F-4D97-AF65-F5344CB8AC3E}">
-        <p14:creationId xmlns:p14="http://schemas.microsoft.com/office/powerpoint/2010/main" val="3671318079"/>
+        <p14:creationId xmlns:p14="http://schemas.microsoft.com/office/powerpoint/2010/main" val="56838272"/>
       </p:ext>
     </p:extLst>
   </p:cSld>
@@ -8447,7 +11660,7 @@
 </p:sld>
 </file>
 
-<file path=ppt/slides/slide7.xml><?xml version="1.0" encoding="utf-8"?>
+<file path=ppt/slides/slide5.xml><?xml version="1.0" encoding="utf-8"?>
 <p:sld xmlns:a="http://schemas.openxmlformats.org/drawingml/2006/main" xmlns:r="http://schemas.openxmlformats.org/officeDocument/2006/relationships" xmlns:p="http://schemas.openxmlformats.org/presentationml/2006/main">
   <p:cSld>
     <p:spTree>
@@ -8530,7 +11743,7 @@
               <a:rPr lang="pt-BR" sz="3600" b="1" dirty="0">
                 <a:latin typeface="Montserrat" panose="00000500000000000000" pitchFamily="2" charset="0"/>
               </a:rPr>
-              <a:t>Pandemia de Coronavírus</a:t>
+              <a:t>Pautas Não Recorrentes do CMSE</a:t>
             </a:r>
           </a:p>
         </p:txBody>
@@ -8743,7 +11956,23 @@
                 <a:ea typeface="Calibri" panose="020F0502020204030204" pitchFamily="34" charset="0"/>
                 <a:cs typeface="Times New Roman" panose="02020603050405020304" pitchFamily="18" charset="0"/>
               </a:rPr>
-              <a:t>Também pode estar junto com a crise hídrica</a:t>
+              <a:t>Citar de forma simples tipo – Atualização de software e publicação de </a:t>
+            </a:r>
+            <a:r>
+              <a:rPr lang="pt-BR" sz="1800" dirty="0" err="1">
+                <a:latin typeface="Calibri" panose="020F0502020204030204" pitchFamily="34" charset="0"/>
+                <a:ea typeface="Calibri" panose="020F0502020204030204" pitchFamily="34" charset="0"/>
+                <a:cs typeface="Times New Roman" panose="02020603050405020304" pitchFamily="18" charset="0"/>
+              </a:rPr>
+              <a:t>docs</a:t>
+            </a:r>
+            <a:r>
+              <a:rPr lang="pt-BR" sz="1800" dirty="0">
+                <a:latin typeface="Calibri" panose="020F0502020204030204" pitchFamily="34" charset="0"/>
+                <a:ea typeface="Calibri" panose="020F0502020204030204" pitchFamily="34" charset="0"/>
+                <a:cs typeface="Times New Roman" panose="02020603050405020304" pitchFamily="18" charset="0"/>
+              </a:rPr>
+              <a:t> da ONS e EPE</a:t>
             </a:r>
           </a:p>
         </p:txBody>
@@ -8751,7 +11980,7 @@
     </p:spTree>
     <p:extLst>
       <p:ext uri="{BB962C8B-B14F-4D97-AF65-F5344CB8AC3E}">
-        <p14:creationId xmlns:p14="http://schemas.microsoft.com/office/powerpoint/2010/main" val="2059803689"/>
+        <p14:creationId xmlns:p14="http://schemas.microsoft.com/office/powerpoint/2010/main" val="3067231265"/>
       </p:ext>
     </p:extLst>
   </p:cSld>
@@ -8761,7 +11990,7 @@
 </p:sld>
 </file>
 
-<file path=ppt/slides/slide8.xml><?xml version="1.0" encoding="utf-8"?>
+<file path=ppt/slides/slide6.xml><?xml version="1.0" encoding="utf-8"?>
 <p:sld xmlns:a="http://schemas.openxmlformats.org/drawingml/2006/main" xmlns:r="http://schemas.openxmlformats.org/officeDocument/2006/relationships" xmlns:p="http://schemas.openxmlformats.org/presentationml/2006/main">
   <p:cSld>
     <p:spTree>
@@ -8844,7 +12073,7 @@
               <a:rPr lang="pt-BR" sz="3600" b="1" dirty="0">
                 <a:latin typeface="Montserrat" panose="00000500000000000000" pitchFamily="2" charset="0"/>
               </a:rPr>
-              <a:t>Blecaute no Amapá</a:t>
+              <a:t>Crise Hídrica</a:t>
             </a:r>
           </a:p>
         </p:txBody>
@@ -9057,28 +12286,235 @@
                 <a:ea typeface="Calibri" panose="020F0502020204030204" pitchFamily="34" charset="0"/>
                 <a:cs typeface="Times New Roman" panose="02020603050405020304" pitchFamily="18" charset="0"/>
               </a:rPr>
-              <a:t>Colocar imagens de manchetes do G1 e falar um pouco sobre o </a:t>
+              <a:t>PRINCIPAL TÓPICO DA APRESENTAÇÃO</a:t>
             </a:r>
+          </a:p>
+          <a:p>
+            <a:pPr marL="742950" lvl="1" indent="-285750">
+              <a:lnSpc>
+                <a:spcPct val="107000"/>
+              </a:lnSpc>
+              <a:spcAft>
+                <a:spcPts val="800"/>
+              </a:spcAft>
+              <a:buFont typeface="Courier New" panose="02070309020205020404" pitchFamily="49" charset="0"/>
+              <a:buChar char="o"/>
+            </a:pPr>
             <a:r>
-              <a:rPr lang="pt-BR" sz="1800">
+              <a:rPr lang="pt-BR" sz="1800" dirty="0">
                 <a:latin typeface="Calibri" panose="020F0502020204030204" pitchFamily="34" charset="0"/>
                 <a:ea typeface="Calibri" panose="020F0502020204030204" pitchFamily="34" charset="0"/>
                 <a:cs typeface="Times New Roman" panose="02020603050405020304" pitchFamily="18" charset="0"/>
               </a:rPr>
-              <a:t>acontecimento.</a:t>
+              <a:t>IDEIA: FAZER TIPO UMA LINHA DO TEMPO DE MEDIDAS TOMADAS EM FUNÇÃO DA EAR DOS RESERVATÓRIOS TIPO: (VOU SÓ MUDAR A FIGURA PARA APARECER SOMENTE 2021)</a:t>
             </a:r>
-            <a:endParaRPr lang="pt-BR" sz="1800" dirty="0">
-              <a:latin typeface="Calibri" panose="020F0502020204030204" pitchFamily="34" charset="0"/>
-              <a:ea typeface="Calibri" panose="020F0502020204030204" pitchFamily="34" charset="0"/>
-              <a:cs typeface="Times New Roman" panose="02020603050405020304" pitchFamily="18" charset="0"/>
-            </a:endParaRPr>
+          </a:p>
+        </p:txBody>
+      </p:sp>
+      <p:pic>
+        <p:nvPicPr>
+          <p:cNvPr id="2" name="Imagem 1">
+            <a:extLst>
+              <a:ext uri="{FF2B5EF4-FFF2-40B4-BE49-F238E27FC236}">
+                <a16:creationId xmlns:a16="http://schemas.microsoft.com/office/drawing/2014/main" id="{4426CBEC-93F7-0522-9B8E-3D4C1D29DA70}"/>
+              </a:ext>
+            </a:extLst>
+          </p:cNvPr>
+          <p:cNvPicPr>
+            <a:picLocks noChangeAspect="1"/>
+          </p:cNvPicPr>
+          <p:nvPr/>
+        </p:nvPicPr>
+        <p:blipFill>
+          <a:blip r:embed="rId2"/>
+          <a:stretch>
+            <a:fillRect/>
+          </a:stretch>
+        </p:blipFill>
+        <p:spPr>
+          <a:xfrm>
+            <a:off x="414062" y="3273552"/>
+            <a:ext cx="10742083" cy="4413887"/>
+          </a:xfrm>
+          <a:prstGeom prst="rect">
+            <a:avLst/>
+          </a:prstGeom>
+        </p:spPr>
+      </p:pic>
+      <p:cxnSp>
+        <p:nvCxnSpPr>
+          <p:cNvPr id="3" name="Conector reto 2">
+            <a:extLst>
+              <a:ext uri="{FF2B5EF4-FFF2-40B4-BE49-F238E27FC236}">
+                <a16:creationId xmlns:a16="http://schemas.microsoft.com/office/drawing/2014/main" id="{F876FB56-2A11-6939-DDF8-6E9F12159DFA}"/>
+              </a:ext>
+            </a:extLst>
+          </p:cNvPr>
+          <p:cNvCxnSpPr/>
+          <p:nvPr/>
+        </p:nvCxnSpPr>
+        <p:spPr>
+          <a:xfrm flipV="1">
+            <a:off x="4398264" y="4224528"/>
+            <a:ext cx="0" cy="2029968"/>
+          </a:xfrm>
+          <a:prstGeom prst="line">
+            <a:avLst/>
+          </a:prstGeom>
+          <a:ln w="57150">
+            <a:solidFill>
+              <a:srgbClr val="FF0000"/>
+            </a:solidFill>
+            <a:tailEnd type="triangle"/>
+          </a:ln>
+        </p:spPr>
+        <p:style>
+          <a:lnRef idx="1">
+            <a:schemeClr val="accent1"/>
+          </a:lnRef>
+          <a:fillRef idx="0">
+            <a:schemeClr val="accent1"/>
+          </a:fillRef>
+          <a:effectRef idx="0">
+            <a:schemeClr val="accent1"/>
+          </a:effectRef>
+          <a:fontRef idx="minor">
+            <a:schemeClr val="tx1"/>
+          </a:fontRef>
+        </p:style>
+      </p:cxnSp>
+      <p:sp>
+        <p:nvSpPr>
+          <p:cNvPr id="4" name="CaixaDeTexto 3">
+            <a:extLst>
+              <a:ext uri="{FF2B5EF4-FFF2-40B4-BE49-F238E27FC236}">
+                <a16:creationId xmlns:a16="http://schemas.microsoft.com/office/drawing/2014/main" id="{63B3A9AC-DB0B-A753-7D08-07DB929E6E17}"/>
+              </a:ext>
+            </a:extLst>
+          </p:cNvPr>
+          <p:cNvSpPr txBox="1"/>
+          <p:nvPr/>
+        </p:nvSpPr>
+        <p:spPr>
+          <a:xfrm>
+            <a:off x="2953512" y="3246120"/>
+            <a:ext cx="3136392" cy="923330"/>
+          </a:xfrm>
+          <a:prstGeom prst="rect">
+            <a:avLst/>
+          </a:prstGeom>
+          <a:solidFill>
+            <a:schemeClr val="bg1"/>
+          </a:solidFill>
+          <a:ln>
+            <a:solidFill>
+              <a:srgbClr val="FF0000"/>
+            </a:solidFill>
+          </a:ln>
+        </p:spPr>
+        <p:txBody>
+          <a:bodyPr wrap="square" rtlCol="0">
+            <a:spAutoFit/>
+          </a:bodyPr>
+          <a:lstStyle/>
+          <a:p>
+            <a:r>
+              <a:rPr lang="pt-BR" dirty="0"/>
+              <a:t>Deliberação: Geração térmica fora de ordem de mérito a vontade</a:t>
+            </a:r>
+          </a:p>
+        </p:txBody>
+      </p:sp>
+      <p:cxnSp>
+        <p:nvCxnSpPr>
+          <p:cNvPr id="5" name="Conector reto 4">
+            <a:extLst>
+              <a:ext uri="{FF2B5EF4-FFF2-40B4-BE49-F238E27FC236}">
+                <a16:creationId xmlns:a16="http://schemas.microsoft.com/office/drawing/2014/main" id="{9FFC9978-2F92-3FFE-B820-A434020759AA}"/>
+              </a:ext>
+            </a:extLst>
+          </p:cNvPr>
+          <p:cNvCxnSpPr>
+            <a:cxnSpLocks/>
+          </p:cNvCxnSpPr>
+          <p:nvPr/>
+        </p:nvCxnSpPr>
+        <p:spPr>
+          <a:xfrm>
+            <a:off x="2953512" y="4580698"/>
+            <a:ext cx="0" cy="2029968"/>
+          </a:xfrm>
+          <a:prstGeom prst="line">
+            <a:avLst/>
+          </a:prstGeom>
+          <a:ln w="57150">
+            <a:solidFill>
+              <a:srgbClr val="FF0000"/>
+            </a:solidFill>
+            <a:tailEnd type="triangle"/>
+          </a:ln>
+        </p:spPr>
+        <p:style>
+          <a:lnRef idx="1">
+            <a:schemeClr val="accent1"/>
+          </a:lnRef>
+          <a:fillRef idx="0">
+            <a:schemeClr val="accent1"/>
+          </a:fillRef>
+          <a:effectRef idx="0">
+            <a:schemeClr val="accent1"/>
+          </a:effectRef>
+          <a:fontRef idx="minor">
+            <a:schemeClr val="tx1"/>
+          </a:fontRef>
+        </p:style>
+      </p:cxnSp>
+      <p:sp>
+        <p:nvSpPr>
+          <p:cNvPr id="7" name="CaixaDeTexto 6">
+            <a:extLst>
+              <a:ext uri="{FF2B5EF4-FFF2-40B4-BE49-F238E27FC236}">
+                <a16:creationId xmlns:a16="http://schemas.microsoft.com/office/drawing/2014/main" id="{50F78629-C2E6-AEAD-FDF2-05033BB9FA75}"/>
+              </a:ext>
+            </a:extLst>
+          </p:cNvPr>
+          <p:cNvSpPr txBox="1"/>
+          <p:nvPr/>
+        </p:nvSpPr>
+        <p:spPr>
+          <a:xfrm>
+            <a:off x="1529631" y="6610666"/>
+            <a:ext cx="3136392" cy="646331"/>
+          </a:xfrm>
+          <a:prstGeom prst="rect">
+            <a:avLst/>
+          </a:prstGeom>
+          <a:solidFill>
+            <a:schemeClr val="bg1"/>
+          </a:solidFill>
+          <a:ln>
+            <a:solidFill>
+              <a:srgbClr val="FF0000"/>
+            </a:solidFill>
+          </a:ln>
+        </p:spPr>
+        <p:txBody>
+          <a:bodyPr wrap="square" rtlCol="0">
+            <a:spAutoFit/>
+          </a:bodyPr>
+          <a:lstStyle/>
+          <a:p>
+            <a:r>
+              <a:rPr lang="pt-BR" dirty="0"/>
+              <a:t>Criação de uma Câmara pra ver a crise hídrica</a:t>
+            </a:r>
           </a:p>
         </p:txBody>
       </p:sp>
     </p:spTree>
     <p:extLst>
       <p:ext uri="{BB962C8B-B14F-4D97-AF65-F5344CB8AC3E}">
-        <p14:creationId xmlns:p14="http://schemas.microsoft.com/office/powerpoint/2010/main" val="75184009"/>
+        <p14:creationId xmlns:p14="http://schemas.microsoft.com/office/powerpoint/2010/main" val="3671318079"/>
       </p:ext>
     </p:extLst>
   </p:cSld>
@@ -9088,17 +12524,9 @@
 </p:sld>
 </file>
 
-<file path=ppt/slides/slide9.xml><?xml version="1.0" encoding="utf-8"?>
-<p:sld xmlns:a="http://schemas.openxmlformats.org/drawingml/2006/main" xmlns:r="http://schemas.openxmlformats.org/officeDocument/2006/relationships" xmlns:p="http://schemas.openxmlformats.org/presentationml/2006/main" show="0">
+<file path=ppt/slides/slide7.xml><?xml version="1.0" encoding="utf-8"?>
+<p:sld xmlns:a="http://schemas.openxmlformats.org/drawingml/2006/main" xmlns:r="http://schemas.openxmlformats.org/officeDocument/2006/relationships" xmlns:p="http://schemas.openxmlformats.org/presentationml/2006/main">
   <p:cSld>
-    <p:bg>
-      <p:bgPr>
-        <a:solidFill>
-          <a:schemeClr val="bg1"/>
-        </a:solidFill>
-        <a:effectLst/>
-      </p:bgPr>
-    </p:bg>
     <p:spTree>
       <p:nvGrpSpPr>
         <p:cNvPr id="1" name=""/>
@@ -9113,253 +12541,12 @@
           <a:chExt cx="0" cy="0"/>
         </a:xfrm>
       </p:grpSpPr>
-      <p:grpSp>
-        <p:nvGrpSpPr>
-          <p:cNvPr id="26" name="Agrupar 25">
-            <a:extLst>
-              <a:ext uri="{FF2B5EF4-FFF2-40B4-BE49-F238E27FC236}">
-                <a16:creationId xmlns:a16="http://schemas.microsoft.com/office/drawing/2014/main" id="{0923B5E2-9534-3013-9FA1-DC0389790655}"/>
-              </a:ext>
-            </a:extLst>
-          </p:cNvPr>
-          <p:cNvGrpSpPr/>
-          <p:nvPr/>
-        </p:nvGrpSpPr>
-        <p:grpSpPr>
-          <a:xfrm>
-            <a:off x="6884247" y="-4"/>
-            <a:ext cx="5307753" cy="6858003"/>
-            <a:chOff x="6884247" y="-1"/>
-            <a:chExt cx="5307753" cy="6858003"/>
-          </a:xfrm>
-        </p:grpSpPr>
-        <p:pic>
-          <p:nvPicPr>
-            <p:cNvPr id="27" name="Imagem 26">
-              <a:extLst>
-                <a:ext uri="{FF2B5EF4-FFF2-40B4-BE49-F238E27FC236}">
-                  <a16:creationId xmlns:a16="http://schemas.microsoft.com/office/drawing/2014/main" id="{52CCD650-F54F-3211-9025-DAFC6C5D7657}"/>
-                </a:ext>
-              </a:extLst>
-            </p:cNvPr>
-            <p:cNvPicPr>
-              <a:picLocks noChangeAspect="1"/>
-            </p:cNvPicPr>
-            <p:nvPr/>
-          </p:nvPicPr>
-          <p:blipFill rotWithShape="1">
-            <a:blip r:embed="rId2"/>
-            <a:srcRect l="1" r="43369"/>
-            <a:stretch/>
-          </p:blipFill>
-          <p:spPr>
-            <a:xfrm>
-              <a:off x="6884247" y="-1"/>
-              <a:ext cx="5307753" cy="6858000"/>
-            </a:xfrm>
-            <a:prstGeom prst="rect">
-              <a:avLst/>
-            </a:prstGeom>
-          </p:spPr>
-        </p:pic>
-        <p:sp>
-          <p:nvSpPr>
-            <p:cNvPr id="28" name="Triângulo isósceles 27">
-              <a:extLst>
-                <a:ext uri="{FF2B5EF4-FFF2-40B4-BE49-F238E27FC236}">
-                  <a16:creationId xmlns:a16="http://schemas.microsoft.com/office/drawing/2014/main" id="{99299C47-D9F1-4852-EC6B-F464845C60D5}"/>
-                </a:ext>
-              </a:extLst>
-            </p:cNvPr>
-            <p:cNvSpPr/>
-            <p:nvPr/>
-          </p:nvSpPr>
-          <p:spPr>
-            <a:xfrm rot="5400000">
-              <a:off x="5884666" y="2614694"/>
-              <a:ext cx="6858001" cy="1628616"/>
-            </a:xfrm>
-            <a:prstGeom prst="triangle">
-              <a:avLst>
-                <a:gd name="adj" fmla="val 50136"/>
-              </a:avLst>
-            </a:prstGeom>
-            <a:solidFill>
-              <a:schemeClr val="bg1"/>
-            </a:solidFill>
-            <a:ln>
-              <a:solidFill>
-                <a:schemeClr val="bg1"/>
-              </a:solidFill>
-            </a:ln>
-          </p:spPr>
-          <p:style>
-            <a:lnRef idx="2">
-              <a:schemeClr val="accent1">
-                <a:shade val="50000"/>
-              </a:schemeClr>
-            </a:lnRef>
-            <a:fillRef idx="1">
-              <a:schemeClr val="accent1"/>
-            </a:fillRef>
-            <a:effectRef idx="0">
-              <a:schemeClr val="accent1"/>
-            </a:effectRef>
-            <a:fontRef idx="minor">
-              <a:schemeClr val="lt1"/>
-            </a:fontRef>
-          </p:style>
-          <p:txBody>
-            <a:bodyPr rtlCol="0" anchor="ctr"/>
-            <a:lstStyle/>
-            <a:p>
-              <a:pPr algn="ctr"/>
-              <a:endParaRPr lang="pt-BR"/>
-            </a:p>
-          </p:txBody>
-        </p:sp>
-      </p:grpSp>
-      <p:sp>
-        <p:nvSpPr>
-          <p:cNvPr id="16" name="Retângulo 15">
-            <a:extLst>
-              <a:ext uri="{FF2B5EF4-FFF2-40B4-BE49-F238E27FC236}">
-                <a16:creationId xmlns:a16="http://schemas.microsoft.com/office/drawing/2014/main" id="{3FDA60BD-51F0-42B6-88E3-34C119E8120F}"/>
-              </a:ext>
-            </a:extLst>
-          </p:cNvPr>
-          <p:cNvSpPr/>
-          <p:nvPr/>
-        </p:nvSpPr>
-        <p:spPr>
-          <a:xfrm rot="5400000">
-            <a:off x="3455246" y="1813892"/>
-            <a:ext cx="6858001" cy="3230217"/>
-          </a:xfrm>
-          <a:prstGeom prst="rect">
-            <a:avLst/>
-          </a:prstGeom>
-          <a:solidFill>
-            <a:schemeClr val="bg1"/>
-          </a:solidFill>
-          <a:ln>
-            <a:solidFill>
-              <a:schemeClr val="bg1"/>
-            </a:solidFill>
-          </a:ln>
-        </p:spPr>
-        <p:style>
-          <a:lnRef idx="2">
-            <a:schemeClr val="accent1">
-              <a:shade val="50000"/>
-            </a:schemeClr>
-          </a:lnRef>
-          <a:fillRef idx="1">
-            <a:schemeClr val="accent1"/>
-          </a:fillRef>
-          <a:effectRef idx="0">
-            <a:schemeClr val="accent1"/>
-          </a:effectRef>
-          <a:fontRef idx="minor">
-            <a:schemeClr val="lt1"/>
-          </a:fontRef>
-        </p:style>
-        <p:txBody>
-          <a:bodyPr rtlCol="0" anchor="ctr"/>
-          <a:lstStyle/>
-          <a:p>
-            <a:pPr algn="ctr"/>
-            <a:endParaRPr lang="pt-BR"/>
-          </a:p>
-        </p:txBody>
-      </p:sp>
-      <p:sp>
-        <p:nvSpPr>
-          <p:cNvPr id="34" name="Título 1">
-            <a:extLst>
-              <a:ext uri="{FF2B5EF4-FFF2-40B4-BE49-F238E27FC236}">
-                <a16:creationId xmlns:a16="http://schemas.microsoft.com/office/drawing/2014/main" id="{23AE8F47-4982-B057-4ECE-F4B9714723CE}"/>
-              </a:ext>
-            </a:extLst>
-          </p:cNvPr>
-          <p:cNvSpPr>
-            <a:spLocks noGrp="1"/>
-          </p:cNvSpPr>
-          <p:nvPr>
-            <p:ph type="title"/>
-          </p:nvPr>
-        </p:nvSpPr>
-        <p:spPr/>
-        <p:txBody>
-          <a:bodyPr>
-            <a:normAutofit/>
-          </a:bodyPr>
-          <a:lstStyle/>
-          <a:p>
-            <a:r>
-              <a:rPr lang="pt-BR" sz="3600" b="1" dirty="0">
-                <a:latin typeface="Montserrat" panose="00000500000000000000" pitchFamily="2" charset="0"/>
-              </a:rPr>
-              <a:t>Slide exemplo</a:t>
-            </a:r>
-          </a:p>
-        </p:txBody>
-      </p:sp>
-      <p:sp>
-        <p:nvSpPr>
-          <p:cNvPr id="33" name="Espaço Reservado para Conteúdo 2">
-            <a:extLst>
-              <a:ext uri="{FF2B5EF4-FFF2-40B4-BE49-F238E27FC236}">
-                <a16:creationId xmlns:a16="http://schemas.microsoft.com/office/drawing/2014/main" id="{E650FCCE-E1A3-BF27-B41A-9A39B605F516}"/>
-              </a:ext>
-            </a:extLst>
-          </p:cNvPr>
-          <p:cNvSpPr>
-            <a:spLocks noGrp="1"/>
-          </p:cNvSpPr>
-          <p:nvPr>
-            <p:ph idx="1"/>
-          </p:nvPr>
-        </p:nvSpPr>
-        <p:spPr>
-          <a:xfrm>
-            <a:off x="687166" y="1954111"/>
-            <a:ext cx="8387153" cy="4295075"/>
-          </a:xfrm>
-        </p:spPr>
-        <p:txBody>
-          <a:bodyPr>
-            <a:normAutofit/>
-          </a:bodyPr>
-          <a:lstStyle/>
-          <a:p>
-            <a:r>
-              <a:rPr lang="pt-BR" dirty="0"/>
-              <a:t>o	Projeção do cenário para o futuro e como isso vai impactar o sistema elétrico.</a:t>
-            </a:r>
-          </a:p>
-          <a:p>
-            <a:r>
-              <a:rPr lang="pt-BR" dirty="0"/>
-              <a:t>o	Estudos/debates que vêm sendo realizados sobre o assunto. (ONS sobre o ajuste da proteção das </a:t>
-            </a:r>
-            <a:r>
-              <a:rPr lang="pt-BR" dirty="0" err="1"/>
-              <a:t>GDs</a:t>
-            </a:r>
-            <a:r>
-              <a:rPr lang="pt-BR" dirty="0"/>
-              <a:t> do SIN)</a:t>
-            </a:r>
-          </a:p>
-        </p:txBody>
-      </p:sp>
       <p:cxnSp>
         <p:nvCxnSpPr>
-          <p:cNvPr id="8" name="Google Shape;57;p13">
+          <p:cNvPr id="16" name="Google Shape;57;p13">
             <a:extLst>
               <a:ext uri="{FF2B5EF4-FFF2-40B4-BE49-F238E27FC236}">
-                <a16:creationId xmlns:a16="http://schemas.microsoft.com/office/drawing/2014/main" id="{8C0E182E-A63C-684D-394C-223D815B016D}"/>
+                <a16:creationId xmlns:a16="http://schemas.microsoft.com/office/drawing/2014/main" id="{427709C3-2DD2-4889-9D04-807999382D92}"/>
               </a:ext>
             </a:extLst>
           </p:cNvPr>
@@ -9370,8 +12557,8 @@
         </p:nvCxnSpPr>
         <p:spPr>
           <a:xfrm>
-            <a:off x="849541" y="1412985"/>
-            <a:ext cx="6426330" cy="0"/>
+            <a:off x="849541" y="911144"/>
+            <a:ext cx="6237059" cy="0"/>
           </a:xfrm>
           <a:prstGeom prst="straightConnector1">
             <a:avLst/>
@@ -9388,10 +12575,1120 @@
           </a:ln>
         </p:spPr>
       </p:cxnSp>
+      <p:sp>
+        <p:nvSpPr>
+          <p:cNvPr id="29" name="Título 1">
+            <a:extLst>
+              <a:ext uri="{FF2B5EF4-FFF2-40B4-BE49-F238E27FC236}">
+                <a16:creationId xmlns:a16="http://schemas.microsoft.com/office/drawing/2014/main" id="{C8E5C476-3119-43EB-AE93-F6D97BED116F}"/>
+              </a:ext>
+            </a:extLst>
+          </p:cNvPr>
+          <p:cNvSpPr>
+            <a:spLocks noGrp="1"/>
+          </p:cNvSpPr>
+          <p:nvPr>
+            <p:ph type="title"/>
+          </p:nvPr>
+        </p:nvSpPr>
+        <p:spPr>
+          <a:xfrm>
+            <a:off x="849541" y="202317"/>
+            <a:ext cx="10504259" cy="650875"/>
+          </a:xfrm>
+        </p:spPr>
+        <p:txBody>
+          <a:bodyPr>
+            <a:normAutofit/>
+          </a:bodyPr>
+          <a:lstStyle/>
+          <a:p>
+            <a:r>
+              <a:rPr lang="pt-BR" sz="3600" b="1" dirty="0">
+                <a:latin typeface="Montserrat" panose="00000500000000000000" pitchFamily="2" charset="0"/>
+              </a:rPr>
+              <a:t>Crise Hídrica</a:t>
+            </a:r>
+          </a:p>
+        </p:txBody>
+      </p:sp>
+      <p:sp>
+        <p:nvSpPr>
+          <p:cNvPr id="10" name="Espaço Reservado para Conteúdo 2">
+            <a:extLst>
+              <a:ext uri="{FF2B5EF4-FFF2-40B4-BE49-F238E27FC236}">
+                <a16:creationId xmlns:a16="http://schemas.microsoft.com/office/drawing/2014/main" id="{EA819FEF-09DD-D777-4188-3EEC39FBBD41}"/>
+              </a:ext>
+            </a:extLst>
+          </p:cNvPr>
+          <p:cNvSpPr txBox="1">
+            <a:spLocks/>
+          </p:cNvSpPr>
+          <p:nvPr/>
+        </p:nvSpPr>
+        <p:spPr>
+          <a:xfrm>
+            <a:off x="515244" y="1019142"/>
+            <a:ext cx="10515600" cy="459702"/>
+          </a:xfrm>
+          <a:prstGeom prst="rect">
+            <a:avLst/>
+          </a:prstGeom>
+        </p:spPr>
+        <p:txBody>
+          <a:bodyPr vert="horz" lIns="91440" tIns="45720" rIns="91440" bIns="45720" rtlCol="0">
+            <a:normAutofit/>
+          </a:bodyPr>
+          <a:lstStyle>
+            <a:lvl1pPr marL="228600" indent="-228600" algn="l" defTabSz="914400" rtl="0" eaLnBrk="1" latinLnBrk="0" hangingPunct="1">
+              <a:lnSpc>
+                <a:spcPct val="90000"/>
+              </a:lnSpc>
+              <a:spcBef>
+                <a:spcPts val="1000"/>
+              </a:spcBef>
+              <a:buFont typeface="Arial" panose="020B0604020202020204" pitchFamily="34" charset="0"/>
+              <a:buChar char="•"/>
+              <a:defRPr sz="2800" kern="1200">
+                <a:solidFill>
+                  <a:schemeClr val="tx1"/>
+                </a:solidFill>
+                <a:latin typeface="+mn-lt"/>
+                <a:ea typeface="+mn-ea"/>
+                <a:cs typeface="+mn-cs"/>
+              </a:defRPr>
+            </a:lvl1pPr>
+            <a:lvl2pPr marL="685800" indent="-228600" algn="l" defTabSz="914400" rtl="0" eaLnBrk="1" latinLnBrk="0" hangingPunct="1">
+              <a:lnSpc>
+                <a:spcPct val="90000"/>
+              </a:lnSpc>
+              <a:spcBef>
+                <a:spcPts val="500"/>
+              </a:spcBef>
+              <a:buFont typeface="Arial" panose="020B0604020202020204" pitchFamily="34" charset="0"/>
+              <a:buChar char="•"/>
+              <a:defRPr sz="2400" kern="1200">
+                <a:solidFill>
+                  <a:schemeClr val="tx1"/>
+                </a:solidFill>
+                <a:latin typeface="+mn-lt"/>
+                <a:ea typeface="+mn-ea"/>
+                <a:cs typeface="+mn-cs"/>
+              </a:defRPr>
+            </a:lvl2pPr>
+            <a:lvl3pPr marL="1143000" indent="-228600" algn="l" defTabSz="914400" rtl="0" eaLnBrk="1" latinLnBrk="0" hangingPunct="1">
+              <a:lnSpc>
+                <a:spcPct val="90000"/>
+              </a:lnSpc>
+              <a:spcBef>
+                <a:spcPts val="500"/>
+              </a:spcBef>
+              <a:buFont typeface="Arial" panose="020B0604020202020204" pitchFamily="34" charset="0"/>
+              <a:buChar char="•"/>
+              <a:defRPr sz="2000" kern="1200">
+                <a:solidFill>
+                  <a:schemeClr val="tx1"/>
+                </a:solidFill>
+                <a:latin typeface="+mn-lt"/>
+                <a:ea typeface="+mn-ea"/>
+                <a:cs typeface="+mn-cs"/>
+              </a:defRPr>
+            </a:lvl3pPr>
+            <a:lvl4pPr marL="1600200" indent="-228600" algn="l" defTabSz="914400" rtl="0" eaLnBrk="1" latinLnBrk="0" hangingPunct="1">
+              <a:lnSpc>
+                <a:spcPct val="90000"/>
+              </a:lnSpc>
+              <a:spcBef>
+                <a:spcPts val="500"/>
+              </a:spcBef>
+              <a:buFont typeface="Arial" panose="020B0604020202020204" pitchFamily="34" charset="0"/>
+              <a:buChar char="•"/>
+              <a:defRPr sz="1800" kern="1200">
+                <a:solidFill>
+                  <a:schemeClr val="tx1"/>
+                </a:solidFill>
+                <a:latin typeface="+mn-lt"/>
+                <a:ea typeface="+mn-ea"/>
+                <a:cs typeface="+mn-cs"/>
+              </a:defRPr>
+            </a:lvl4pPr>
+            <a:lvl5pPr marL="2057400" indent="-228600" algn="l" defTabSz="914400" rtl="0" eaLnBrk="1" latinLnBrk="0" hangingPunct="1">
+              <a:lnSpc>
+                <a:spcPct val="90000"/>
+              </a:lnSpc>
+              <a:spcBef>
+                <a:spcPts val="500"/>
+              </a:spcBef>
+              <a:buFont typeface="Arial" panose="020B0604020202020204" pitchFamily="34" charset="0"/>
+              <a:buChar char="•"/>
+              <a:defRPr sz="1800" kern="1200">
+                <a:solidFill>
+                  <a:schemeClr val="tx1"/>
+                </a:solidFill>
+                <a:latin typeface="+mn-lt"/>
+                <a:ea typeface="+mn-ea"/>
+                <a:cs typeface="+mn-cs"/>
+              </a:defRPr>
+            </a:lvl5pPr>
+            <a:lvl6pPr marL="2514600" indent="-228600" algn="l" defTabSz="914400" rtl="0" eaLnBrk="1" latinLnBrk="0" hangingPunct="1">
+              <a:lnSpc>
+                <a:spcPct val="90000"/>
+              </a:lnSpc>
+              <a:spcBef>
+                <a:spcPts val="500"/>
+              </a:spcBef>
+              <a:buFont typeface="Arial" panose="020B0604020202020204" pitchFamily="34" charset="0"/>
+              <a:buChar char="•"/>
+              <a:defRPr sz="1800" kern="1200">
+                <a:solidFill>
+                  <a:schemeClr val="tx1"/>
+                </a:solidFill>
+                <a:latin typeface="+mn-lt"/>
+                <a:ea typeface="+mn-ea"/>
+                <a:cs typeface="+mn-cs"/>
+              </a:defRPr>
+            </a:lvl6pPr>
+            <a:lvl7pPr marL="2971800" indent="-228600" algn="l" defTabSz="914400" rtl="0" eaLnBrk="1" latinLnBrk="0" hangingPunct="1">
+              <a:lnSpc>
+                <a:spcPct val="90000"/>
+              </a:lnSpc>
+              <a:spcBef>
+                <a:spcPts val="500"/>
+              </a:spcBef>
+              <a:buFont typeface="Arial" panose="020B0604020202020204" pitchFamily="34" charset="0"/>
+              <a:buChar char="•"/>
+              <a:defRPr sz="1800" kern="1200">
+                <a:solidFill>
+                  <a:schemeClr val="tx1"/>
+                </a:solidFill>
+                <a:latin typeface="+mn-lt"/>
+                <a:ea typeface="+mn-ea"/>
+                <a:cs typeface="+mn-cs"/>
+              </a:defRPr>
+            </a:lvl7pPr>
+            <a:lvl8pPr marL="3429000" indent="-228600" algn="l" defTabSz="914400" rtl="0" eaLnBrk="1" latinLnBrk="0" hangingPunct="1">
+              <a:lnSpc>
+                <a:spcPct val="90000"/>
+              </a:lnSpc>
+              <a:spcBef>
+                <a:spcPts val="500"/>
+              </a:spcBef>
+              <a:buFont typeface="Arial" panose="020B0604020202020204" pitchFamily="34" charset="0"/>
+              <a:buChar char="•"/>
+              <a:defRPr sz="1800" kern="1200">
+                <a:solidFill>
+                  <a:schemeClr val="tx1"/>
+                </a:solidFill>
+                <a:latin typeface="+mn-lt"/>
+                <a:ea typeface="+mn-ea"/>
+                <a:cs typeface="+mn-cs"/>
+              </a:defRPr>
+            </a:lvl8pPr>
+            <a:lvl9pPr marL="3886200" indent="-228600" algn="l" defTabSz="914400" rtl="0" eaLnBrk="1" latinLnBrk="0" hangingPunct="1">
+              <a:lnSpc>
+                <a:spcPct val="90000"/>
+              </a:lnSpc>
+              <a:spcBef>
+                <a:spcPts val="500"/>
+              </a:spcBef>
+              <a:buFont typeface="Arial" panose="020B0604020202020204" pitchFamily="34" charset="0"/>
+              <a:buChar char="•"/>
+              <a:defRPr sz="1800" kern="1200">
+                <a:solidFill>
+                  <a:schemeClr val="tx1"/>
+                </a:solidFill>
+                <a:latin typeface="+mn-lt"/>
+                <a:ea typeface="+mn-ea"/>
+                <a:cs typeface="+mn-cs"/>
+              </a:defRPr>
+            </a:lvl9pPr>
+          </a:lstStyle>
+          <a:p>
+            <a:pPr marL="742950" lvl="1" indent="-285750">
+              <a:lnSpc>
+                <a:spcPct val="107000"/>
+              </a:lnSpc>
+              <a:spcAft>
+                <a:spcPts val="800"/>
+              </a:spcAft>
+              <a:buFont typeface="Courier New" panose="02070309020205020404" pitchFamily="49" charset="0"/>
+              <a:buChar char="o"/>
+            </a:pPr>
+            <a:r>
+              <a:rPr lang="pt-BR" sz="1800" dirty="0">
+                <a:latin typeface="Calibri" panose="020F0502020204030204" pitchFamily="34" charset="0"/>
+                <a:ea typeface="Calibri" panose="020F0502020204030204" pitchFamily="34" charset="0"/>
+                <a:cs typeface="Times New Roman" panose="02020603050405020304" pitchFamily="18" charset="0"/>
+              </a:rPr>
+              <a:t>SAZONALIDADE ANUAL DA ENERGIA ARMAZENADA (EAR):</a:t>
+            </a:r>
+          </a:p>
+        </p:txBody>
+      </p:sp>
+      <p:sp>
+        <p:nvSpPr>
+          <p:cNvPr id="13" name="CaixaDeTexto 12">
+            <a:extLst>
+              <a:ext uri="{FF2B5EF4-FFF2-40B4-BE49-F238E27FC236}">
+                <a16:creationId xmlns:a16="http://schemas.microsoft.com/office/drawing/2014/main" id="{907E97C3-E584-B69F-B362-6DE3267C5DCF}"/>
+              </a:ext>
+            </a:extLst>
+          </p:cNvPr>
+          <p:cNvSpPr txBox="1"/>
+          <p:nvPr/>
+        </p:nvSpPr>
+        <p:spPr>
+          <a:xfrm>
+            <a:off x="3823331" y="6286351"/>
+            <a:ext cx="4545338" cy="369332"/>
+          </a:xfrm>
+          <a:prstGeom prst="rect">
+            <a:avLst/>
+          </a:prstGeom>
+          <a:noFill/>
+        </p:spPr>
+        <p:txBody>
+          <a:bodyPr wrap="square">
+            <a:spAutoFit/>
+          </a:bodyPr>
+          <a:lstStyle/>
+          <a:p>
+            <a:pPr algn="ctr"/>
+            <a:r>
+              <a:rPr lang="pt-BR" sz="1800" dirty="0">
+                <a:latin typeface="Calibri" panose="020F0502020204030204" pitchFamily="34" charset="0"/>
+                <a:ea typeface="Calibri" panose="020F0502020204030204" pitchFamily="34" charset="0"/>
+                <a:cs typeface="Times New Roman" panose="02020603050405020304" pitchFamily="18" charset="0"/>
+              </a:rPr>
+              <a:t>Figura - Histórico de EAR representado por ano</a:t>
+            </a:r>
+          </a:p>
+        </p:txBody>
+      </p:sp>
+      <p:pic>
+        <p:nvPicPr>
+          <p:cNvPr id="15" name="Gráfico 14">
+            <a:extLst>
+              <a:ext uri="{FF2B5EF4-FFF2-40B4-BE49-F238E27FC236}">
+                <a16:creationId xmlns:a16="http://schemas.microsoft.com/office/drawing/2014/main" id="{1695467B-2534-2C15-5001-CFB67388D00F}"/>
+              </a:ext>
+            </a:extLst>
+          </p:cNvPr>
+          <p:cNvPicPr>
+            <a:picLocks noChangeAspect="1"/>
+          </p:cNvPicPr>
+          <p:nvPr/>
+        </p:nvPicPr>
+        <p:blipFill>
+          <a:blip r:embed="rId2">
+            <a:extLst>
+              <a:ext uri="{28A0092B-C50C-407E-A947-70E740481C1C}">
+                <a14:useLocalDpi xmlns:a14="http://schemas.microsoft.com/office/drawing/2010/main" val="0"/>
+              </a:ext>
+              <a:ext uri="{96DAC541-7B7A-43D3-8B79-37D633B846F1}">
+                <asvg:svgBlip xmlns:asvg="http://schemas.microsoft.com/office/drawing/2016/SVG/main" r:embed="rId3"/>
+              </a:ext>
+            </a:extLst>
+          </a:blip>
+          <a:stretch>
+            <a:fillRect/>
+          </a:stretch>
+        </p:blipFill>
+        <p:spPr>
+          <a:xfrm>
+            <a:off x="322118" y="1478844"/>
+            <a:ext cx="11547763" cy="4704644"/>
+          </a:xfrm>
+          <a:prstGeom prst="rect">
+            <a:avLst/>
+          </a:prstGeom>
+        </p:spPr>
+      </p:pic>
     </p:spTree>
     <p:extLst>
       <p:ext uri="{BB962C8B-B14F-4D97-AF65-F5344CB8AC3E}">
-        <p14:creationId xmlns:p14="http://schemas.microsoft.com/office/powerpoint/2010/main" val="2328041856"/>
+        <p14:creationId xmlns:p14="http://schemas.microsoft.com/office/powerpoint/2010/main" val="2975478764"/>
+      </p:ext>
+    </p:extLst>
+  </p:cSld>
+  <p:clrMapOvr>
+    <a:masterClrMapping/>
+  </p:clrMapOvr>
+</p:sld>
+</file>
+
+<file path=ppt/slides/slide8.xml><?xml version="1.0" encoding="utf-8"?>
+<p:sld xmlns:a="http://schemas.openxmlformats.org/drawingml/2006/main" xmlns:r="http://schemas.openxmlformats.org/officeDocument/2006/relationships" xmlns:p="http://schemas.openxmlformats.org/presentationml/2006/main">
+  <p:cSld>
+    <p:spTree>
+      <p:nvGrpSpPr>
+        <p:cNvPr id="1" name=""/>
+        <p:cNvGrpSpPr/>
+        <p:nvPr/>
+      </p:nvGrpSpPr>
+      <p:grpSpPr>
+        <a:xfrm>
+          <a:off x="0" y="0"/>
+          <a:ext cx="0" cy="0"/>
+          <a:chOff x="0" y="0"/>
+          <a:chExt cx="0" cy="0"/>
+        </a:xfrm>
+      </p:grpSpPr>
+      <p:cxnSp>
+        <p:nvCxnSpPr>
+          <p:cNvPr id="16" name="Google Shape;57;p13">
+            <a:extLst>
+              <a:ext uri="{FF2B5EF4-FFF2-40B4-BE49-F238E27FC236}">
+                <a16:creationId xmlns:a16="http://schemas.microsoft.com/office/drawing/2014/main" id="{427709C3-2DD2-4889-9D04-807999382D92}"/>
+              </a:ext>
+            </a:extLst>
+          </p:cNvPr>
+          <p:cNvCxnSpPr>
+            <a:cxnSpLocks/>
+          </p:cNvCxnSpPr>
+          <p:nvPr/>
+        </p:nvCxnSpPr>
+        <p:spPr>
+          <a:xfrm>
+            <a:off x="849541" y="911144"/>
+            <a:ext cx="6237059" cy="0"/>
+          </a:xfrm>
+          <a:prstGeom prst="straightConnector1">
+            <a:avLst/>
+          </a:prstGeom>
+          <a:noFill/>
+          <a:ln w="76200" cap="flat" cmpd="sng">
+            <a:solidFill>
+              <a:srgbClr val="073763"/>
+            </a:solidFill>
+            <a:prstDash val="solid"/>
+            <a:round/>
+            <a:headEnd type="none" w="med" len="med"/>
+            <a:tailEnd type="none" w="med" len="med"/>
+          </a:ln>
+        </p:spPr>
+      </p:cxnSp>
+      <p:sp>
+        <p:nvSpPr>
+          <p:cNvPr id="29" name="Título 1">
+            <a:extLst>
+              <a:ext uri="{FF2B5EF4-FFF2-40B4-BE49-F238E27FC236}">
+                <a16:creationId xmlns:a16="http://schemas.microsoft.com/office/drawing/2014/main" id="{C8E5C476-3119-43EB-AE93-F6D97BED116F}"/>
+              </a:ext>
+            </a:extLst>
+          </p:cNvPr>
+          <p:cNvSpPr>
+            <a:spLocks noGrp="1"/>
+          </p:cNvSpPr>
+          <p:nvPr>
+            <p:ph type="title"/>
+          </p:nvPr>
+        </p:nvSpPr>
+        <p:spPr>
+          <a:xfrm>
+            <a:off x="849541" y="202317"/>
+            <a:ext cx="10504259" cy="650875"/>
+          </a:xfrm>
+        </p:spPr>
+        <p:txBody>
+          <a:bodyPr>
+            <a:normAutofit/>
+          </a:bodyPr>
+          <a:lstStyle/>
+          <a:p>
+            <a:r>
+              <a:rPr lang="pt-BR" sz="3600" b="1" dirty="0">
+                <a:latin typeface="Montserrat" panose="00000500000000000000" pitchFamily="2" charset="0"/>
+              </a:rPr>
+              <a:t>Crise Hídrica</a:t>
+            </a:r>
+          </a:p>
+        </p:txBody>
+      </p:sp>
+      <p:sp>
+        <p:nvSpPr>
+          <p:cNvPr id="10" name="Espaço Reservado para Conteúdo 2">
+            <a:extLst>
+              <a:ext uri="{FF2B5EF4-FFF2-40B4-BE49-F238E27FC236}">
+                <a16:creationId xmlns:a16="http://schemas.microsoft.com/office/drawing/2014/main" id="{EA819FEF-09DD-D777-4188-3EEC39FBBD41}"/>
+              </a:ext>
+            </a:extLst>
+          </p:cNvPr>
+          <p:cNvSpPr txBox="1">
+            <a:spLocks/>
+          </p:cNvSpPr>
+          <p:nvPr/>
+        </p:nvSpPr>
+        <p:spPr>
+          <a:xfrm>
+            <a:off x="515244" y="1019142"/>
+            <a:ext cx="10515600" cy="459702"/>
+          </a:xfrm>
+          <a:prstGeom prst="rect">
+            <a:avLst/>
+          </a:prstGeom>
+        </p:spPr>
+        <p:txBody>
+          <a:bodyPr vert="horz" lIns="91440" tIns="45720" rIns="91440" bIns="45720" rtlCol="0">
+            <a:normAutofit/>
+          </a:bodyPr>
+          <a:lstStyle>
+            <a:lvl1pPr marL="228600" indent="-228600" algn="l" defTabSz="914400" rtl="0" eaLnBrk="1" latinLnBrk="0" hangingPunct="1">
+              <a:lnSpc>
+                <a:spcPct val="90000"/>
+              </a:lnSpc>
+              <a:spcBef>
+                <a:spcPts val="1000"/>
+              </a:spcBef>
+              <a:buFont typeface="Arial" panose="020B0604020202020204" pitchFamily="34" charset="0"/>
+              <a:buChar char="•"/>
+              <a:defRPr sz="2800" kern="1200">
+                <a:solidFill>
+                  <a:schemeClr val="tx1"/>
+                </a:solidFill>
+                <a:latin typeface="+mn-lt"/>
+                <a:ea typeface="+mn-ea"/>
+                <a:cs typeface="+mn-cs"/>
+              </a:defRPr>
+            </a:lvl1pPr>
+            <a:lvl2pPr marL="685800" indent="-228600" algn="l" defTabSz="914400" rtl="0" eaLnBrk="1" latinLnBrk="0" hangingPunct="1">
+              <a:lnSpc>
+                <a:spcPct val="90000"/>
+              </a:lnSpc>
+              <a:spcBef>
+                <a:spcPts val="500"/>
+              </a:spcBef>
+              <a:buFont typeface="Arial" panose="020B0604020202020204" pitchFamily="34" charset="0"/>
+              <a:buChar char="•"/>
+              <a:defRPr sz="2400" kern="1200">
+                <a:solidFill>
+                  <a:schemeClr val="tx1"/>
+                </a:solidFill>
+                <a:latin typeface="+mn-lt"/>
+                <a:ea typeface="+mn-ea"/>
+                <a:cs typeface="+mn-cs"/>
+              </a:defRPr>
+            </a:lvl2pPr>
+            <a:lvl3pPr marL="1143000" indent="-228600" algn="l" defTabSz="914400" rtl="0" eaLnBrk="1" latinLnBrk="0" hangingPunct="1">
+              <a:lnSpc>
+                <a:spcPct val="90000"/>
+              </a:lnSpc>
+              <a:spcBef>
+                <a:spcPts val="500"/>
+              </a:spcBef>
+              <a:buFont typeface="Arial" panose="020B0604020202020204" pitchFamily="34" charset="0"/>
+              <a:buChar char="•"/>
+              <a:defRPr sz="2000" kern="1200">
+                <a:solidFill>
+                  <a:schemeClr val="tx1"/>
+                </a:solidFill>
+                <a:latin typeface="+mn-lt"/>
+                <a:ea typeface="+mn-ea"/>
+                <a:cs typeface="+mn-cs"/>
+              </a:defRPr>
+            </a:lvl3pPr>
+            <a:lvl4pPr marL="1600200" indent="-228600" algn="l" defTabSz="914400" rtl="0" eaLnBrk="1" latinLnBrk="0" hangingPunct="1">
+              <a:lnSpc>
+                <a:spcPct val="90000"/>
+              </a:lnSpc>
+              <a:spcBef>
+                <a:spcPts val="500"/>
+              </a:spcBef>
+              <a:buFont typeface="Arial" panose="020B0604020202020204" pitchFamily="34" charset="0"/>
+              <a:buChar char="•"/>
+              <a:defRPr sz="1800" kern="1200">
+                <a:solidFill>
+                  <a:schemeClr val="tx1"/>
+                </a:solidFill>
+                <a:latin typeface="+mn-lt"/>
+                <a:ea typeface="+mn-ea"/>
+                <a:cs typeface="+mn-cs"/>
+              </a:defRPr>
+            </a:lvl4pPr>
+            <a:lvl5pPr marL="2057400" indent="-228600" algn="l" defTabSz="914400" rtl="0" eaLnBrk="1" latinLnBrk="0" hangingPunct="1">
+              <a:lnSpc>
+                <a:spcPct val="90000"/>
+              </a:lnSpc>
+              <a:spcBef>
+                <a:spcPts val="500"/>
+              </a:spcBef>
+              <a:buFont typeface="Arial" panose="020B0604020202020204" pitchFamily="34" charset="0"/>
+              <a:buChar char="•"/>
+              <a:defRPr sz="1800" kern="1200">
+                <a:solidFill>
+                  <a:schemeClr val="tx1"/>
+                </a:solidFill>
+                <a:latin typeface="+mn-lt"/>
+                <a:ea typeface="+mn-ea"/>
+                <a:cs typeface="+mn-cs"/>
+              </a:defRPr>
+            </a:lvl5pPr>
+            <a:lvl6pPr marL="2514600" indent="-228600" algn="l" defTabSz="914400" rtl="0" eaLnBrk="1" latinLnBrk="0" hangingPunct="1">
+              <a:lnSpc>
+                <a:spcPct val="90000"/>
+              </a:lnSpc>
+              <a:spcBef>
+                <a:spcPts val="500"/>
+              </a:spcBef>
+              <a:buFont typeface="Arial" panose="020B0604020202020204" pitchFamily="34" charset="0"/>
+              <a:buChar char="•"/>
+              <a:defRPr sz="1800" kern="1200">
+                <a:solidFill>
+                  <a:schemeClr val="tx1"/>
+                </a:solidFill>
+                <a:latin typeface="+mn-lt"/>
+                <a:ea typeface="+mn-ea"/>
+                <a:cs typeface="+mn-cs"/>
+              </a:defRPr>
+            </a:lvl6pPr>
+            <a:lvl7pPr marL="2971800" indent="-228600" algn="l" defTabSz="914400" rtl="0" eaLnBrk="1" latinLnBrk="0" hangingPunct="1">
+              <a:lnSpc>
+                <a:spcPct val="90000"/>
+              </a:lnSpc>
+              <a:spcBef>
+                <a:spcPts val="500"/>
+              </a:spcBef>
+              <a:buFont typeface="Arial" panose="020B0604020202020204" pitchFamily="34" charset="0"/>
+              <a:buChar char="•"/>
+              <a:defRPr sz="1800" kern="1200">
+                <a:solidFill>
+                  <a:schemeClr val="tx1"/>
+                </a:solidFill>
+                <a:latin typeface="+mn-lt"/>
+                <a:ea typeface="+mn-ea"/>
+                <a:cs typeface="+mn-cs"/>
+              </a:defRPr>
+            </a:lvl7pPr>
+            <a:lvl8pPr marL="3429000" indent="-228600" algn="l" defTabSz="914400" rtl="0" eaLnBrk="1" latinLnBrk="0" hangingPunct="1">
+              <a:lnSpc>
+                <a:spcPct val="90000"/>
+              </a:lnSpc>
+              <a:spcBef>
+                <a:spcPts val="500"/>
+              </a:spcBef>
+              <a:buFont typeface="Arial" panose="020B0604020202020204" pitchFamily="34" charset="0"/>
+              <a:buChar char="•"/>
+              <a:defRPr sz="1800" kern="1200">
+                <a:solidFill>
+                  <a:schemeClr val="tx1"/>
+                </a:solidFill>
+                <a:latin typeface="+mn-lt"/>
+                <a:ea typeface="+mn-ea"/>
+                <a:cs typeface="+mn-cs"/>
+              </a:defRPr>
+            </a:lvl8pPr>
+            <a:lvl9pPr marL="3886200" indent="-228600" algn="l" defTabSz="914400" rtl="0" eaLnBrk="1" latinLnBrk="0" hangingPunct="1">
+              <a:lnSpc>
+                <a:spcPct val="90000"/>
+              </a:lnSpc>
+              <a:spcBef>
+                <a:spcPts val="500"/>
+              </a:spcBef>
+              <a:buFont typeface="Arial" panose="020B0604020202020204" pitchFamily="34" charset="0"/>
+              <a:buChar char="•"/>
+              <a:defRPr sz="1800" kern="1200">
+                <a:solidFill>
+                  <a:schemeClr val="tx1"/>
+                </a:solidFill>
+                <a:latin typeface="+mn-lt"/>
+                <a:ea typeface="+mn-ea"/>
+                <a:cs typeface="+mn-cs"/>
+              </a:defRPr>
+            </a:lvl9pPr>
+          </a:lstStyle>
+          <a:p>
+            <a:pPr marL="742950" lvl="1" indent="-285750">
+              <a:lnSpc>
+                <a:spcPct val="107000"/>
+              </a:lnSpc>
+              <a:spcAft>
+                <a:spcPts val="800"/>
+              </a:spcAft>
+              <a:buFont typeface="Courier New" panose="02070309020205020404" pitchFamily="49" charset="0"/>
+              <a:buChar char="o"/>
+            </a:pPr>
+            <a:r>
+              <a:rPr lang="pt-BR" sz="1800" dirty="0">
+                <a:latin typeface="Calibri" panose="020F0502020204030204" pitchFamily="34" charset="0"/>
+                <a:ea typeface="Calibri" panose="020F0502020204030204" pitchFamily="34" charset="0"/>
+                <a:cs typeface="Times New Roman" panose="02020603050405020304" pitchFamily="18" charset="0"/>
+              </a:rPr>
+              <a:t>HISTÓRICO DA EAR:</a:t>
+            </a:r>
+          </a:p>
+        </p:txBody>
+      </p:sp>
+      <p:pic>
+        <p:nvPicPr>
+          <p:cNvPr id="3" name="Gráfico 2">
+            <a:extLst>
+              <a:ext uri="{FF2B5EF4-FFF2-40B4-BE49-F238E27FC236}">
+                <a16:creationId xmlns:a16="http://schemas.microsoft.com/office/drawing/2014/main" id="{F6528CB0-80CA-2EA2-779D-0CAA0CA5DD7A}"/>
+              </a:ext>
+            </a:extLst>
+          </p:cNvPr>
+          <p:cNvPicPr>
+            <a:picLocks noChangeAspect="1"/>
+          </p:cNvPicPr>
+          <p:nvPr/>
+        </p:nvPicPr>
+        <p:blipFill rotWithShape="1">
+          <a:blip r:embed="rId2">
+            <a:extLst>
+              <a:ext uri="{28A0092B-C50C-407E-A947-70E740481C1C}">
+                <a14:useLocalDpi xmlns:a14="http://schemas.microsoft.com/office/drawing/2010/main" val="0"/>
+              </a:ext>
+              <a:ext uri="{96DAC541-7B7A-43D3-8B79-37D633B846F1}">
+                <asvg:svgBlip xmlns:asvg="http://schemas.microsoft.com/office/drawing/2016/SVG/main" r:embed="rId3"/>
+              </a:ext>
+            </a:extLst>
+          </a:blip>
+          <a:srcRect l="8426" r="9524"/>
+          <a:stretch/>
+        </p:blipFill>
+        <p:spPr>
+          <a:xfrm>
+            <a:off x="729900" y="1478843"/>
+            <a:ext cx="10732197" cy="4360015"/>
+          </a:xfrm>
+          <a:prstGeom prst="rect">
+            <a:avLst/>
+          </a:prstGeom>
+        </p:spPr>
+      </p:pic>
+      <p:sp>
+        <p:nvSpPr>
+          <p:cNvPr id="4" name="CaixaDeTexto 3">
+            <a:extLst>
+              <a:ext uri="{FF2B5EF4-FFF2-40B4-BE49-F238E27FC236}">
+                <a16:creationId xmlns:a16="http://schemas.microsoft.com/office/drawing/2014/main" id="{FACB8B72-0EF6-B218-1CBF-69610AB21C44}"/>
+              </a:ext>
+            </a:extLst>
+          </p:cNvPr>
+          <p:cNvSpPr txBox="1"/>
+          <p:nvPr/>
+        </p:nvSpPr>
+        <p:spPr>
+          <a:xfrm>
+            <a:off x="3823330" y="6095179"/>
+            <a:ext cx="4545338" cy="369332"/>
+          </a:xfrm>
+          <a:prstGeom prst="rect">
+            <a:avLst/>
+          </a:prstGeom>
+          <a:noFill/>
+        </p:spPr>
+        <p:txBody>
+          <a:bodyPr wrap="square">
+            <a:spAutoFit/>
+          </a:bodyPr>
+          <a:lstStyle/>
+          <a:p>
+            <a:pPr algn="ctr"/>
+            <a:r>
+              <a:rPr lang="pt-BR" sz="1800" dirty="0">
+                <a:latin typeface="Calibri" panose="020F0502020204030204" pitchFamily="34" charset="0"/>
+                <a:ea typeface="Calibri" panose="020F0502020204030204" pitchFamily="34" charset="0"/>
+                <a:cs typeface="Times New Roman" panose="02020603050405020304" pitchFamily="18" charset="0"/>
+              </a:rPr>
+              <a:t>Figura - Histórico de EAR</a:t>
+            </a:r>
+          </a:p>
+        </p:txBody>
+      </p:sp>
+    </p:spTree>
+    <p:extLst>
+      <p:ext uri="{BB962C8B-B14F-4D97-AF65-F5344CB8AC3E}">
+        <p14:creationId xmlns:p14="http://schemas.microsoft.com/office/powerpoint/2010/main" val="3742048905"/>
+      </p:ext>
+    </p:extLst>
+  </p:cSld>
+  <p:clrMapOvr>
+    <a:masterClrMapping/>
+  </p:clrMapOvr>
+</p:sld>
+</file>
+
+<file path=ppt/slides/slide9.xml><?xml version="1.0" encoding="utf-8"?>
+<p:sld xmlns:a="http://schemas.openxmlformats.org/drawingml/2006/main" xmlns:r="http://schemas.openxmlformats.org/officeDocument/2006/relationships" xmlns:p="http://schemas.openxmlformats.org/presentationml/2006/main">
+  <p:cSld>
+    <p:spTree>
+      <p:nvGrpSpPr>
+        <p:cNvPr id="1" name=""/>
+        <p:cNvGrpSpPr/>
+        <p:nvPr/>
+      </p:nvGrpSpPr>
+      <p:grpSpPr>
+        <a:xfrm>
+          <a:off x="0" y="0"/>
+          <a:ext cx="0" cy="0"/>
+          <a:chOff x="0" y="0"/>
+          <a:chExt cx="0" cy="0"/>
+        </a:xfrm>
+      </p:grpSpPr>
+      <p:cxnSp>
+        <p:nvCxnSpPr>
+          <p:cNvPr id="16" name="Google Shape;57;p13">
+            <a:extLst>
+              <a:ext uri="{FF2B5EF4-FFF2-40B4-BE49-F238E27FC236}">
+                <a16:creationId xmlns:a16="http://schemas.microsoft.com/office/drawing/2014/main" id="{427709C3-2DD2-4889-9D04-807999382D92}"/>
+              </a:ext>
+            </a:extLst>
+          </p:cNvPr>
+          <p:cNvCxnSpPr>
+            <a:cxnSpLocks/>
+          </p:cNvCxnSpPr>
+          <p:nvPr/>
+        </p:nvCxnSpPr>
+        <p:spPr>
+          <a:xfrm>
+            <a:off x="849541" y="911144"/>
+            <a:ext cx="6237059" cy="0"/>
+          </a:xfrm>
+          <a:prstGeom prst="straightConnector1">
+            <a:avLst/>
+          </a:prstGeom>
+          <a:noFill/>
+          <a:ln w="76200" cap="flat" cmpd="sng">
+            <a:solidFill>
+              <a:srgbClr val="073763"/>
+            </a:solidFill>
+            <a:prstDash val="solid"/>
+            <a:round/>
+            <a:headEnd type="none" w="med" len="med"/>
+            <a:tailEnd type="none" w="med" len="med"/>
+          </a:ln>
+        </p:spPr>
+      </p:cxnSp>
+      <p:sp>
+        <p:nvSpPr>
+          <p:cNvPr id="29" name="Título 1">
+            <a:extLst>
+              <a:ext uri="{FF2B5EF4-FFF2-40B4-BE49-F238E27FC236}">
+                <a16:creationId xmlns:a16="http://schemas.microsoft.com/office/drawing/2014/main" id="{C8E5C476-3119-43EB-AE93-F6D97BED116F}"/>
+              </a:ext>
+            </a:extLst>
+          </p:cNvPr>
+          <p:cNvSpPr>
+            <a:spLocks noGrp="1"/>
+          </p:cNvSpPr>
+          <p:nvPr>
+            <p:ph type="title"/>
+          </p:nvPr>
+        </p:nvSpPr>
+        <p:spPr>
+          <a:xfrm>
+            <a:off x="849541" y="202317"/>
+            <a:ext cx="10504259" cy="650875"/>
+          </a:xfrm>
+        </p:spPr>
+        <p:txBody>
+          <a:bodyPr>
+            <a:normAutofit/>
+          </a:bodyPr>
+          <a:lstStyle/>
+          <a:p>
+            <a:r>
+              <a:rPr lang="pt-BR" sz="3600" b="1" dirty="0">
+                <a:latin typeface="Montserrat" panose="00000500000000000000" pitchFamily="2" charset="0"/>
+              </a:rPr>
+              <a:t>Crise Hídrica</a:t>
+            </a:r>
+          </a:p>
+        </p:txBody>
+      </p:sp>
+      <p:sp>
+        <p:nvSpPr>
+          <p:cNvPr id="10" name="Espaço Reservado para Conteúdo 2">
+            <a:extLst>
+              <a:ext uri="{FF2B5EF4-FFF2-40B4-BE49-F238E27FC236}">
+                <a16:creationId xmlns:a16="http://schemas.microsoft.com/office/drawing/2014/main" id="{EA819FEF-09DD-D777-4188-3EEC39FBBD41}"/>
+              </a:ext>
+            </a:extLst>
+          </p:cNvPr>
+          <p:cNvSpPr txBox="1">
+            <a:spLocks/>
+          </p:cNvSpPr>
+          <p:nvPr/>
+        </p:nvSpPr>
+        <p:spPr>
+          <a:xfrm>
+            <a:off x="515244" y="1019142"/>
+            <a:ext cx="10515600" cy="459702"/>
+          </a:xfrm>
+          <a:prstGeom prst="rect">
+            <a:avLst/>
+          </a:prstGeom>
+        </p:spPr>
+        <p:txBody>
+          <a:bodyPr vert="horz" lIns="91440" tIns="45720" rIns="91440" bIns="45720" rtlCol="0">
+            <a:normAutofit/>
+          </a:bodyPr>
+          <a:lstStyle>
+            <a:lvl1pPr marL="228600" indent="-228600" algn="l" defTabSz="914400" rtl="0" eaLnBrk="1" latinLnBrk="0" hangingPunct="1">
+              <a:lnSpc>
+                <a:spcPct val="90000"/>
+              </a:lnSpc>
+              <a:spcBef>
+                <a:spcPts val="1000"/>
+              </a:spcBef>
+              <a:buFont typeface="Arial" panose="020B0604020202020204" pitchFamily="34" charset="0"/>
+              <a:buChar char="•"/>
+              <a:defRPr sz="2800" kern="1200">
+                <a:solidFill>
+                  <a:schemeClr val="tx1"/>
+                </a:solidFill>
+                <a:latin typeface="+mn-lt"/>
+                <a:ea typeface="+mn-ea"/>
+                <a:cs typeface="+mn-cs"/>
+              </a:defRPr>
+            </a:lvl1pPr>
+            <a:lvl2pPr marL="685800" indent="-228600" algn="l" defTabSz="914400" rtl="0" eaLnBrk="1" latinLnBrk="0" hangingPunct="1">
+              <a:lnSpc>
+                <a:spcPct val="90000"/>
+              </a:lnSpc>
+              <a:spcBef>
+                <a:spcPts val="500"/>
+              </a:spcBef>
+              <a:buFont typeface="Arial" panose="020B0604020202020204" pitchFamily="34" charset="0"/>
+              <a:buChar char="•"/>
+              <a:defRPr sz="2400" kern="1200">
+                <a:solidFill>
+                  <a:schemeClr val="tx1"/>
+                </a:solidFill>
+                <a:latin typeface="+mn-lt"/>
+                <a:ea typeface="+mn-ea"/>
+                <a:cs typeface="+mn-cs"/>
+              </a:defRPr>
+            </a:lvl2pPr>
+            <a:lvl3pPr marL="1143000" indent="-228600" algn="l" defTabSz="914400" rtl="0" eaLnBrk="1" latinLnBrk="0" hangingPunct="1">
+              <a:lnSpc>
+                <a:spcPct val="90000"/>
+              </a:lnSpc>
+              <a:spcBef>
+                <a:spcPts val="500"/>
+              </a:spcBef>
+              <a:buFont typeface="Arial" panose="020B0604020202020204" pitchFamily="34" charset="0"/>
+              <a:buChar char="•"/>
+              <a:defRPr sz="2000" kern="1200">
+                <a:solidFill>
+                  <a:schemeClr val="tx1"/>
+                </a:solidFill>
+                <a:latin typeface="+mn-lt"/>
+                <a:ea typeface="+mn-ea"/>
+                <a:cs typeface="+mn-cs"/>
+              </a:defRPr>
+            </a:lvl3pPr>
+            <a:lvl4pPr marL="1600200" indent="-228600" algn="l" defTabSz="914400" rtl="0" eaLnBrk="1" latinLnBrk="0" hangingPunct="1">
+              <a:lnSpc>
+                <a:spcPct val="90000"/>
+              </a:lnSpc>
+              <a:spcBef>
+                <a:spcPts val="500"/>
+              </a:spcBef>
+              <a:buFont typeface="Arial" panose="020B0604020202020204" pitchFamily="34" charset="0"/>
+              <a:buChar char="•"/>
+              <a:defRPr sz="1800" kern="1200">
+                <a:solidFill>
+                  <a:schemeClr val="tx1"/>
+                </a:solidFill>
+                <a:latin typeface="+mn-lt"/>
+                <a:ea typeface="+mn-ea"/>
+                <a:cs typeface="+mn-cs"/>
+              </a:defRPr>
+            </a:lvl4pPr>
+            <a:lvl5pPr marL="2057400" indent="-228600" algn="l" defTabSz="914400" rtl="0" eaLnBrk="1" latinLnBrk="0" hangingPunct="1">
+              <a:lnSpc>
+                <a:spcPct val="90000"/>
+              </a:lnSpc>
+              <a:spcBef>
+                <a:spcPts val="500"/>
+              </a:spcBef>
+              <a:buFont typeface="Arial" panose="020B0604020202020204" pitchFamily="34" charset="0"/>
+              <a:buChar char="•"/>
+              <a:defRPr sz="1800" kern="1200">
+                <a:solidFill>
+                  <a:schemeClr val="tx1"/>
+                </a:solidFill>
+                <a:latin typeface="+mn-lt"/>
+                <a:ea typeface="+mn-ea"/>
+                <a:cs typeface="+mn-cs"/>
+              </a:defRPr>
+            </a:lvl5pPr>
+            <a:lvl6pPr marL="2514600" indent="-228600" algn="l" defTabSz="914400" rtl="0" eaLnBrk="1" latinLnBrk="0" hangingPunct="1">
+              <a:lnSpc>
+                <a:spcPct val="90000"/>
+              </a:lnSpc>
+              <a:spcBef>
+                <a:spcPts val="500"/>
+              </a:spcBef>
+              <a:buFont typeface="Arial" panose="020B0604020202020204" pitchFamily="34" charset="0"/>
+              <a:buChar char="•"/>
+              <a:defRPr sz="1800" kern="1200">
+                <a:solidFill>
+                  <a:schemeClr val="tx1"/>
+                </a:solidFill>
+                <a:latin typeface="+mn-lt"/>
+                <a:ea typeface="+mn-ea"/>
+                <a:cs typeface="+mn-cs"/>
+              </a:defRPr>
+            </a:lvl6pPr>
+            <a:lvl7pPr marL="2971800" indent="-228600" algn="l" defTabSz="914400" rtl="0" eaLnBrk="1" latinLnBrk="0" hangingPunct="1">
+              <a:lnSpc>
+                <a:spcPct val="90000"/>
+              </a:lnSpc>
+              <a:spcBef>
+                <a:spcPts val="500"/>
+              </a:spcBef>
+              <a:buFont typeface="Arial" panose="020B0604020202020204" pitchFamily="34" charset="0"/>
+              <a:buChar char="•"/>
+              <a:defRPr sz="1800" kern="1200">
+                <a:solidFill>
+                  <a:schemeClr val="tx1"/>
+                </a:solidFill>
+                <a:latin typeface="+mn-lt"/>
+                <a:ea typeface="+mn-ea"/>
+                <a:cs typeface="+mn-cs"/>
+              </a:defRPr>
+            </a:lvl7pPr>
+            <a:lvl8pPr marL="3429000" indent="-228600" algn="l" defTabSz="914400" rtl="0" eaLnBrk="1" latinLnBrk="0" hangingPunct="1">
+              <a:lnSpc>
+                <a:spcPct val="90000"/>
+              </a:lnSpc>
+              <a:spcBef>
+                <a:spcPts val="500"/>
+              </a:spcBef>
+              <a:buFont typeface="Arial" panose="020B0604020202020204" pitchFamily="34" charset="0"/>
+              <a:buChar char="•"/>
+              <a:defRPr sz="1800" kern="1200">
+                <a:solidFill>
+                  <a:schemeClr val="tx1"/>
+                </a:solidFill>
+                <a:latin typeface="+mn-lt"/>
+                <a:ea typeface="+mn-ea"/>
+                <a:cs typeface="+mn-cs"/>
+              </a:defRPr>
+            </a:lvl8pPr>
+            <a:lvl9pPr marL="3886200" indent="-228600" algn="l" defTabSz="914400" rtl="0" eaLnBrk="1" latinLnBrk="0" hangingPunct="1">
+              <a:lnSpc>
+                <a:spcPct val="90000"/>
+              </a:lnSpc>
+              <a:spcBef>
+                <a:spcPts val="500"/>
+              </a:spcBef>
+              <a:buFont typeface="Arial" panose="020B0604020202020204" pitchFamily="34" charset="0"/>
+              <a:buChar char="•"/>
+              <a:defRPr sz="1800" kern="1200">
+                <a:solidFill>
+                  <a:schemeClr val="tx1"/>
+                </a:solidFill>
+                <a:latin typeface="+mn-lt"/>
+                <a:ea typeface="+mn-ea"/>
+                <a:cs typeface="+mn-cs"/>
+              </a:defRPr>
+            </a:lvl9pPr>
+          </a:lstStyle>
+          <a:p>
+            <a:pPr marL="742950" lvl="1" indent="-285750">
+              <a:lnSpc>
+                <a:spcPct val="107000"/>
+              </a:lnSpc>
+              <a:spcAft>
+                <a:spcPts val="800"/>
+              </a:spcAft>
+              <a:buFont typeface="Courier New" panose="02070309020205020404" pitchFamily="49" charset="0"/>
+              <a:buChar char="o"/>
+            </a:pPr>
+            <a:r>
+              <a:rPr lang="pt-BR" sz="1800" dirty="0">
+                <a:latin typeface="Calibri" panose="020F0502020204030204" pitchFamily="34" charset="0"/>
+                <a:ea typeface="Calibri" panose="020F0502020204030204" pitchFamily="34" charset="0"/>
+                <a:cs typeface="Times New Roman" panose="02020603050405020304" pitchFamily="18" charset="0"/>
+              </a:rPr>
+              <a:t>HISTÓRICO DA EAR:</a:t>
+            </a:r>
+          </a:p>
+        </p:txBody>
+      </p:sp>
+      <p:pic>
+        <p:nvPicPr>
+          <p:cNvPr id="2" name="Graphic 12">
+            <a:extLst>
+              <a:ext uri="{FF2B5EF4-FFF2-40B4-BE49-F238E27FC236}">
+                <a16:creationId xmlns:a16="http://schemas.microsoft.com/office/drawing/2014/main" id="{BA57D771-B994-0FEB-FBD4-9F3BC9F30264}"/>
+              </a:ext>
+            </a:extLst>
+          </p:cNvPr>
+          <p:cNvPicPr>
+            <a:picLocks noChangeAspect="1"/>
+          </p:cNvPicPr>
+          <p:nvPr/>
+        </p:nvPicPr>
+        <p:blipFill rotWithShape="1">
+          <a:blip r:embed="rId2">
+            <a:extLst>
+              <a:ext uri="{96DAC541-7B7A-43D3-8B79-37D633B846F1}">
+                <asvg:svgBlip xmlns:asvg="http://schemas.microsoft.com/office/drawing/2016/SVG/main" r:embed="rId3"/>
+              </a:ext>
+            </a:extLst>
+          </a:blip>
+          <a:srcRect l="7697" r="9310"/>
+          <a:stretch/>
+        </p:blipFill>
+        <p:spPr>
+          <a:xfrm>
+            <a:off x="499490" y="1077095"/>
+            <a:ext cx="10854310" cy="4360015"/>
+          </a:xfrm>
+          <a:prstGeom prst="rect">
+            <a:avLst/>
+          </a:prstGeom>
+        </p:spPr>
+      </p:pic>
+      <p:sp>
+        <p:nvSpPr>
+          <p:cNvPr id="4" name="CaixaDeTexto 3">
+            <a:extLst>
+              <a:ext uri="{FF2B5EF4-FFF2-40B4-BE49-F238E27FC236}">
+                <a16:creationId xmlns:a16="http://schemas.microsoft.com/office/drawing/2014/main" id="{AA0A45C2-D98F-41F8-5562-FE3865B74F8C}"/>
+              </a:ext>
+            </a:extLst>
+          </p:cNvPr>
+          <p:cNvSpPr txBox="1"/>
+          <p:nvPr/>
+        </p:nvSpPr>
+        <p:spPr>
+          <a:xfrm>
+            <a:off x="3823331" y="5730861"/>
+            <a:ext cx="4545338" cy="646331"/>
+          </a:xfrm>
+          <a:prstGeom prst="rect">
+            <a:avLst/>
+          </a:prstGeom>
+          <a:noFill/>
+        </p:spPr>
+        <p:txBody>
+          <a:bodyPr wrap="square">
+            <a:spAutoFit/>
+          </a:bodyPr>
+          <a:lstStyle/>
+          <a:p>
+            <a:pPr algn="ctr"/>
+            <a:r>
+              <a:rPr lang="pt-BR" sz="1800" dirty="0">
+                <a:latin typeface="Calibri" panose="020F0502020204030204" pitchFamily="34" charset="0"/>
+                <a:ea typeface="Calibri" panose="020F0502020204030204" pitchFamily="34" charset="0"/>
+                <a:cs typeface="Times New Roman" panose="02020603050405020304" pitchFamily="18" charset="0"/>
+              </a:rPr>
+              <a:t>Figura - Histórico de EAR representado por variações anuais</a:t>
+            </a:r>
+          </a:p>
+        </p:txBody>
+      </p:sp>
+    </p:spTree>
+    <p:extLst>
+      <p:ext uri="{BB962C8B-B14F-4D97-AF65-F5344CB8AC3E}">
+        <p14:creationId xmlns:p14="http://schemas.microsoft.com/office/powerpoint/2010/main" val="2691419721"/>
       </p:ext>
     </p:extLst>
   </p:cSld>
@@ -9694,4 +13991,299 @@
     </a:ext>
   </a:extLst>
 </a:theme>
+</file>
+
+<file path=ppt/theme/theme2.xml><?xml version="1.0" encoding="utf-8"?>
+<a:theme xmlns:a="http://schemas.openxmlformats.org/drawingml/2006/main" name="Tema do Office">
+  <a:themeElements>
+    <a:clrScheme name="Office">
+      <a:dk1>
+        <a:sysClr val="windowText" lastClr="000000"/>
+      </a:dk1>
+      <a:lt1>
+        <a:sysClr val="window" lastClr="FFFFFF"/>
+      </a:lt1>
+      <a:dk2>
+        <a:srgbClr val="44546A"/>
+      </a:dk2>
+      <a:lt2>
+        <a:srgbClr val="E7E6E6"/>
+      </a:lt2>
+      <a:accent1>
+        <a:srgbClr val="4472C4"/>
+      </a:accent1>
+      <a:accent2>
+        <a:srgbClr val="ED7D31"/>
+      </a:accent2>
+      <a:accent3>
+        <a:srgbClr val="A5A5A5"/>
+      </a:accent3>
+      <a:accent4>
+        <a:srgbClr val="FFC000"/>
+      </a:accent4>
+      <a:accent5>
+        <a:srgbClr val="5B9BD5"/>
+      </a:accent5>
+      <a:accent6>
+        <a:srgbClr val="70AD47"/>
+      </a:accent6>
+      <a:hlink>
+        <a:srgbClr val="0563C1"/>
+      </a:hlink>
+      <a:folHlink>
+        <a:srgbClr val="954F72"/>
+      </a:folHlink>
+    </a:clrScheme>
+    <a:fontScheme name="Office">
+      <a:majorFont>
+        <a:latin typeface="Calibri Light" panose="020F0302020204030204"/>
+        <a:ea typeface=""/>
+        <a:cs typeface=""/>
+        <a:font script="Jpan" typeface="游ゴシック Light"/>
+        <a:font script="Hang" typeface="맑은 고딕"/>
+        <a:font script="Hans" typeface="等线 Light"/>
+        <a:font script="Hant" typeface="新細明體"/>
+        <a:font script="Arab" typeface="Times New Roman"/>
+        <a:font script="Hebr" typeface="Times New Roman"/>
+        <a:font script="Thai" typeface="Angsana New"/>
+        <a:font script="Ethi" typeface="Nyala"/>
+        <a:font script="Beng" typeface="Vrinda"/>
+        <a:font script="Gujr" typeface="Shruti"/>
+        <a:font script="Khmr" typeface="MoolBoran"/>
+        <a:font script="Knda" typeface="Tunga"/>
+        <a:font script="Guru" typeface="Raavi"/>
+        <a:font script="Cans" typeface="Euphemia"/>
+        <a:font script="Cher" typeface="Plantagenet Cherokee"/>
+        <a:font script="Yiii" typeface="Microsoft Yi Baiti"/>
+        <a:font script="Tibt" typeface="Microsoft Himalaya"/>
+        <a:font script="Thaa" typeface="MV Boli"/>
+        <a:font script="Deva" typeface="Mangal"/>
+        <a:font script="Telu" typeface="Gautami"/>
+        <a:font script="Taml" typeface="Latha"/>
+        <a:font script="Syrc" typeface="Estrangelo Edessa"/>
+        <a:font script="Orya" typeface="Kalinga"/>
+        <a:font script="Mlym" typeface="Kartika"/>
+        <a:font script="Laoo" typeface="DokChampa"/>
+        <a:font script="Sinh" typeface="Iskoola Pota"/>
+        <a:font script="Mong" typeface="Mongolian Baiti"/>
+        <a:font script="Viet" typeface="Times New Roman"/>
+        <a:font script="Uigh" typeface="Microsoft Uighur"/>
+        <a:font script="Geor" typeface="Sylfaen"/>
+        <a:font script="Armn" typeface="Arial"/>
+        <a:font script="Bugi" typeface="Leelawadee UI"/>
+        <a:font script="Bopo" typeface="Microsoft JhengHei"/>
+        <a:font script="Java" typeface="Javanese Text"/>
+        <a:font script="Lisu" typeface="Segoe UI"/>
+        <a:font script="Mymr" typeface="Myanmar Text"/>
+        <a:font script="Nkoo" typeface="Ebrima"/>
+        <a:font script="Olck" typeface="Nirmala UI"/>
+        <a:font script="Osma" typeface="Ebrima"/>
+        <a:font script="Phag" typeface="Phagspa"/>
+        <a:font script="Syrn" typeface="Estrangelo Edessa"/>
+        <a:font script="Syrj" typeface="Estrangelo Edessa"/>
+        <a:font script="Syre" typeface="Estrangelo Edessa"/>
+        <a:font script="Sora" typeface="Nirmala UI"/>
+        <a:font script="Tale" typeface="Microsoft Tai Le"/>
+        <a:font script="Talu" typeface="Microsoft New Tai Lue"/>
+        <a:font script="Tfng" typeface="Ebrima"/>
+      </a:majorFont>
+      <a:minorFont>
+        <a:latin typeface="Calibri" panose="020F0502020204030204"/>
+        <a:ea typeface=""/>
+        <a:cs typeface=""/>
+        <a:font script="Jpan" typeface="游ゴシック"/>
+        <a:font script="Hang" typeface="맑은 고딕"/>
+        <a:font script="Hans" typeface="等线"/>
+        <a:font script="Hant" typeface="新細明體"/>
+        <a:font script="Arab" typeface="Arial"/>
+        <a:font script="Hebr" typeface="Arial"/>
+        <a:font script="Thai" typeface="Cordia New"/>
+        <a:font script="Ethi" typeface="Nyala"/>
+        <a:font script="Beng" typeface="Vrinda"/>
+        <a:font script="Gujr" typeface="Shruti"/>
+        <a:font script="Khmr" typeface="DaunPenh"/>
+        <a:font script="Knda" typeface="Tunga"/>
+        <a:font script="Guru" typeface="Raavi"/>
+        <a:font script="Cans" typeface="Euphemia"/>
+        <a:font script="Cher" typeface="Plantagenet Cherokee"/>
+        <a:font script="Yiii" typeface="Microsoft Yi Baiti"/>
+        <a:font script="Tibt" typeface="Microsoft Himalaya"/>
+        <a:font script="Thaa" typeface="MV Boli"/>
+        <a:font script="Deva" typeface="Mangal"/>
+        <a:font script="Telu" typeface="Gautami"/>
+        <a:font script="Taml" typeface="Latha"/>
+        <a:font script="Syrc" typeface="Estrangelo Edessa"/>
+        <a:font script="Orya" typeface="Kalinga"/>
+        <a:font script="Mlym" typeface="Kartika"/>
+        <a:font script="Laoo" typeface="DokChampa"/>
+        <a:font script="Sinh" typeface="Iskoola Pota"/>
+        <a:font script="Mong" typeface="Mongolian Baiti"/>
+        <a:font script="Viet" typeface="Arial"/>
+        <a:font script="Uigh" typeface="Microsoft Uighur"/>
+        <a:font script="Geor" typeface="Sylfaen"/>
+        <a:font script="Armn" typeface="Arial"/>
+        <a:font script="Bugi" typeface="Leelawadee UI"/>
+        <a:font script="Bopo" typeface="Microsoft JhengHei"/>
+        <a:font script="Java" typeface="Javanese Text"/>
+        <a:font script="Lisu" typeface="Segoe UI"/>
+        <a:font script="Mymr" typeface="Myanmar Text"/>
+        <a:font script="Nkoo" typeface="Ebrima"/>
+        <a:font script="Olck" typeface="Nirmala UI"/>
+        <a:font script="Osma" typeface="Ebrima"/>
+        <a:font script="Phag" typeface="Phagspa"/>
+        <a:font script="Syrn" typeface="Estrangelo Edessa"/>
+        <a:font script="Syrj" typeface="Estrangelo Edessa"/>
+        <a:font script="Syre" typeface="Estrangelo Edessa"/>
+        <a:font script="Sora" typeface="Nirmala UI"/>
+        <a:font script="Tale" typeface="Microsoft Tai Le"/>
+        <a:font script="Talu" typeface="Microsoft New Tai Lue"/>
+        <a:font script="Tfng" typeface="Ebrima"/>
+      </a:minorFont>
+    </a:fontScheme>
+    <a:fmtScheme name="Office">
+      <a:fillStyleLst>
+        <a:solidFill>
+          <a:schemeClr val="phClr"/>
+        </a:solidFill>
+        <a:gradFill rotWithShape="1">
+          <a:gsLst>
+            <a:gs pos="0">
+              <a:schemeClr val="phClr">
+                <a:lumMod val="110000"/>
+                <a:satMod val="105000"/>
+                <a:tint val="67000"/>
+              </a:schemeClr>
+            </a:gs>
+            <a:gs pos="50000">
+              <a:schemeClr val="phClr">
+                <a:lumMod val="105000"/>
+                <a:satMod val="103000"/>
+                <a:tint val="73000"/>
+              </a:schemeClr>
+            </a:gs>
+            <a:gs pos="100000">
+              <a:schemeClr val="phClr">
+                <a:lumMod val="105000"/>
+                <a:satMod val="109000"/>
+                <a:tint val="81000"/>
+              </a:schemeClr>
+            </a:gs>
+          </a:gsLst>
+          <a:lin ang="5400000" scaled="0"/>
+        </a:gradFill>
+        <a:gradFill rotWithShape="1">
+          <a:gsLst>
+            <a:gs pos="0">
+              <a:schemeClr val="phClr">
+                <a:satMod val="103000"/>
+                <a:lumMod val="102000"/>
+                <a:tint val="94000"/>
+              </a:schemeClr>
+            </a:gs>
+            <a:gs pos="50000">
+              <a:schemeClr val="phClr">
+                <a:satMod val="110000"/>
+                <a:lumMod val="100000"/>
+                <a:shade val="100000"/>
+              </a:schemeClr>
+            </a:gs>
+            <a:gs pos="100000">
+              <a:schemeClr val="phClr">
+                <a:lumMod val="99000"/>
+                <a:satMod val="120000"/>
+                <a:shade val="78000"/>
+              </a:schemeClr>
+            </a:gs>
+          </a:gsLst>
+          <a:lin ang="5400000" scaled="0"/>
+        </a:gradFill>
+      </a:fillStyleLst>
+      <a:lnStyleLst>
+        <a:ln w="6350" cap="flat" cmpd="sng" algn="ctr">
+          <a:solidFill>
+            <a:schemeClr val="phClr"/>
+          </a:solidFill>
+          <a:prstDash val="solid"/>
+          <a:miter lim="800000"/>
+        </a:ln>
+        <a:ln w="12700" cap="flat" cmpd="sng" algn="ctr">
+          <a:solidFill>
+            <a:schemeClr val="phClr"/>
+          </a:solidFill>
+          <a:prstDash val="solid"/>
+          <a:miter lim="800000"/>
+        </a:ln>
+        <a:ln w="19050" cap="flat" cmpd="sng" algn="ctr">
+          <a:solidFill>
+            <a:schemeClr val="phClr"/>
+          </a:solidFill>
+          <a:prstDash val="solid"/>
+          <a:miter lim="800000"/>
+        </a:ln>
+      </a:lnStyleLst>
+      <a:effectStyleLst>
+        <a:effectStyle>
+          <a:effectLst/>
+        </a:effectStyle>
+        <a:effectStyle>
+          <a:effectLst/>
+        </a:effectStyle>
+        <a:effectStyle>
+          <a:effectLst>
+            <a:outerShdw blurRad="57150" dist="19050" dir="5400000" algn="ctr" rotWithShape="0">
+              <a:srgbClr val="000000">
+                <a:alpha val="63000"/>
+              </a:srgbClr>
+            </a:outerShdw>
+          </a:effectLst>
+        </a:effectStyle>
+      </a:effectStyleLst>
+      <a:bgFillStyleLst>
+        <a:solidFill>
+          <a:schemeClr val="phClr"/>
+        </a:solidFill>
+        <a:solidFill>
+          <a:schemeClr val="phClr">
+            <a:tint val="95000"/>
+            <a:satMod val="170000"/>
+          </a:schemeClr>
+        </a:solidFill>
+        <a:gradFill rotWithShape="1">
+          <a:gsLst>
+            <a:gs pos="0">
+              <a:schemeClr val="phClr">
+                <a:tint val="93000"/>
+                <a:satMod val="150000"/>
+                <a:shade val="98000"/>
+                <a:lumMod val="102000"/>
+              </a:schemeClr>
+            </a:gs>
+            <a:gs pos="50000">
+              <a:schemeClr val="phClr">
+                <a:tint val="98000"/>
+                <a:satMod val="130000"/>
+                <a:shade val="90000"/>
+                <a:lumMod val="103000"/>
+              </a:schemeClr>
+            </a:gs>
+            <a:gs pos="100000">
+              <a:schemeClr val="phClr">
+                <a:shade val="63000"/>
+                <a:satMod val="120000"/>
+              </a:schemeClr>
+            </a:gs>
+          </a:gsLst>
+          <a:lin ang="5400000" scaled="0"/>
+        </a:gradFill>
+      </a:bgFillStyleLst>
+    </a:fmtScheme>
+  </a:themeElements>
+  <a:objectDefaults/>
+  <a:extraClrSchemeLst/>
+  <a:extLst>
+    <a:ext uri="{05A4C25C-085E-4340-85A3-A5531E510DB2}">
+      <thm15:themeFamily xmlns:thm15="http://schemas.microsoft.com/office/thememl/2012/main" name="Office Theme" id="{62F939B6-93AF-4DB8-9C6B-D6C7DFDC589F}" vid="{4A3C46E8-61CC-4603-A589-7422A47A8E4A}"/>
+    </a:ext>
+  </a:extLst>
+</a:theme>
 </file>